--- a/Frontiers of Robotics Research/Project/msc project face recognition results table.pptx
+++ b/Frontiers of Robotics Research/Project/msc project face recognition results table.pptx
@@ -4405,10 +4405,10 @@
         </p:nvGrpSpPr>
         <p:grpSpPr>
           <a:xfrm>
-            <a:off x="1762083" y="146146"/>
-            <a:ext cx="8142610" cy="4822189"/>
+            <a:off x="2400605" y="157919"/>
+            <a:ext cx="7979460" cy="4822189"/>
             <a:chOff x="1149867" y="212862"/>
-            <a:chExt cx="8142610" cy="4822189"/>
+            <a:chExt cx="7979460" cy="4822189"/>
           </a:xfrm>
         </p:grpSpPr>
         <p:grpSp>
@@ -4931,10 +4931,10 @@
           </p:nvGrpSpPr>
           <p:grpSpPr>
             <a:xfrm>
-              <a:off x="8075891" y="4570936"/>
-              <a:ext cx="1216586" cy="271206"/>
-              <a:chOff x="8075891" y="223651"/>
-              <a:chExt cx="1216586" cy="271206"/>
+              <a:off x="7912741" y="4585942"/>
+              <a:ext cx="1216586" cy="290737"/>
+              <a:chOff x="7912741" y="238657"/>
+              <a:chExt cx="1216586" cy="290737"/>
             </a:xfrm>
           </p:grpSpPr>
           <p:sp>
@@ -4951,7 +4951,7 @@
             </p:nvSpPr>
             <p:spPr>
               <a:xfrm>
-                <a:off x="8075891" y="223651"/>
+                <a:off x="7912741" y="238657"/>
                 <a:ext cx="1216586" cy="246221"/>
               </a:xfrm>
               <a:prstGeom prst="rect">
@@ -4986,7 +4986,7 @@
             </p:nvSpPr>
             <p:spPr>
               <a:xfrm>
-                <a:off x="8388978" y="436291"/>
+                <a:off x="8107691" y="470828"/>
                 <a:ext cx="51372" cy="58566"/>
               </a:xfrm>
               <a:prstGeom prst="ellipse">
@@ -5329,12 +5329,9 @@
 </file>
 
 <file path=customXml/item1.xml><?xml version="1.0" encoding="utf-8"?>
-<?mso-contentType ?>
-<FormTemplates xmlns="http://schemas.microsoft.com/sharepoint/v3/contenttype/forms">
-  <Display>DocumentLibraryForm</Display>
-  <Edit>DocumentLibraryForm</Edit>
-  <New>DocumentLibraryForm</New>
-</FormTemplates>
+<p:properties xmlns:p="http://schemas.microsoft.com/office/2006/metadata/properties" xmlns:xsi="http://www.w3.org/2001/XMLSchema-instance" xmlns:pc="http://schemas.microsoft.com/office/infopath/2007/PartnerControls">
+  <documentManagement/>
+</p:properties>
 </file>
 
 <file path=customXml/item2.xml><?xml version="1.0" encoding="utf-8"?>
@@ -5567,15 +5564,27 @@
 </file>
 
 <file path=customXml/item3.xml><?xml version="1.0" encoding="utf-8"?>
-<p:properties xmlns:p="http://schemas.microsoft.com/office/2006/metadata/properties" xmlns:xsi="http://www.w3.org/2001/XMLSchema-instance" xmlns:pc="http://schemas.microsoft.com/office/infopath/2007/PartnerControls">
-  <documentManagement/>
-</p:properties>
+<?mso-contentType ?>
+<FormTemplates xmlns="http://schemas.microsoft.com/sharepoint/v3/contenttype/forms">
+  <Display>DocumentLibraryForm</Display>
+  <Edit>DocumentLibraryForm</Edit>
+  <New>DocumentLibraryForm</New>
+</FormTemplates>
 </file>
 
 <file path=customXml/itemProps1.xml><?xml version="1.0" encoding="utf-8"?>
-<ds:datastoreItem xmlns:ds="http://schemas.openxmlformats.org/officeDocument/2006/customXml" ds:itemID="{23DDCE17-88C3-4032-A5F7-6798F0AF4B1E}">
+<ds:datastoreItem xmlns:ds="http://schemas.openxmlformats.org/officeDocument/2006/customXml" ds:itemID="{1AC6BCB7-BEDB-4B05-AA18-8351898859BF}">
   <ds:schemaRefs>
-    <ds:schemaRef ds:uri="http://schemas.microsoft.com/sharepoint/v3/contenttype/forms"/>
+    <ds:schemaRef ds:uri="http://purl.org/dc/elements/1.1/"/>
+    <ds:schemaRef ds:uri="http://schemas.microsoft.com/office/2006/metadata/properties"/>
+    <ds:schemaRef ds:uri="http://schemas.microsoft.com/office/2006/documentManagement/types"/>
+    <ds:schemaRef ds:uri="74cd053d-540d-4485-8ea1-05c7663abe95"/>
+    <ds:schemaRef ds:uri="http://purl.org/dc/terms/"/>
+    <ds:schemaRef ds:uri="http://schemas.openxmlformats.org/package/2006/metadata/core-properties"/>
+    <ds:schemaRef ds:uri="http://purl.org/dc/dcmitype/"/>
+    <ds:schemaRef ds:uri="bd6448f9-4a1c-4e61-8c75-19c935a45542"/>
+    <ds:schemaRef ds:uri="http://schemas.microsoft.com/office/infopath/2007/PartnerControls"/>
+    <ds:schemaRef ds:uri="http://www.w3.org/XML/1998/namespace"/>
   </ds:schemaRefs>
 </ds:datastoreItem>
 </file>
@@ -5600,18 +5609,9 @@
 </file>
 
 <file path=customXml/itemProps3.xml><?xml version="1.0" encoding="utf-8"?>
-<ds:datastoreItem xmlns:ds="http://schemas.openxmlformats.org/officeDocument/2006/customXml" ds:itemID="{1AC6BCB7-BEDB-4B05-AA18-8351898859BF}">
+<ds:datastoreItem xmlns:ds="http://schemas.openxmlformats.org/officeDocument/2006/customXml" ds:itemID="{23DDCE17-88C3-4032-A5F7-6798F0AF4B1E}">
   <ds:schemaRefs>
-    <ds:schemaRef ds:uri="http://purl.org/dc/elements/1.1/"/>
-    <ds:schemaRef ds:uri="http://schemas.microsoft.com/office/2006/metadata/properties"/>
-    <ds:schemaRef ds:uri="http://schemas.microsoft.com/office/2006/documentManagement/types"/>
-    <ds:schemaRef ds:uri="74cd053d-540d-4485-8ea1-05c7663abe95"/>
-    <ds:schemaRef ds:uri="http://purl.org/dc/terms/"/>
-    <ds:schemaRef ds:uri="http://schemas.openxmlformats.org/package/2006/metadata/core-properties"/>
-    <ds:schemaRef ds:uri="http://purl.org/dc/dcmitype/"/>
-    <ds:schemaRef ds:uri="bd6448f9-4a1c-4e61-8c75-19c935a45542"/>
-    <ds:schemaRef ds:uri="http://schemas.microsoft.com/office/infopath/2007/PartnerControls"/>
-    <ds:schemaRef ds:uri="http://www.w3.org/XML/1998/namespace"/>
+    <ds:schemaRef ds:uri="http://schemas.microsoft.com/sharepoint/v3/contenttype/forms"/>
   </ds:schemaRefs>
 </ds:datastoreItem>
 </file>
--- a/Frontiers of Robotics Research/Project/msc project face recognition results table.pptx
+++ b/Frontiers of Robotics Research/Project/msc project face recognition results table.pptx
@@ -1,22 +1,122 @@
 
 <file path=ppt/presentation.xml><?xml version="1.0" encoding="utf-8"?>
-<p:presentation xmlns:a="http://schemas.openxmlformats.org/drawingml/2006/main" xmlns:p="http://schemas.openxmlformats.org/presentationml/2006/main" xmlns:r="http://schemas.openxmlformats.org/officeDocument/2006/relationships" xmlns:p14="http://schemas.microsoft.com/office/powerpoint/2010/main" xmlns:p15="http://schemas.microsoft.com/office/powerpoint/2012/main" xmlns:mc="http://schemas.openxmlformats.org/markup-compatibility/2006">
+<p:presentation xmlns:a="http://schemas.openxmlformats.org/drawingml/2006/main" xmlns:r="http://schemas.openxmlformats.org/officeDocument/2006/relationships" xmlns:p="http://schemas.openxmlformats.org/presentationml/2006/main">
   <p:sldMasterIdLst>
-    <p:sldMasterId id="2147483648" r:id="rId2"/>
-    <p:sldMasterId id="2147483661" r:id="rId3"/>
+    <p:sldMasterId id="2147483648" r:id="rId1"/>
+    <p:sldMasterId id="2147483661" r:id="rId2"/>
   </p:sldMasterIdLst>
   <p:sldIdLst>
-    <p:sldId id="256" r:id="rId4"/>
-    <p:sldId id="257" r:id="rId5"/>
-    <p:sldId id="258" r:id="rId6"/>
+    <p:sldId id="256" r:id="rId3"/>
+    <p:sldId id="257" r:id="rId4"/>
+    <p:sldId id="258" r:id="rId5"/>
   </p:sldIdLst>
   <p:sldSz cx="12192000" cy="6858000"/>
   <p:notesSz cx="7772400" cy="10058400"/>
+  <p:defaultTextStyle>
+    <a:defPPr>
+      <a:defRPr lang="en-US"/>
+    </a:defPPr>
+    <a:lvl1pPr marL="0" algn="l" defTabSz="914400" rtl="0" eaLnBrk="1" latinLnBrk="0" hangingPunct="1">
+      <a:defRPr sz="1800" kern="1200">
+        <a:solidFill>
+          <a:schemeClr val="tx1"/>
+        </a:solidFill>
+        <a:latin typeface="+mn-lt"/>
+        <a:ea typeface="+mn-ea"/>
+        <a:cs typeface="+mn-cs"/>
+      </a:defRPr>
+    </a:lvl1pPr>
+    <a:lvl2pPr marL="457200" algn="l" defTabSz="914400" rtl="0" eaLnBrk="1" latinLnBrk="0" hangingPunct="1">
+      <a:defRPr sz="1800" kern="1200">
+        <a:solidFill>
+          <a:schemeClr val="tx1"/>
+        </a:solidFill>
+        <a:latin typeface="+mn-lt"/>
+        <a:ea typeface="+mn-ea"/>
+        <a:cs typeface="+mn-cs"/>
+      </a:defRPr>
+    </a:lvl2pPr>
+    <a:lvl3pPr marL="914400" algn="l" defTabSz="914400" rtl="0" eaLnBrk="1" latinLnBrk="0" hangingPunct="1">
+      <a:defRPr sz="1800" kern="1200">
+        <a:solidFill>
+          <a:schemeClr val="tx1"/>
+        </a:solidFill>
+        <a:latin typeface="+mn-lt"/>
+        <a:ea typeface="+mn-ea"/>
+        <a:cs typeface="+mn-cs"/>
+      </a:defRPr>
+    </a:lvl3pPr>
+    <a:lvl4pPr marL="1371600" algn="l" defTabSz="914400" rtl="0" eaLnBrk="1" latinLnBrk="0" hangingPunct="1">
+      <a:defRPr sz="1800" kern="1200">
+        <a:solidFill>
+          <a:schemeClr val="tx1"/>
+        </a:solidFill>
+        <a:latin typeface="+mn-lt"/>
+        <a:ea typeface="+mn-ea"/>
+        <a:cs typeface="+mn-cs"/>
+      </a:defRPr>
+    </a:lvl4pPr>
+    <a:lvl5pPr marL="1828800" algn="l" defTabSz="914400" rtl="0" eaLnBrk="1" latinLnBrk="0" hangingPunct="1">
+      <a:defRPr sz="1800" kern="1200">
+        <a:solidFill>
+          <a:schemeClr val="tx1"/>
+        </a:solidFill>
+        <a:latin typeface="+mn-lt"/>
+        <a:ea typeface="+mn-ea"/>
+        <a:cs typeface="+mn-cs"/>
+      </a:defRPr>
+    </a:lvl5pPr>
+    <a:lvl6pPr marL="2286000" algn="l" defTabSz="914400" rtl="0" eaLnBrk="1" latinLnBrk="0" hangingPunct="1">
+      <a:defRPr sz="1800" kern="1200">
+        <a:solidFill>
+          <a:schemeClr val="tx1"/>
+        </a:solidFill>
+        <a:latin typeface="+mn-lt"/>
+        <a:ea typeface="+mn-ea"/>
+        <a:cs typeface="+mn-cs"/>
+      </a:defRPr>
+    </a:lvl6pPr>
+    <a:lvl7pPr marL="2743200" algn="l" defTabSz="914400" rtl="0" eaLnBrk="1" latinLnBrk="0" hangingPunct="1">
+      <a:defRPr sz="1800" kern="1200">
+        <a:solidFill>
+          <a:schemeClr val="tx1"/>
+        </a:solidFill>
+        <a:latin typeface="+mn-lt"/>
+        <a:ea typeface="+mn-ea"/>
+        <a:cs typeface="+mn-cs"/>
+      </a:defRPr>
+    </a:lvl7pPr>
+    <a:lvl8pPr marL="3200400" algn="l" defTabSz="914400" rtl="0" eaLnBrk="1" latinLnBrk="0" hangingPunct="1">
+      <a:defRPr sz="1800" kern="1200">
+        <a:solidFill>
+          <a:schemeClr val="tx1"/>
+        </a:solidFill>
+        <a:latin typeface="+mn-lt"/>
+        <a:ea typeface="+mn-ea"/>
+        <a:cs typeface="+mn-cs"/>
+      </a:defRPr>
+    </a:lvl8pPr>
+    <a:lvl9pPr marL="3657600" algn="l" defTabSz="914400" rtl="0" eaLnBrk="1" latinLnBrk="0" hangingPunct="1">
+      <a:defRPr sz="1800" kern="1200">
+        <a:solidFill>
+          <a:schemeClr val="tx1"/>
+        </a:solidFill>
+        <a:latin typeface="+mn-lt"/>
+        <a:ea typeface="+mn-ea"/>
+        <a:cs typeface="+mn-cs"/>
+      </a:defRPr>
+    </a:lvl9pPr>
+  </p:defaultTextStyle>
+  <p:extLst>
+    <p:ext uri="{EFAFB233-063F-42B5-8137-9DF3F51BA10A}">
+      <p15:sldGuideLst xmlns:p15="http://schemas.microsoft.com/office/powerpoint/2012/main"/>
+    </p:ext>
+  </p:extLst>
 </p:presentation>
 </file>
 
 <file path=ppt/slideLayouts/slideLayout1.xml><?xml version="1.0" encoding="utf-8"?>
-<p:sldLayout xmlns:a="http://schemas.openxmlformats.org/drawingml/2006/main" xmlns:p="http://schemas.openxmlformats.org/presentationml/2006/main" xmlns:r="http://schemas.openxmlformats.org/officeDocument/2006/relationships" xmlns:p14="http://schemas.microsoft.com/office/powerpoint/2010/main" xmlns:p15="http://schemas.microsoft.com/office/powerpoint/2012/main" xmlns:mc="http://schemas.openxmlformats.org/markup-compatibility/2006" type="blank" preserve="1">
+<p:sldLayout xmlns:a="http://schemas.openxmlformats.org/drawingml/2006/main" xmlns:r="http://schemas.openxmlformats.org/officeDocument/2006/relationships" xmlns:p="http://schemas.openxmlformats.org/presentationml/2006/main" type="blank" preserve="1">
   <p:cSld name="Blank Slide">
     <p:spTree>
       <p:nvGrpSpPr>
@@ -34,11 +134,14 @@
       </p:grpSpPr>
     </p:spTree>
   </p:cSld>
+  <p:clrMapOvr>
+    <a:masterClrMapping/>
+  </p:clrMapOvr>
 </p:sldLayout>
 </file>
 
 <file path=ppt/slideLayouts/slideLayout10.xml><?xml version="1.0" encoding="utf-8"?>
-<p:sldLayout xmlns:a="http://schemas.openxmlformats.org/drawingml/2006/main" xmlns:p="http://schemas.openxmlformats.org/presentationml/2006/main" xmlns:r="http://schemas.openxmlformats.org/officeDocument/2006/relationships" xmlns:p14="http://schemas.microsoft.com/office/powerpoint/2010/main" xmlns:p15="http://schemas.microsoft.com/office/powerpoint/2012/main" xmlns:mc="http://schemas.openxmlformats.org/markup-compatibility/2006" type="objOverTx" preserve="1">
+<p:sldLayout xmlns:a="http://schemas.openxmlformats.org/drawingml/2006/main" xmlns:r="http://schemas.openxmlformats.org/officeDocument/2006/relationships" xmlns:p="http://schemas.openxmlformats.org/presentationml/2006/main" type="objOverTx" preserve="1">
   <p:cSld name="Title, Content over Content">
     <p:spTree>
       <p:nvGrpSpPr>
@@ -74,12 +177,13 @@
           </a:prstGeom>
         </p:spPr>
         <p:txBody>
-          <a:bodyPr lIns="0" rIns="0" tIns="0" bIns="0" anchor="ctr">
+          <a:bodyPr lIns="0" tIns="0" rIns="0" bIns="0" anchor="ctr">
             <a:noAutofit/>
           </a:bodyPr>
+          <a:lstStyle/>
           <a:p>
             <a:pPr algn="ctr"/>
-            <a:endParaRPr b="0" lang="en-GB" sz="4400" spc="-1" strike="noStrike">
+            <a:endParaRPr lang="en-GB" sz="4400" b="0" strike="noStrike" spc="-1">
               <a:latin typeface="Arial"/>
             </a:endParaRPr>
           </a:p>
@@ -105,11 +209,12 @@
           </a:prstGeom>
         </p:spPr>
         <p:txBody>
-          <a:bodyPr lIns="0" rIns="0" tIns="0" bIns="0">
+          <a:bodyPr lIns="0" tIns="0" rIns="0" bIns="0">
             <a:normAutofit/>
           </a:bodyPr>
-          <a:p>
-            <a:endParaRPr b="0" lang="en-GB" sz="3200" spc="-1" strike="noStrike">
+          <a:lstStyle/>
+          <a:p>
+            <a:endParaRPr lang="en-GB" sz="3200" b="0" strike="noStrike" spc="-1">
               <a:latin typeface="Arial"/>
             </a:endParaRPr>
           </a:p>
@@ -135,11 +240,12 @@
           </a:prstGeom>
         </p:spPr>
         <p:txBody>
-          <a:bodyPr lIns="0" rIns="0" tIns="0" bIns="0">
+          <a:bodyPr lIns="0" tIns="0" rIns="0" bIns="0">
             <a:normAutofit/>
           </a:bodyPr>
-          <a:p>
-            <a:endParaRPr b="0" lang="en-GB" sz="3200" spc="-1" strike="noStrike">
+          <a:lstStyle/>
+          <a:p>
+            <a:endParaRPr lang="en-GB" sz="3200" b="0" strike="noStrike" spc="-1">
               <a:latin typeface="Arial"/>
             </a:endParaRPr>
           </a:p>
@@ -147,11 +253,14 @@
       </p:sp>
     </p:spTree>
   </p:cSld>
+  <p:clrMapOvr>
+    <a:masterClrMapping/>
+  </p:clrMapOvr>
 </p:sldLayout>
 </file>
 
 <file path=ppt/slideLayouts/slideLayout11.xml><?xml version="1.0" encoding="utf-8"?>
-<p:sldLayout xmlns:a="http://schemas.openxmlformats.org/drawingml/2006/main" xmlns:p="http://schemas.openxmlformats.org/presentationml/2006/main" xmlns:r="http://schemas.openxmlformats.org/officeDocument/2006/relationships" xmlns:p14="http://schemas.microsoft.com/office/powerpoint/2010/main" xmlns:p15="http://schemas.microsoft.com/office/powerpoint/2012/main" xmlns:mc="http://schemas.openxmlformats.org/markup-compatibility/2006" type="fourObj" preserve="1">
+<p:sldLayout xmlns:a="http://schemas.openxmlformats.org/drawingml/2006/main" xmlns:r="http://schemas.openxmlformats.org/officeDocument/2006/relationships" xmlns:p="http://schemas.openxmlformats.org/presentationml/2006/main" type="fourObj" preserve="1">
   <p:cSld name="Title, 4 Content">
     <p:spTree>
       <p:nvGrpSpPr>
@@ -187,12 +296,13 @@
           </a:prstGeom>
         </p:spPr>
         <p:txBody>
-          <a:bodyPr lIns="0" rIns="0" tIns="0" bIns="0" anchor="ctr">
+          <a:bodyPr lIns="0" tIns="0" rIns="0" bIns="0" anchor="ctr">
             <a:noAutofit/>
           </a:bodyPr>
+          <a:lstStyle/>
           <a:p>
             <a:pPr algn="ctr"/>
-            <a:endParaRPr b="0" lang="en-GB" sz="4400" spc="-1" strike="noStrike">
+            <a:endParaRPr lang="en-GB" sz="4400" b="0" strike="noStrike" spc="-1">
               <a:latin typeface="Arial"/>
             </a:endParaRPr>
           </a:p>
@@ -218,11 +328,12 @@
           </a:prstGeom>
         </p:spPr>
         <p:txBody>
-          <a:bodyPr lIns="0" rIns="0" tIns="0" bIns="0">
+          <a:bodyPr lIns="0" tIns="0" rIns="0" bIns="0">
             <a:normAutofit/>
           </a:bodyPr>
-          <a:p>
-            <a:endParaRPr b="0" lang="en-GB" sz="3200" spc="-1" strike="noStrike">
+          <a:lstStyle/>
+          <a:p>
+            <a:endParaRPr lang="en-GB" sz="3200" b="0" strike="noStrike" spc="-1">
               <a:latin typeface="Arial"/>
             </a:endParaRPr>
           </a:p>
@@ -248,11 +359,12 @@
           </a:prstGeom>
         </p:spPr>
         <p:txBody>
-          <a:bodyPr lIns="0" rIns="0" tIns="0" bIns="0">
+          <a:bodyPr lIns="0" tIns="0" rIns="0" bIns="0">
             <a:normAutofit/>
           </a:bodyPr>
-          <a:p>
-            <a:endParaRPr b="0" lang="en-GB" sz="3200" spc="-1" strike="noStrike">
+          <a:lstStyle/>
+          <a:p>
+            <a:endParaRPr lang="en-GB" sz="3200" b="0" strike="noStrike" spc="-1">
               <a:latin typeface="Arial"/>
             </a:endParaRPr>
           </a:p>
@@ -278,11 +390,12 @@
           </a:prstGeom>
         </p:spPr>
         <p:txBody>
-          <a:bodyPr lIns="0" rIns="0" tIns="0" bIns="0">
+          <a:bodyPr lIns="0" tIns="0" rIns="0" bIns="0">
             <a:normAutofit/>
           </a:bodyPr>
-          <a:p>
-            <a:endParaRPr b="0" lang="en-GB" sz="3200" spc="-1" strike="noStrike">
+          <a:lstStyle/>
+          <a:p>
+            <a:endParaRPr lang="en-GB" sz="3200" b="0" strike="noStrike" spc="-1">
               <a:latin typeface="Arial"/>
             </a:endParaRPr>
           </a:p>
@@ -308,11 +421,12 @@
           </a:prstGeom>
         </p:spPr>
         <p:txBody>
-          <a:bodyPr lIns="0" rIns="0" tIns="0" bIns="0">
+          <a:bodyPr lIns="0" tIns="0" rIns="0" bIns="0">
             <a:normAutofit/>
           </a:bodyPr>
-          <a:p>
-            <a:endParaRPr b="0" lang="en-GB" sz="3200" spc="-1" strike="noStrike">
+          <a:lstStyle/>
+          <a:p>
+            <a:endParaRPr lang="en-GB" sz="3200" b="0" strike="noStrike" spc="-1">
               <a:latin typeface="Arial"/>
             </a:endParaRPr>
           </a:p>
@@ -320,11 +434,14 @@
       </p:sp>
     </p:spTree>
   </p:cSld>
+  <p:clrMapOvr>
+    <a:masterClrMapping/>
+  </p:clrMapOvr>
 </p:sldLayout>
 </file>
 
 <file path=ppt/slideLayouts/slideLayout12.xml><?xml version="1.0" encoding="utf-8"?>
-<p:sldLayout xmlns:a="http://schemas.openxmlformats.org/drawingml/2006/main" xmlns:p="http://schemas.openxmlformats.org/presentationml/2006/main" xmlns:r="http://schemas.openxmlformats.org/officeDocument/2006/relationships" xmlns:p14="http://schemas.microsoft.com/office/powerpoint/2010/main" xmlns:p15="http://schemas.microsoft.com/office/powerpoint/2012/main" xmlns:mc="http://schemas.openxmlformats.org/markup-compatibility/2006" type="blank" preserve="1">
+<p:sldLayout xmlns:a="http://schemas.openxmlformats.org/drawingml/2006/main" xmlns:r="http://schemas.openxmlformats.org/officeDocument/2006/relationships" xmlns:p="http://schemas.openxmlformats.org/presentationml/2006/main" type="blank" preserve="1">
   <p:cSld name="Title, 6 Content">
     <p:spTree>
       <p:nvGrpSpPr>
@@ -360,12 +477,13 @@
           </a:prstGeom>
         </p:spPr>
         <p:txBody>
-          <a:bodyPr lIns="0" rIns="0" tIns="0" bIns="0" anchor="ctr">
+          <a:bodyPr lIns="0" tIns="0" rIns="0" bIns="0" anchor="ctr">
             <a:noAutofit/>
           </a:bodyPr>
+          <a:lstStyle/>
           <a:p>
             <a:pPr algn="ctr"/>
-            <a:endParaRPr b="0" lang="en-GB" sz="4400" spc="-1" strike="noStrike">
+            <a:endParaRPr lang="en-GB" sz="4400" b="0" strike="noStrike" spc="-1">
               <a:latin typeface="Arial"/>
             </a:endParaRPr>
           </a:p>
@@ -391,11 +509,12 @@
           </a:prstGeom>
         </p:spPr>
         <p:txBody>
-          <a:bodyPr lIns="0" rIns="0" tIns="0" bIns="0">
+          <a:bodyPr lIns="0" tIns="0" rIns="0" bIns="0">
             <a:normAutofit/>
           </a:bodyPr>
-          <a:p>
-            <a:endParaRPr b="0" lang="en-GB" sz="3200" spc="-1" strike="noStrike">
+          <a:lstStyle/>
+          <a:p>
+            <a:endParaRPr lang="en-GB" sz="3200" b="0" strike="noStrike" spc="-1">
               <a:latin typeface="Arial"/>
             </a:endParaRPr>
           </a:p>
@@ -421,11 +540,12 @@
           </a:prstGeom>
         </p:spPr>
         <p:txBody>
-          <a:bodyPr lIns="0" rIns="0" tIns="0" bIns="0">
+          <a:bodyPr lIns="0" tIns="0" rIns="0" bIns="0">
             <a:normAutofit/>
           </a:bodyPr>
-          <a:p>
-            <a:endParaRPr b="0" lang="en-GB" sz="3200" spc="-1" strike="noStrike">
+          <a:lstStyle/>
+          <a:p>
+            <a:endParaRPr lang="en-GB" sz="3200" b="0" strike="noStrike" spc="-1">
               <a:latin typeface="Arial"/>
             </a:endParaRPr>
           </a:p>
@@ -451,11 +571,12 @@
           </a:prstGeom>
         </p:spPr>
         <p:txBody>
-          <a:bodyPr lIns="0" rIns="0" tIns="0" bIns="0">
+          <a:bodyPr lIns="0" tIns="0" rIns="0" bIns="0">
             <a:normAutofit/>
           </a:bodyPr>
-          <a:p>
-            <a:endParaRPr b="0" lang="en-GB" sz="3200" spc="-1" strike="noStrike">
+          <a:lstStyle/>
+          <a:p>
+            <a:endParaRPr lang="en-GB" sz="3200" b="0" strike="noStrike" spc="-1">
               <a:latin typeface="Arial"/>
             </a:endParaRPr>
           </a:p>
@@ -481,11 +602,12 @@
           </a:prstGeom>
         </p:spPr>
         <p:txBody>
-          <a:bodyPr lIns="0" rIns="0" tIns="0" bIns="0">
+          <a:bodyPr lIns="0" tIns="0" rIns="0" bIns="0">
             <a:normAutofit/>
           </a:bodyPr>
-          <a:p>
-            <a:endParaRPr b="0" lang="en-GB" sz="3200" spc="-1" strike="noStrike">
+          <a:lstStyle/>
+          <a:p>
+            <a:endParaRPr lang="en-GB" sz="3200" b="0" strike="noStrike" spc="-1">
               <a:latin typeface="Arial"/>
             </a:endParaRPr>
           </a:p>
@@ -511,11 +633,12 @@
           </a:prstGeom>
         </p:spPr>
         <p:txBody>
-          <a:bodyPr lIns="0" rIns="0" tIns="0" bIns="0">
+          <a:bodyPr lIns="0" tIns="0" rIns="0" bIns="0">
             <a:normAutofit/>
           </a:bodyPr>
-          <a:p>
-            <a:endParaRPr b="0" lang="en-GB" sz="3200" spc="-1" strike="noStrike">
+          <a:lstStyle/>
+          <a:p>
+            <a:endParaRPr lang="en-GB" sz="3200" b="0" strike="noStrike" spc="-1">
               <a:latin typeface="Arial"/>
             </a:endParaRPr>
           </a:p>
@@ -541,11 +664,12 @@
           </a:prstGeom>
         </p:spPr>
         <p:txBody>
-          <a:bodyPr lIns="0" rIns="0" tIns="0" bIns="0">
+          <a:bodyPr lIns="0" tIns="0" rIns="0" bIns="0">
             <a:normAutofit/>
           </a:bodyPr>
-          <a:p>
-            <a:endParaRPr b="0" lang="en-GB" sz="3200" spc="-1" strike="noStrike">
+          <a:lstStyle/>
+          <a:p>
+            <a:endParaRPr lang="en-GB" sz="3200" b="0" strike="noStrike" spc="-1">
               <a:latin typeface="Arial"/>
             </a:endParaRPr>
           </a:p>
@@ -553,11 +677,14 @@
       </p:sp>
     </p:spTree>
   </p:cSld>
+  <p:clrMapOvr>
+    <a:masterClrMapping/>
+  </p:clrMapOvr>
 </p:sldLayout>
 </file>
 
 <file path=ppt/slideLayouts/slideLayout13.xml><?xml version="1.0" encoding="utf-8"?>
-<p:sldLayout xmlns:a="http://schemas.openxmlformats.org/drawingml/2006/main" xmlns:p="http://schemas.openxmlformats.org/presentationml/2006/main" xmlns:r="http://schemas.openxmlformats.org/officeDocument/2006/relationships" xmlns:p14="http://schemas.microsoft.com/office/powerpoint/2010/main" xmlns:p15="http://schemas.microsoft.com/office/powerpoint/2012/main" xmlns:mc="http://schemas.openxmlformats.org/markup-compatibility/2006" type="blank" preserve="1">
+<p:sldLayout xmlns:a="http://schemas.openxmlformats.org/drawingml/2006/main" xmlns:r="http://schemas.openxmlformats.org/officeDocument/2006/relationships" xmlns:p="http://schemas.openxmlformats.org/presentationml/2006/main" type="blank" preserve="1">
   <p:cSld name="Blank Slide">
     <p:spTree>
       <p:nvGrpSpPr>
@@ -575,11 +702,14 @@
       </p:grpSpPr>
     </p:spTree>
   </p:cSld>
+  <p:clrMapOvr>
+    <a:masterClrMapping/>
+  </p:clrMapOvr>
 </p:sldLayout>
 </file>
 
 <file path=ppt/slideLayouts/slideLayout14.xml><?xml version="1.0" encoding="utf-8"?>
-<p:sldLayout xmlns:a="http://schemas.openxmlformats.org/drawingml/2006/main" xmlns:p="http://schemas.openxmlformats.org/presentationml/2006/main" xmlns:r="http://schemas.openxmlformats.org/officeDocument/2006/relationships" xmlns:p14="http://schemas.microsoft.com/office/powerpoint/2010/main" xmlns:p15="http://schemas.microsoft.com/office/powerpoint/2012/main" xmlns:mc="http://schemas.openxmlformats.org/markup-compatibility/2006" type="tx" preserve="1">
+<p:sldLayout xmlns:a="http://schemas.openxmlformats.org/drawingml/2006/main" xmlns:r="http://schemas.openxmlformats.org/officeDocument/2006/relationships" xmlns:p="http://schemas.openxmlformats.org/presentationml/2006/main" type="tx" preserve="1">
   <p:cSld name="Title Slide">
     <p:spTree>
       <p:nvGrpSpPr>
@@ -615,12 +745,13 @@
           </a:prstGeom>
         </p:spPr>
         <p:txBody>
-          <a:bodyPr lIns="0" rIns="0" tIns="0" bIns="0" anchor="ctr">
+          <a:bodyPr lIns="0" tIns="0" rIns="0" bIns="0" anchor="ctr">
             <a:noAutofit/>
           </a:bodyPr>
+          <a:lstStyle/>
           <a:p>
             <a:pPr algn="ctr"/>
-            <a:endParaRPr b="0" lang="en-GB" sz="4400" spc="-1" strike="noStrike">
+            <a:endParaRPr lang="en-GB" sz="4400" b="0" strike="noStrike" spc="-1">
               <a:latin typeface="Arial"/>
             </a:endParaRPr>
           </a:p>
@@ -646,12 +777,13 @@
           </a:prstGeom>
         </p:spPr>
         <p:txBody>
-          <a:bodyPr lIns="0" rIns="0" tIns="0" bIns="0" anchor="ctr">
+          <a:bodyPr lIns="0" tIns="0" rIns="0" bIns="0" anchor="ctr">
             <a:noAutofit/>
           </a:bodyPr>
+          <a:lstStyle/>
           <a:p>
             <a:pPr algn="ctr"/>
-            <a:endParaRPr b="0" lang="en-GB" sz="3200" spc="-1" strike="noStrike">
+            <a:endParaRPr lang="en-GB" sz="3200" b="0" strike="noStrike" spc="-1">
               <a:latin typeface="Arial"/>
             </a:endParaRPr>
           </a:p>
@@ -659,11 +791,14 @@
       </p:sp>
     </p:spTree>
   </p:cSld>
+  <p:clrMapOvr>
+    <a:masterClrMapping/>
+  </p:clrMapOvr>
 </p:sldLayout>
 </file>
 
 <file path=ppt/slideLayouts/slideLayout15.xml><?xml version="1.0" encoding="utf-8"?>
-<p:sldLayout xmlns:a="http://schemas.openxmlformats.org/drawingml/2006/main" xmlns:p="http://schemas.openxmlformats.org/presentationml/2006/main" xmlns:r="http://schemas.openxmlformats.org/officeDocument/2006/relationships" xmlns:p14="http://schemas.microsoft.com/office/powerpoint/2010/main" xmlns:p15="http://schemas.microsoft.com/office/powerpoint/2012/main" xmlns:mc="http://schemas.openxmlformats.org/markup-compatibility/2006" type="obj" preserve="1">
+<p:sldLayout xmlns:a="http://schemas.openxmlformats.org/drawingml/2006/main" xmlns:r="http://schemas.openxmlformats.org/officeDocument/2006/relationships" xmlns:p="http://schemas.openxmlformats.org/presentationml/2006/main" type="obj" preserve="1">
   <p:cSld name="Title, Content">
     <p:spTree>
       <p:nvGrpSpPr>
@@ -699,12 +834,13 @@
           </a:prstGeom>
         </p:spPr>
         <p:txBody>
-          <a:bodyPr lIns="0" rIns="0" tIns="0" bIns="0" anchor="ctr">
+          <a:bodyPr lIns="0" tIns="0" rIns="0" bIns="0" anchor="ctr">
             <a:noAutofit/>
           </a:bodyPr>
+          <a:lstStyle/>
           <a:p>
             <a:pPr algn="ctr"/>
-            <a:endParaRPr b="0" lang="en-GB" sz="4400" spc="-1" strike="noStrike">
+            <a:endParaRPr lang="en-GB" sz="4400" b="0" strike="noStrike" spc="-1">
               <a:latin typeface="Arial"/>
             </a:endParaRPr>
           </a:p>
@@ -730,11 +866,12 @@
           </a:prstGeom>
         </p:spPr>
         <p:txBody>
-          <a:bodyPr lIns="0" rIns="0" tIns="0" bIns="0">
+          <a:bodyPr lIns="0" tIns="0" rIns="0" bIns="0">
             <a:normAutofit/>
           </a:bodyPr>
-          <a:p>
-            <a:endParaRPr b="0" lang="en-GB" sz="3200" spc="-1" strike="noStrike">
+          <a:lstStyle/>
+          <a:p>
+            <a:endParaRPr lang="en-GB" sz="3200" b="0" strike="noStrike" spc="-1">
               <a:latin typeface="Arial"/>
             </a:endParaRPr>
           </a:p>
@@ -742,11 +879,14 @@
       </p:sp>
     </p:spTree>
   </p:cSld>
+  <p:clrMapOvr>
+    <a:masterClrMapping/>
+  </p:clrMapOvr>
 </p:sldLayout>
 </file>
 
 <file path=ppt/slideLayouts/slideLayout16.xml><?xml version="1.0" encoding="utf-8"?>
-<p:sldLayout xmlns:a="http://schemas.openxmlformats.org/drawingml/2006/main" xmlns:p="http://schemas.openxmlformats.org/presentationml/2006/main" xmlns:r="http://schemas.openxmlformats.org/officeDocument/2006/relationships" xmlns:p14="http://schemas.microsoft.com/office/powerpoint/2010/main" xmlns:p15="http://schemas.microsoft.com/office/powerpoint/2012/main" xmlns:mc="http://schemas.openxmlformats.org/markup-compatibility/2006" type="twoObj" preserve="1">
+<p:sldLayout xmlns:a="http://schemas.openxmlformats.org/drawingml/2006/main" xmlns:r="http://schemas.openxmlformats.org/officeDocument/2006/relationships" xmlns:p="http://schemas.openxmlformats.org/presentationml/2006/main" type="twoObj" preserve="1">
   <p:cSld name="Title, 2 Content">
     <p:spTree>
       <p:nvGrpSpPr>
@@ -782,12 +922,13 @@
           </a:prstGeom>
         </p:spPr>
         <p:txBody>
-          <a:bodyPr lIns="0" rIns="0" tIns="0" bIns="0" anchor="ctr">
+          <a:bodyPr lIns="0" tIns="0" rIns="0" bIns="0" anchor="ctr">
             <a:noAutofit/>
           </a:bodyPr>
+          <a:lstStyle/>
           <a:p>
             <a:pPr algn="ctr"/>
-            <a:endParaRPr b="0" lang="en-GB" sz="4400" spc="-1" strike="noStrike">
+            <a:endParaRPr lang="en-GB" sz="4400" b="0" strike="noStrike" spc="-1">
               <a:latin typeface="Arial"/>
             </a:endParaRPr>
           </a:p>
@@ -813,11 +954,12 @@
           </a:prstGeom>
         </p:spPr>
         <p:txBody>
-          <a:bodyPr lIns="0" rIns="0" tIns="0" bIns="0">
+          <a:bodyPr lIns="0" tIns="0" rIns="0" bIns="0">
             <a:normAutofit/>
           </a:bodyPr>
-          <a:p>
-            <a:endParaRPr b="0" lang="en-GB" sz="3200" spc="-1" strike="noStrike">
+          <a:lstStyle/>
+          <a:p>
+            <a:endParaRPr lang="en-GB" sz="3200" b="0" strike="noStrike" spc="-1">
               <a:latin typeface="Arial"/>
             </a:endParaRPr>
           </a:p>
@@ -843,11 +985,12 @@
           </a:prstGeom>
         </p:spPr>
         <p:txBody>
-          <a:bodyPr lIns="0" rIns="0" tIns="0" bIns="0">
+          <a:bodyPr lIns="0" tIns="0" rIns="0" bIns="0">
             <a:normAutofit/>
           </a:bodyPr>
-          <a:p>
-            <a:endParaRPr b="0" lang="en-GB" sz="3200" spc="-1" strike="noStrike">
+          <a:lstStyle/>
+          <a:p>
+            <a:endParaRPr lang="en-GB" sz="3200" b="0" strike="noStrike" spc="-1">
               <a:latin typeface="Arial"/>
             </a:endParaRPr>
           </a:p>
@@ -855,11 +998,14 @@
       </p:sp>
     </p:spTree>
   </p:cSld>
+  <p:clrMapOvr>
+    <a:masterClrMapping/>
+  </p:clrMapOvr>
 </p:sldLayout>
 </file>
 
 <file path=ppt/slideLayouts/slideLayout17.xml><?xml version="1.0" encoding="utf-8"?>
-<p:sldLayout xmlns:a="http://schemas.openxmlformats.org/drawingml/2006/main" xmlns:p="http://schemas.openxmlformats.org/presentationml/2006/main" xmlns:r="http://schemas.openxmlformats.org/officeDocument/2006/relationships" xmlns:p14="http://schemas.microsoft.com/office/powerpoint/2010/main" xmlns:p15="http://schemas.microsoft.com/office/powerpoint/2012/main" xmlns:mc="http://schemas.openxmlformats.org/markup-compatibility/2006" type="titleOnly" preserve="1">
+<p:sldLayout xmlns:a="http://schemas.openxmlformats.org/drawingml/2006/main" xmlns:r="http://schemas.openxmlformats.org/officeDocument/2006/relationships" xmlns:p="http://schemas.openxmlformats.org/presentationml/2006/main" type="titleOnly" preserve="1">
   <p:cSld name="Title Only">
     <p:spTree>
       <p:nvGrpSpPr>
@@ -895,12 +1041,13 @@
           </a:prstGeom>
         </p:spPr>
         <p:txBody>
-          <a:bodyPr lIns="0" rIns="0" tIns="0" bIns="0" anchor="ctr">
+          <a:bodyPr lIns="0" tIns="0" rIns="0" bIns="0" anchor="ctr">
             <a:noAutofit/>
           </a:bodyPr>
+          <a:lstStyle/>
           <a:p>
             <a:pPr algn="ctr"/>
-            <a:endParaRPr b="0" lang="en-GB" sz="4400" spc="-1" strike="noStrike">
+            <a:endParaRPr lang="en-GB" sz="4400" b="0" strike="noStrike" spc="-1">
               <a:latin typeface="Arial"/>
             </a:endParaRPr>
           </a:p>
@@ -908,11 +1055,14 @@
       </p:sp>
     </p:spTree>
   </p:cSld>
+  <p:clrMapOvr>
+    <a:masterClrMapping/>
+  </p:clrMapOvr>
 </p:sldLayout>
 </file>
 
 <file path=ppt/slideLayouts/slideLayout18.xml><?xml version="1.0" encoding="utf-8"?>
-<p:sldLayout xmlns:a="http://schemas.openxmlformats.org/drawingml/2006/main" xmlns:p="http://schemas.openxmlformats.org/presentationml/2006/main" xmlns:r="http://schemas.openxmlformats.org/officeDocument/2006/relationships" xmlns:p14="http://schemas.microsoft.com/office/powerpoint/2010/main" xmlns:p15="http://schemas.microsoft.com/office/powerpoint/2012/main" xmlns:mc="http://schemas.openxmlformats.org/markup-compatibility/2006" type="objOnly" preserve="1">
+<p:sldLayout xmlns:a="http://schemas.openxmlformats.org/drawingml/2006/main" xmlns:r="http://schemas.openxmlformats.org/officeDocument/2006/relationships" xmlns:p="http://schemas.openxmlformats.org/presentationml/2006/main" type="objOnly" preserve="1">
   <p:cSld name="Centered Text">
     <p:spTree>
       <p:nvGrpSpPr>
@@ -948,12 +1098,13 @@
           </a:prstGeom>
         </p:spPr>
         <p:txBody>
-          <a:bodyPr lIns="0" rIns="0" tIns="0" bIns="0" anchor="ctr">
+          <a:bodyPr lIns="0" tIns="0" rIns="0" bIns="0" anchor="ctr">
             <a:noAutofit/>
           </a:bodyPr>
+          <a:lstStyle/>
           <a:p>
             <a:pPr algn="ctr"/>
-            <a:endParaRPr b="0" lang="en-GB" sz="3200" spc="-1" strike="noStrike">
+            <a:endParaRPr lang="en-GB" sz="3200" b="0" strike="noStrike" spc="-1">
               <a:latin typeface="Arial"/>
             </a:endParaRPr>
           </a:p>
@@ -961,11 +1112,14 @@
       </p:sp>
     </p:spTree>
   </p:cSld>
+  <p:clrMapOvr>
+    <a:masterClrMapping/>
+  </p:clrMapOvr>
 </p:sldLayout>
 </file>
 
 <file path=ppt/slideLayouts/slideLayout19.xml><?xml version="1.0" encoding="utf-8"?>
-<p:sldLayout xmlns:a="http://schemas.openxmlformats.org/drawingml/2006/main" xmlns:p="http://schemas.openxmlformats.org/presentationml/2006/main" xmlns:r="http://schemas.openxmlformats.org/officeDocument/2006/relationships" xmlns:p14="http://schemas.microsoft.com/office/powerpoint/2010/main" xmlns:p15="http://schemas.microsoft.com/office/powerpoint/2012/main" xmlns:mc="http://schemas.openxmlformats.org/markup-compatibility/2006" type="twoObjAndObj" preserve="1">
+<p:sldLayout xmlns:a="http://schemas.openxmlformats.org/drawingml/2006/main" xmlns:r="http://schemas.openxmlformats.org/officeDocument/2006/relationships" xmlns:p="http://schemas.openxmlformats.org/presentationml/2006/main" type="twoObjAndObj" preserve="1">
   <p:cSld name="Title, 2 Content and Content">
     <p:spTree>
       <p:nvGrpSpPr>
@@ -1001,12 +1155,13 @@
           </a:prstGeom>
         </p:spPr>
         <p:txBody>
-          <a:bodyPr lIns="0" rIns="0" tIns="0" bIns="0" anchor="ctr">
+          <a:bodyPr lIns="0" tIns="0" rIns="0" bIns="0" anchor="ctr">
             <a:noAutofit/>
           </a:bodyPr>
+          <a:lstStyle/>
           <a:p>
             <a:pPr algn="ctr"/>
-            <a:endParaRPr b="0" lang="en-GB" sz="4400" spc="-1" strike="noStrike">
+            <a:endParaRPr lang="en-GB" sz="4400" b="0" strike="noStrike" spc="-1">
               <a:latin typeface="Arial"/>
             </a:endParaRPr>
           </a:p>
@@ -1032,11 +1187,12 @@
           </a:prstGeom>
         </p:spPr>
         <p:txBody>
-          <a:bodyPr lIns="0" rIns="0" tIns="0" bIns="0">
+          <a:bodyPr lIns="0" tIns="0" rIns="0" bIns="0">
             <a:normAutofit/>
           </a:bodyPr>
-          <a:p>
-            <a:endParaRPr b="0" lang="en-GB" sz="3200" spc="-1" strike="noStrike">
+          <a:lstStyle/>
+          <a:p>
+            <a:endParaRPr lang="en-GB" sz="3200" b="0" strike="noStrike" spc="-1">
               <a:latin typeface="Arial"/>
             </a:endParaRPr>
           </a:p>
@@ -1062,11 +1218,12 @@
           </a:prstGeom>
         </p:spPr>
         <p:txBody>
-          <a:bodyPr lIns="0" rIns="0" tIns="0" bIns="0">
+          <a:bodyPr lIns="0" tIns="0" rIns="0" bIns="0">
             <a:normAutofit/>
           </a:bodyPr>
-          <a:p>
-            <a:endParaRPr b="0" lang="en-GB" sz="3200" spc="-1" strike="noStrike">
+          <a:lstStyle/>
+          <a:p>
+            <a:endParaRPr lang="en-GB" sz="3200" b="0" strike="noStrike" spc="-1">
               <a:latin typeface="Arial"/>
             </a:endParaRPr>
           </a:p>
@@ -1092,11 +1249,12 @@
           </a:prstGeom>
         </p:spPr>
         <p:txBody>
-          <a:bodyPr lIns="0" rIns="0" tIns="0" bIns="0">
+          <a:bodyPr lIns="0" tIns="0" rIns="0" bIns="0">
             <a:normAutofit/>
           </a:bodyPr>
-          <a:p>
-            <a:endParaRPr b="0" lang="en-GB" sz="3200" spc="-1" strike="noStrike">
+          <a:lstStyle/>
+          <a:p>
+            <a:endParaRPr lang="en-GB" sz="3200" b="0" strike="noStrike" spc="-1">
               <a:latin typeface="Arial"/>
             </a:endParaRPr>
           </a:p>
@@ -1104,11 +1262,14 @@
       </p:sp>
     </p:spTree>
   </p:cSld>
+  <p:clrMapOvr>
+    <a:masterClrMapping/>
+  </p:clrMapOvr>
 </p:sldLayout>
 </file>
 
 <file path=ppt/slideLayouts/slideLayout2.xml><?xml version="1.0" encoding="utf-8"?>
-<p:sldLayout xmlns:a="http://schemas.openxmlformats.org/drawingml/2006/main" xmlns:p="http://schemas.openxmlformats.org/presentationml/2006/main" xmlns:r="http://schemas.openxmlformats.org/officeDocument/2006/relationships" xmlns:p14="http://schemas.microsoft.com/office/powerpoint/2010/main" xmlns:p15="http://schemas.microsoft.com/office/powerpoint/2012/main" xmlns:mc="http://schemas.openxmlformats.org/markup-compatibility/2006" type="tx" preserve="1">
+<p:sldLayout xmlns:a="http://schemas.openxmlformats.org/drawingml/2006/main" xmlns:r="http://schemas.openxmlformats.org/officeDocument/2006/relationships" xmlns:p="http://schemas.openxmlformats.org/presentationml/2006/main" type="tx" preserve="1">
   <p:cSld name="Title Slide">
     <p:spTree>
       <p:nvGrpSpPr>
@@ -1144,12 +1305,13 @@
           </a:prstGeom>
         </p:spPr>
         <p:txBody>
-          <a:bodyPr lIns="0" rIns="0" tIns="0" bIns="0" anchor="ctr">
+          <a:bodyPr lIns="0" tIns="0" rIns="0" bIns="0" anchor="ctr">
             <a:noAutofit/>
           </a:bodyPr>
+          <a:lstStyle/>
           <a:p>
             <a:pPr algn="ctr"/>
-            <a:endParaRPr b="0" lang="en-GB" sz="4400" spc="-1" strike="noStrike">
+            <a:endParaRPr lang="en-GB" sz="4400" b="0" strike="noStrike" spc="-1">
               <a:latin typeface="Arial"/>
             </a:endParaRPr>
           </a:p>
@@ -1175,12 +1337,13 @@
           </a:prstGeom>
         </p:spPr>
         <p:txBody>
-          <a:bodyPr lIns="0" rIns="0" tIns="0" bIns="0" anchor="ctr">
+          <a:bodyPr lIns="0" tIns="0" rIns="0" bIns="0" anchor="ctr">
             <a:noAutofit/>
           </a:bodyPr>
+          <a:lstStyle/>
           <a:p>
             <a:pPr algn="ctr"/>
-            <a:endParaRPr b="0" lang="en-GB" sz="3200" spc="-1" strike="noStrike">
+            <a:endParaRPr lang="en-GB" sz="3200" b="0" strike="noStrike" spc="-1">
               <a:latin typeface="Arial"/>
             </a:endParaRPr>
           </a:p>
@@ -1188,11 +1351,14 @@
       </p:sp>
     </p:spTree>
   </p:cSld>
+  <p:clrMapOvr>
+    <a:masterClrMapping/>
+  </p:clrMapOvr>
 </p:sldLayout>
 </file>
 
 <file path=ppt/slideLayouts/slideLayout20.xml><?xml version="1.0" encoding="utf-8"?>
-<p:sldLayout xmlns:a="http://schemas.openxmlformats.org/drawingml/2006/main" xmlns:p="http://schemas.openxmlformats.org/presentationml/2006/main" xmlns:r="http://schemas.openxmlformats.org/officeDocument/2006/relationships" xmlns:p14="http://schemas.microsoft.com/office/powerpoint/2010/main" xmlns:p15="http://schemas.microsoft.com/office/powerpoint/2012/main" xmlns:mc="http://schemas.openxmlformats.org/markup-compatibility/2006" type="objAndTwoObj" preserve="1">
+<p:sldLayout xmlns:a="http://schemas.openxmlformats.org/drawingml/2006/main" xmlns:r="http://schemas.openxmlformats.org/officeDocument/2006/relationships" xmlns:p="http://schemas.openxmlformats.org/presentationml/2006/main" type="objAndTwoObj" preserve="1">
   <p:cSld name="Title Content and 2 Content">
     <p:spTree>
       <p:nvGrpSpPr>
@@ -1228,12 +1394,13 @@
           </a:prstGeom>
         </p:spPr>
         <p:txBody>
-          <a:bodyPr lIns="0" rIns="0" tIns="0" bIns="0" anchor="ctr">
+          <a:bodyPr lIns="0" tIns="0" rIns="0" bIns="0" anchor="ctr">
             <a:noAutofit/>
           </a:bodyPr>
+          <a:lstStyle/>
           <a:p>
             <a:pPr algn="ctr"/>
-            <a:endParaRPr b="0" lang="en-GB" sz="4400" spc="-1" strike="noStrike">
+            <a:endParaRPr lang="en-GB" sz="4400" b="0" strike="noStrike" spc="-1">
               <a:latin typeface="Arial"/>
             </a:endParaRPr>
           </a:p>
@@ -1259,11 +1426,12 @@
           </a:prstGeom>
         </p:spPr>
         <p:txBody>
-          <a:bodyPr lIns="0" rIns="0" tIns="0" bIns="0">
+          <a:bodyPr lIns="0" tIns="0" rIns="0" bIns="0">
             <a:normAutofit/>
           </a:bodyPr>
-          <a:p>
-            <a:endParaRPr b="0" lang="en-GB" sz="3200" spc="-1" strike="noStrike">
+          <a:lstStyle/>
+          <a:p>
+            <a:endParaRPr lang="en-GB" sz="3200" b="0" strike="noStrike" spc="-1">
               <a:latin typeface="Arial"/>
             </a:endParaRPr>
           </a:p>
@@ -1289,11 +1457,12 @@
           </a:prstGeom>
         </p:spPr>
         <p:txBody>
-          <a:bodyPr lIns="0" rIns="0" tIns="0" bIns="0">
+          <a:bodyPr lIns="0" tIns="0" rIns="0" bIns="0">
             <a:normAutofit/>
           </a:bodyPr>
-          <a:p>
-            <a:endParaRPr b="0" lang="en-GB" sz="3200" spc="-1" strike="noStrike">
+          <a:lstStyle/>
+          <a:p>
+            <a:endParaRPr lang="en-GB" sz="3200" b="0" strike="noStrike" spc="-1">
               <a:latin typeface="Arial"/>
             </a:endParaRPr>
           </a:p>
@@ -1319,11 +1488,12 @@
           </a:prstGeom>
         </p:spPr>
         <p:txBody>
-          <a:bodyPr lIns="0" rIns="0" tIns="0" bIns="0">
+          <a:bodyPr lIns="0" tIns="0" rIns="0" bIns="0">
             <a:normAutofit/>
           </a:bodyPr>
-          <a:p>
-            <a:endParaRPr b="0" lang="en-GB" sz="3200" spc="-1" strike="noStrike">
+          <a:lstStyle/>
+          <a:p>
+            <a:endParaRPr lang="en-GB" sz="3200" b="0" strike="noStrike" spc="-1">
               <a:latin typeface="Arial"/>
             </a:endParaRPr>
           </a:p>
@@ -1331,11 +1501,14 @@
       </p:sp>
     </p:spTree>
   </p:cSld>
+  <p:clrMapOvr>
+    <a:masterClrMapping/>
+  </p:clrMapOvr>
 </p:sldLayout>
 </file>
 
 <file path=ppt/slideLayouts/slideLayout21.xml><?xml version="1.0" encoding="utf-8"?>
-<p:sldLayout xmlns:a="http://schemas.openxmlformats.org/drawingml/2006/main" xmlns:p="http://schemas.openxmlformats.org/presentationml/2006/main" xmlns:r="http://schemas.openxmlformats.org/officeDocument/2006/relationships" xmlns:p14="http://schemas.microsoft.com/office/powerpoint/2010/main" xmlns:p15="http://schemas.microsoft.com/office/powerpoint/2012/main" xmlns:mc="http://schemas.openxmlformats.org/markup-compatibility/2006" type="twoObjOverTx" preserve="1">
+<p:sldLayout xmlns:a="http://schemas.openxmlformats.org/drawingml/2006/main" xmlns:r="http://schemas.openxmlformats.org/officeDocument/2006/relationships" xmlns:p="http://schemas.openxmlformats.org/presentationml/2006/main" type="twoObjOverTx" preserve="1">
   <p:cSld name="Title, 2 Content over Content">
     <p:spTree>
       <p:nvGrpSpPr>
@@ -1371,12 +1544,13 @@
           </a:prstGeom>
         </p:spPr>
         <p:txBody>
-          <a:bodyPr lIns="0" rIns="0" tIns="0" bIns="0" anchor="ctr">
+          <a:bodyPr lIns="0" tIns="0" rIns="0" bIns="0" anchor="ctr">
             <a:noAutofit/>
           </a:bodyPr>
+          <a:lstStyle/>
           <a:p>
             <a:pPr algn="ctr"/>
-            <a:endParaRPr b="0" lang="en-GB" sz="4400" spc="-1" strike="noStrike">
+            <a:endParaRPr lang="en-GB" sz="4400" b="0" strike="noStrike" spc="-1">
               <a:latin typeface="Arial"/>
             </a:endParaRPr>
           </a:p>
@@ -1402,11 +1576,12 @@
           </a:prstGeom>
         </p:spPr>
         <p:txBody>
-          <a:bodyPr lIns="0" rIns="0" tIns="0" bIns="0">
+          <a:bodyPr lIns="0" tIns="0" rIns="0" bIns="0">
             <a:normAutofit/>
           </a:bodyPr>
-          <a:p>
-            <a:endParaRPr b="0" lang="en-GB" sz="3200" spc="-1" strike="noStrike">
+          <a:lstStyle/>
+          <a:p>
+            <a:endParaRPr lang="en-GB" sz="3200" b="0" strike="noStrike" spc="-1">
               <a:latin typeface="Arial"/>
             </a:endParaRPr>
           </a:p>
@@ -1432,11 +1607,12 @@
           </a:prstGeom>
         </p:spPr>
         <p:txBody>
-          <a:bodyPr lIns="0" rIns="0" tIns="0" bIns="0">
+          <a:bodyPr lIns="0" tIns="0" rIns="0" bIns="0">
             <a:normAutofit/>
           </a:bodyPr>
-          <a:p>
-            <a:endParaRPr b="0" lang="en-GB" sz="3200" spc="-1" strike="noStrike">
+          <a:lstStyle/>
+          <a:p>
+            <a:endParaRPr lang="en-GB" sz="3200" b="0" strike="noStrike" spc="-1">
               <a:latin typeface="Arial"/>
             </a:endParaRPr>
           </a:p>
@@ -1462,11 +1638,12 @@
           </a:prstGeom>
         </p:spPr>
         <p:txBody>
-          <a:bodyPr lIns="0" rIns="0" tIns="0" bIns="0">
+          <a:bodyPr lIns="0" tIns="0" rIns="0" bIns="0">
             <a:normAutofit/>
           </a:bodyPr>
-          <a:p>
-            <a:endParaRPr b="0" lang="en-GB" sz="3200" spc="-1" strike="noStrike">
+          <a:lstStyle/>
+          <a:p>
+            <a:endParaRPr lang="en-GB" sz="3200" b="0" strike="noStrike" spc="-1">
               <a:latin typeface="Arial"/>
             </a:endParaRPr>
           </a:p>
@@ -1474,11 +1651,14 @@
       </p:sp>
     </p:spTree>
   </p:cSld>
+  <p:clrMapOvr>
+    <a:masterClrMapping/>
+  </p:clrMapOvr>
 </p:sldLayout>
 </file>
 
 <file path=ppt/slideLayouts/slideLayout22.xml><?xml version="1.0" encoding="utf-8"?>
-<p:sldLayout xmlns:a="http://schemas.openxmlformats.org/drawingml/2006/main" xmlns:p="http://schemas.openxmlformats.org/presentationml/2006/main" xmlns:r="http://schemas.openxmlformats.org/officeDocument/2006/relationships" xmlns:p14="http://schemas.microsoft.com/office/powerpoint/2010/main" xmlns:p15="http://schemas.microsoft.com/office/powerpoint/2012/main" xmlns:mc="http://schemas.openxmlformats.org/markup-compatibility/2006" type="objOverTx" preserve="1">
+<p:sldLayout xmlns:a="http://schemas.openxmlformats.org/drawingml/2006/main" xmlns:r="http://schemas.openxmlformats.org/officeDocument/2006/relationships" xmlns:p="http://schemas.openxmlformats.org/presentationml/2006/main" type="objOverTx" preserve="1">
   <p:cSld name="Title, Content over Content">
     <p:spTree>
       <p:nvGrpSpPr>
@@ -1514,12 +1694,13 @@
           </a:prstGeom>
         </p:spPr>
         <p:txBody>
-          <a:bodyPr lIns="0" rIns="0" tIns="0" bIns="0" anchor="ctr">
+          <a:bodyPr lIns="0" tIns="0" rIns="0" bIns="0" anchor="ctr">
             <a:noAutofit/>
           </a:bodyPr>
+          <a:lstStyle/>
           <a:p>
             <a:pPr algn="ctr"/>
-            <a:endParaRPr b="0" lang="en-GB" sz="4400" spc="-1" strike="noStrike">
+            <a:endParaRPr lang="en-GB" sz="4400" b="0" strike="noStrike" spc="-1">
               <a:latin typeface="Arial"/>
             </a:endParaRPr>
           </a:p>
@@ -1545,11 +1726,12 @@
           </a:prstGeom>
         </p:spPr>
         <p:txBody>
-          <a:bodyPr lIns="0" rIns="0" tIns="0" bIns="0">
+          <a:bodyPr lIns="0" tIns="0" rIns="0" bIns="0">
             <a:normAutofit/>
           </a:bodyPr>
-          <a:p>
-            <a:endParaRPr b="0" lang="en-GB" sz="3200" spc="-1" strike="noStrike">
+          <a:lstStyle/>
+          <a:p>
+            <a:endParaRPr lang="en-GB" sz="3200" b="0" strike="noStrike" spc="-1">
               <a:latin typeface="Arial"/>
             </a:endParaRPr>
           </a:p>
@@ -1575,11 +1757,12 @@
           </a:prstGeom>
         </p:spPr>
         <p:txBody>
-          <a:bodyPr lIns="0" rIns="0" tIns="0" bIns="0">
+          <a:bodyPr lIns="0" tIns="0" rIns="0" bIns="0">
             <a:normAutofit/>
           </a:bodyPr>
-          <a:p>
-            <a:endParaRPr b="0" lang="en-GB" sz="3200" spc="-1" strike="noStrike">
+          <a:lstStyle/>
+          <a:p>
+            <a:endParaRPr lang="en-GB" sz="3200" b="0" strike="noStrike" spc="-1">
               <a:latin typeface="Arial"/>
             </a:endParaRPr>
           </a:p>
@@ -1587,11 +1770,14 @@
       </p:sp>
     </p:spTree>
   </p:cSld>
+  <p:clrMapOvr>
+    <a:masterClrMapping/>
+  </p:clrMapOvr>
 </p:sldLayout>
 </file>
 
 <file path=ppt/slideLayouts/slideLayout23.xml><?xml version="1.0" encoding="utf-8"?>
-<p:sldLayout xmlns:a="http://schemas.openxmlformats.org/drawingml/2006/main" xmlns:p="http://schemas.openxmlformats.org/presentationml/2006/main" xmlns:r="http://schemas.openxmlformats.org/officeDocument/2006/relationships" xmlns:p14="http://schemas.microsoft.com/office/powerpoint/2010/main" xmlns:p15="http://schemas.microsoft.com/office/powerpoint/2012/main" xmlns:mc="http://schemas.openxmlformats.org/markup-compatibility/2006" type="fourObj" preserve="1">
+<p:sldLayout xmlns:a="http://schemas.openxmlformats.org/drawingml/2006/main" xmlns:r="http://schemas.openxmlformats.org/officeDocument/2006/relationships" xmlns:p="http://schemas.openxmlformats.org/presentationml/2006/main" type="fourObj" preserve="1">
   <p:cSld name="Title, 4 Content">
     <p:spTree>
       <p:nvGrpSpPr>
@@ -1627,12 +1813,13 @@
           </a:prstGeom>
         </p:spPr>
         <p:txBody>
-          <a:bodyPr lIns="0" rIns="0" tIns="0" bIns="0" anchor="ctr">
+          <a:bodyPr lIns="0" tIns="0" rIns="0" bIns="0" anchor="ctr">
             <a:noAutofit/>
           </a:bodyPr>
+          <a:lstStyle/>
           <a:p>
             <a:pPr algn="ctr"/>
-            <a:endParaRPr b="0" lang="en-GB" sz="4400" spc="-1" strike="noStrike">
+            <a:endParaRPr lang="en-GB" sz="4400" b="0" strike="noStrike" spc="-1">
               <a:latin typeface="Arial"/>
             </a:endParaRPr>
           </a:p>
@@ -1658,11 +1845,12 @@
           </a:prstGeom>
         </p:spPr>
         <p:txBody>
-          <a:bodyPr lIns="0" rIns="0" tIns="0" bIns="0">
+          <a:bodyPr lIns="0" tIns="0" rIns="0" bIns="0">
             <a:normAutofit/>
           </a:bodyPr>
-          <a:p>
-            <a:endParaRPr b="0" lang="en-GB" sz="3200" spc="-1" strike="noStrike">
+          <a:lstStyle/>
+          <a:p>
+            <a:endParaRPr lang="en-GB" sz="3200" b="0" strike="noStrike" spc="-1">
               <a:latin typeface="Arial"/>
             </a:endParaRPr>
           </a:p>
@@ -1688,11 +1876,12 @@
           </a:prstGeom>
         </p:spPr>
         <p:txBody>
-          <a:bodyPr lIns="0" rIns="0" tIns="0" bIns="0">
+          <a:bodyPr lIns="0" tIns="0" rIns="0" bIns="0">
             <a:normAutofit/>
           </a:bodyPr>
-          <a:p>
-            <a:endParaRPr b="0" lang="en-GB" sz="3200" spc="-1" strike="noStrike">
+          <a:lstStyle/>
+          <a:p>
+            <a:endParaRPr lang="en-GB" sz="3200" b="0" strike="noStrike" spc="-1">
               <a:latin typeface="Arial"/>
             </a:endParaRPr>
           </a:p>
@@ -1718,11 +1907,12 @@
           </a:prstGeom>
         </p:spPr>
         <p:txBody>
-          <a:bodyPr lIns="0" rIns="0" tIns="0" bIns="0">
+          <a:bodyPr lIns="0" tIns="0" rIns="0" bIns="0">
             <a:normAutofit/>
           </a:bodyPr>
-          <a:p>
-            <a:endParaRPr b="0" lang="en-GB" sz="3200" spc="-1" strike="noStrike">
+          <a:lstStyle/>
+          <a:p>
+            <a:endParaRPr lang="en-GB" sz="3200" b="0" strike="noStrike" spc="-1">
               <a:latin typeface="Arial"/>
             </a:endParaRPr>
           </a:p>
@@ -1748,11 +1938,12 @@
           </a:prstGeom>
         </p:spPr>
         <p:txBody>
-          <a:bodyPr lIns="0" rIns="0" tIns="0" bIns="0">
+          <a:bodyPr lIns="0" tIns="0" rIns="0" bIns="0">
             <a:normAutofit/>
           </a:bodyPr>
-          <a:p>
-            <a:endParaRPr b="0" lang="en-GB" sz="3200" spc="-1" strike="noStrike">
+          <a:lstStyle/>
+          <a:p>
+            <a:endParaRPr lang="en-GB" sz="3200" b="0" strike="noStrike" spc="-1">
               <a:latin typeface="Arial"/>
             </a:endParaRPr>
           </a:p>
@@ -1760,11 +1951,14 @@
       </p:sp>
     </p:spTree>
   </p:cSld>
+  <p:clrMapOvr>
+    <a:masterClrMapping/>
+  </p:clrMapOvr>
 </p:sldLayout>
 </file>
 
 <file path=ppt/slideLayouts/slideLayout24.xml><?xml version="1.0" encoding="utf-8"?>
-<p:sldLayout xmlns:a="http://schemas.openxmlformats.org/drawingml/2006/main" xmlns:p="http://schemas.openxmlformats.org/presentationml/2006/main" xmlns:r="http://schemas.openxmlformats.org/officeDocument/2006/relationships" xmlns:p14="http://schemas.microsoft.com/office/powerpoint/2010/main" xmlns:p15="http://schemas.microsoft.com/office/powerpoint/2012/main" xmlns:mc="http://schemas.openxmlformats.org/markup-compatibility/2006" type="blank" preserve="1">
+<p:sldLayout xmlns:a="http://schemas.openxmlformats.org/drawingml/2006/main" xmlns:r="http://schemas.openxmlformats.org/officeDocument/2006/relationships" xmlns:p="http://schemas.openxmlformats.org/presentationml/2006/main" type="blank" preserve="1">
   <p:cSld name="Title, 6 Content">
     <p:spTree>
       <p:nvGrpSpPr>
@@ -1800,12 +1994,13 @@
           </a:prstGeom>
         </p:spPr>
         <p:txBody>
-          <a:bodyPr lIns="0" rIns="0" tIns="0" bIns="0" anchor="ctr">
+          <a:bodyPr lIns="0" tIns="0" rIns="0" bIns="0" anchor="ctr">
             <a:noAutofit/>
           </a:bodyPr>
+          <a:lstStyle/>
           <a:p>
             <a:pPr algn="ctr"/>
-            <a:endParaRPr b="0" lang="en-GB" sz="4400" spc="-1" strike="noStrike">
+            <a:endParaRPr lang="en-GB" sz="4400" b="0" strike="noStrike" spc="-1">
               <a:latin typeface="Arial"/>
             </a:endParaRPr>
           </a:p>
@@ -1831,11 +2026,12 @@
           </a:prstGeom>
         </p:spPr>
         <p:txBody>
-          <a:bodyPr lIns="0" rIns="0" tIns="0" bIns="0">
+          <a:bodyPr lIns="0" tIns="0" rIns="0" bIns="0">
             <a:normAutofit/>
           </a:bodyPr>
-          <a:p>
-            <a:endParaRPr b="0" lang="en-GB" sz="3200" spc="-1" strike="noStrike">
+          <a:lstStyle/>
+          <a:p>
+            <a:endParaRPr lang="en-GB" sz="3200" b="0" strike="noStrike" spc="-1">
               <a:latin typeface="Arial"/>
             </a:endParaRPr>
           </a:p>
@@ -1861,11 +2057,12 @@
           </a:prstGeom>
         </p:spPr>
         <p:txBody>
-          <a:bodyPr lIns="0" rIns="0" tIns="0" bIns="0">
+          <a:bodyPr lIns="0" tIns="0" rIns="0" bIns="0">
             <a:normAutofit/>
           </a:bodyPr>
-          <a:p>
-            <a:endParaRPr b="0" lang="en-GB" sz="3200" spc="-1" strike="noStrike">
+          <a:lstStyle/>
+          <a:p>
+            <a:endParaRPr lang="en-GB" sz="3200" b="0" strike="noStrike" spc="-1">
               <a:latin typeface="Arial"/>
             </a:endParaRPr>
           </a:p>
@@ -1891,11 +2088,12 @@
           </a:prstGeom>
         </p:spPr>
         <p:txBody>
-          <a:bodyPr lIns="0" rIns="0" tIns="0" bIns="0">
+          <a:bodyPr lIns="0" tIns="0" rIns="0" bIns="0">
             <a:normAutofit/>
           </a:bodyPr>
-          <a:p>
-            <a:endParaRPr b="0" lang="en-GB" sz="3200" spc="-1" strike="noStrike">
+          <a:lstStyle/>
+          <a:p>
+            <a:endParaRPr lang="en-GB" sz="3200" b="0" strike="noStrike" spc="-1">
               <a:latin typeface="Arial"/>
             </a:endParaRPr>
           </a:p>
@@ -1921,11 +2119,12 @@
           </a:prstGeom>
         </p:spPr>
         <p:txBody>
-          <a:bodyPr lIns="0" rIns="0" tIns="0" bIns="0">
+          <a:bodyPr lIns="0" tIns="0" rIns="0" bIns="0">
             <a:normAutofit/>
           </a:bodyPr>
-          <a:p>
-            <a:endParaRPr b="0" lang="en-GB" sz="3200" spc="-1" strike="noStrike">
+          <a:lstStyle/>
+          <a:p>
+            <a:endParaRPr lang="en-GB" sz="3200" b="0" strike="noStrike" spc="-1">
               <a:latin typeface="Arial"/>
             </a:endParaRPr>
           </a:p>
@@ -1951,11 +2150,12 @@
           </a:prstGeom>
         </p:spPr>
         <p:txBody>
-          <a:bodyPr lIns="0" rIns="0" tIns="0" bIns="0">
+          <a:bodyPr lIns="0" tIns="0" rIns="0" bIns="0">
             <a:normAutofit/>
           </a:bodyPr>
-          <a:p>
-            <a:endParaRPr b="0" lang="en-GB" sz="3200" spc="-1" strike="noStrike">
+          <a:lstStyle/>
+          <a:p>
+            <a:endParaRPr lang="en-GB" sz="3200" b="0" strike="noStrike" spc="-1">
               <a:latin typeface="Arial"/>
             </a:endParaRPr>
           </a:p>
@@ -1981,11 +2181,12 @@
           </a:prstGeom>
         </p:spPr>
         <p:txBody>
-          <a:bodyPr lIns="0" rIns="0" tIns="0" bIns="0">
+          <a:bodyPr lIns="0" tIns="0" rIns="0" bIns="0">
             <a:normAutofit/>
           </a:bodyPr>
-          <a:p>
-            <a:endParaRPr b="0" lang="en-GB" sz="3200" spc="-1" strike="noStrike">
+          <a:lstStyle/>
+          <a:p>
+            <a:endParaRPr lang="en-GB" sz="3200" b="0" strike="noStrike" spc="-1">
               <a:latin typeface="Arial"/>
             </a:endParaRPr>
           </a:p>
@@ -1993,11 +2194,14 @@
       </p:sp>
     </p:spTree>
   </p:cSld>
+  <p:clrMapOvr>
+    <a:masterClrMapping/>
+  </p:clrMapOvr>
 </p:sldLayout>
 </file>
 
 <file path=ppt/slideLayouts/slideLayout3.xml><?xml version="1.0" encoding="utf-8"?>
-<p:sldLayout xmlns:a="http://schemas.openxmlformats.org/drawingml/2006/main" xmlns:p="http://schemas.openxmlformats.org/presentationml/2006/main" xmlns:r="http://schemas.openxmlformats.org/officeDocument/2006/relationships" xmlns:p14="http://schemas.microsoft.com/office/powerpoint/2010/main" xmlns:p15="http://schemas.microsoft.com/office/powerpoint/2012/main" xmlns:mc="http://schemas.openxmlformats.org/markup-compatibility/2006" type="obj" preserve="1">
+<p:sldLayout xmlns:a="http://schemas.openxmlformats.org/drawingml/2006/main" xmlns:r="http://schemas.openxmlformats.org/officeDocument/2006/relationships" xmlns:p="http://schemas.openxmlformats.org/presentationml/2006/main" type="obj" preserve="1">
   <p:cSld name="Title, Content">
     <p:spTree>
       <p:nvGrpSpPr>
@@ -2033,12 +2237,13 @@
           </a:prstGeom>
         </p:spPr>
         <p:txBody>
-          <a:bodyPr lIns="0" rIns="0" tIns="0" bIns="0" anchor="ctr">
+          <a:bodyPr lIns="0" tIns="0" rIns="0" bIns="0" anchor="ctr">
             <a:noAutofit/>
           </a:bodyPr>
+          <a:lstStyle/>
           <a:p>
             <a:pPr algn="ctr"/>
-            <a:endParaRPr b="0" lang="en-GB" sz="4400" spc="-1" strike="noStrike">
+            <a:endParaRPr lang="en-GB" sz="4400" b="0" strike="noStrike" spc="-1">
               <a:latin typeface="Arial"/>
             </a:endParaRPr>
           </a:p>
@@ -2064,11 +2269,12 @@
           </a:prstGeom>
         </p:spPr>
         <p:txBody>
-          <a:bodyPr lIns="0" rIns="0" tIns="0" bIns="0">
+          <a:bodyPr lIns="0" tIns="0" rIns="0" bIns="0">
             <a:normAutofit/>
           </a:bodyPr>
-          <a:p>
-            <a:endParaRPr b="0" lang="en-GB" sz="3200" spc="-1" strike="noStrike">
+          <a:lstStyle/>
+          <a:p>
+            <a:endParaRPr lang="en-GB" sz="3200" b="0" strike="noStrike" spc="-1">
               <a:latin typeface="Arial"/>
             </a:endParaRPr>
           </a:p>
@@ -2076,11 +2282,14 @@
       </p:sp>
     </p:spTree>
   </p:cSld>
+  <p:clrMapOvr>
+    <a:masterClrMapping/>
+  </p:clrMapOvr>
 </p:sldLayout>
 </file>
 
 <file path=ppt/slideLayouts/slideLayout4.xml><?xml version="1.0" encoding="utf-8"?>
-<p:sldLayout xmlns:a="http://schemas.openxmlformats.org/drawingml/2006/main" xmlns:p="http://schemas.openxmlformats.org/presentationml/2006/main" xmlns:r="http://schemas.openxmlformats.org/officeDocument/2006/relationships" xmlns:p14="http://schemas.microsoft.com/office/powerpoint/2010/main" xmlns:p15="http://schemas.microsoft.com/office/powerpoint/2012/main" xmlns:mc="http://schemas.openxmlformats.org/markup-compatibility/2006" type="twoObj" preserve="1">
+<p:sldLayout xmlns:a="http://schemas.openxmlformats.org/drawingml/2006/main" xmlns:r="http://schemas.openxmlformats.org/officeDocument/2006/relationships" xmlns:p="http://schemas.openxmlformats.org/presentationml/2006/main" type="twoObj" preserve="1">
   <p:cSld name="Title, 2 Content">
     <p:spTree>
       <p:nvGrpSpPr>
@@ -2116,12 +2325,13 @@
           </a:prstGeom>
         </p:spPr>
         <p:txBody>
-          <a:bodyPr lIns="0" rIns="0" tIns="0" bIns="0" anchor="ctr">
+          <a:bodyPr lIns="0" tIns="0" rIns="0" bIns="0" anchor="ctr">
             <a:noAutofit/>
           </a:bodyPr>
+          <a:lstStyle/>
           <a:p>
             <a:pPr algn="ctr"/>
-            <a:endParaRPr b="0" lang="en-GB" sz="4400" spc="-1" strike="noStrike">
+            <a:endParaRPr lang="en-GB" sz="4400" b="0" strike="noStrike" spc="-1">
               <a:latin typeface="Arial"/>
             </a:endParaRPr>
           </a:p>
@@ -2147,11 +2357,12 @@
           </a:prstGeom>
         </p:spPr>
         <p:txBody>
-          <a:bodyPr lIns="0" rIns="0" tIns="0" bIns="0">
+          <a:bodyPr lIns="0" tIns="0" rIns="0" bIns="0">
             <a:normAutofit/>
           </a:bodyPr>
-          <a:p>
-            <a:endParaRPr b="0" lang="en-GB" sz="3200" spc="-1" strike="noStrike">
+          <a:lstStyle/>
+          <a:p>
+            <a:endParaRPr lang="en-GB" sz="3200" b="0" strike="noStrike" spc="-1">
               <a:latin typeface="Arial"/>
             </a:endParaRPr>
           </a:p>
@@ -2177,11 +2388,12 @@
           </a:prstGeom>
         </p:spPr>
         <p:txBody>
-          <a:bodyPr lIns="0" rIns="0" tIns="0" bIns="0">
+          <a:bodyPr lIns="0" tIns="0" rIns="0" bIns="0">
             <a:normAutofit/>
           </a:bodyPr>
-          <a:p>
-            <a:endParaRPr b="0" lang="en-GB" sz="3200" spc="-1" strike="noStrike">
+          <a:lstStyle/>
+          <a:p>
+            <a:endParaRPr lang="en-GB" sz="3200" b="0" strike="noStrike" spc="-1">
               <a:latin typeface="Arial"/>
             </a:endParaRPr>
           </a:p>
@@ -2189,11 +2401,14 @@
       </p:sp>
     </p:spTree>
   </p:cSld>
+  <p:clrMapOvr>
+    <a:masterClrMapping/>
+  </p:clrMapOvr>
 </p:sldLayout>
 </file>
 
 <file path=ppt/slideLayouts/slideLayout5.xml><?xml version="1.0" encoding="utf-8"?>
-<p:sldLayout xmlns:a="http://schemas.openxmlformats.org/drawingml/2006/main" xmlns:p="http://schemas.openxmlformats.org/presentationml/2006/main" xmlns:r="http://schemas.openxmlformats.org/officeDocument/2006/relationships" xmlns:p14="http://schemas.microsoft.com/office/powerpoint/2010/main" xmlns:p15="http://schemas.microsoft.com/office/powerpoint/2012/main" xmlns:mc="http://schemas.openxmlformats.org/markup-compatibility/2006" type="titleOnly" preserve="1">
+<p:sldLayout xmlns:a="http://schemas.openxmlformats.org/drawingml/2006/main" xmlns:r="http://schemas.openxmlformats.org/officeDocument/2006/relationships" xmlns:p="http://schemas.openxmlformats.org/presentationml/2006/main" type="titleOnly" preserve="1">
   <p:cSld name="Title Only">
     <p:spTree>
       <p:nvGrpSpPr>
@@ -2229,12 +2444,13 @@
           </a:prstGeom>
         </p:spPr>
         <p:txBody>
-          <a:bodyPr lIns="0" rIns="0" tIns="0" bIns="0" anchor="ctr">
+          <a:bodyPr lIns="0" tIns="0" rIns="0" bIns="0" anchor="ctr">
             <a:noAutofit/>
           </a:bodyPr>
+          <a:lstStyle/>
           <a:p>
             <a:pPr algn="ctr"/>
-            <a:endParaRPr b="0" lang="en-GB" sz="4400" spc="-1" strike="noStrike">
+            <a:endParaRPr lang="en-GB" sz="4400" b="0" strike="noStrike" spc="-1">
               <a:latin typeface="Arial"/>
             </a:endParaRPr>
           </a:p>
@@ -2242,11 +2458,14 @@
       </p:sp>
     </p:spTree>
   </p:cSld>
+  <p:clrMapOvr>
+    <a:masterClrMapping/>
+  </p:clrMapOvr>
 </p:sldLayout>
 </file>
 
 <file path=ppt/slideLayouts/slideLayout6.xml><?xml version="1.0" encoding="utf-8"?>
-<p:sldLayout xmlns:a="http://schemas.openxmlformats.org/drawingml/2006/main" xmlns:p="http://schemas.openxmlformats.org/presentationml/2006/main" xmlns:r="http://schemas.openxmlformats.org/officeDocument/2006/relationships" xmlns:p14="http://schemas.microsoft.com/office/powerpoint/2010/main" xmlns:p15="http://schemas.microsoft.com/office/powerpoint/2012/main" xmlns:mc="http://schemas.openxmlformats.org/markup-compatibility/2006" type="objOnly" preserve="1">
+<p:sldLayout xmlns:a="http://schemas.openxmlformats.org/drawingml/2006/main" xmlns:r="http://schemas.openxmlformats.org/officeDocument/2006/relationships" xmlns:p="http://schemas.openxmlformats.org/presentationml/2006/main" type="objOnly" preserve="1">
   <p:cSld name="Centered Text">
     <p:spTree>
       <p:nvGrpSpPr>
@@ -2282,12 +2501,13 @@
           </a:prstGeom>
         </p:spPr>
         <p:txBody>
-          <a:bodyPr lIns="0" rIns="0" tIns="0" bIns="0" anchor="ctr">
+          <a:bodyPr lIns="0" tIns="0" rIns="0" bIns="0" anchor="ctr">
             <a:noAutofit/>
           </a:bodyPr>
+          <a:lstStyle/>
           <a:p>
             <a:pPr algn="ctr"/>
-            <a:endParaRPr b="0" lang="en-GB" sz="3200" spc="-1" strike="noStrike">
+            <a:endParaRPr lang="en-GB" sz="3200" b="0" strike="noStrike" spc="-1">
               <a:latin typeface="Arial"/>
             </a:endParaRPr>
           </a:p>
@@ -2295,11 +2515,14 @@
       </p:sp>
     </p:spTree>
   </p:cSld>
+  <p:clrMapOvr>
+    <a:masterClrMapping/>
+  </p:clrMapOvr>
 </p:sldLayout>
 </file>
 
 <file path=ppt/slideLayouts/slideLayout7.xml><?xml version="1.0" encoding="utf-8"?>
-<p:sldLayout xmlns:a="http://schemas.openxmlformats.org/drawingml/2006/main" xmlns:p="http://schemas.openxmlformats.org/presentationml/2006/main" xmlns:r="http://schemas.openxmlformats.org/officeDocument/2006/relationships" xmlns:p14="http://schemas.microsoft.com/office/powerpoint/2010/main" xmlns:p15="http://schemas.microsoft.com/office/powerpoint/2012/main" xmlns:mc="http://schemas.openxmlformats.org/markup-compatibility/2006" type="twoObjAndObj" preserve="1">
+<p:sldLayout xmlns:a="http://schemas.openxmlformats.org/drawingml/2006/main" xmlns:r="http://schemas.openxmlformats.org/officeDocument/2006/relationships" xmlns:p="http://schemas.openxmlformats.org/presentationml/2006/main" type="twoObjAndObj" preserve="1">
   <p:cSld name="Title, 2 Content and Content">
     <p:spTree>
       <p:nvGrpSpPr>
@@ -2335,12 +2558,13 @@
           </a:prstGeom>
         </p:spPr>
         <p:txBody>
-          <a:bodyPr lIns="0" rIns="0" tIns="0" bIns="0" anchor="ctr">
+          <a:bodyPr lIns="0" tIns="0" rIns="0" bIns="0" anchor="ctr">
             <a:noAutofit/>
           </a:bodyPr>
+          <a:lstStyle/>
           <a:p>
             <a:pPr algn="ctr"/>
-            <a:endParaRPr b="0" lang="en-GB" sz="4400" spc="-1" strike="noStrike">
+            <a:endParaRPr lang="en-GB" sz="4400" b="0" strike="noStrike" spc="-1">
               <a:latin typeface="Arial"/>
             </a:endParaRPr>
           </a:p>
@@ -2366,11 +2590,12 @@
           </a:prstGeom>
         </p:spPr>
         <p:txBody>
-          <a:bodyPr lIns="0" rIns="0" tIns="0" bIns="0">
+          <a:bodyPr lIns="0" tIns="0" rIns="0" bIns="0">
             <a:normAutofit/>
           </a:bodyPr>
-          <a:p>
-            <a:endParaRPr b="0" lang="en-GB" sz="3200" spc="-1" strike="noStrike">
+          <a:lstStyle/>
+          <a:p>
+            <a:endParaRPr lang="en-GB" sz="3200" b="0" strike="noStrike" spc="-1">
               <a:latin typeface="Arial"/>
             </a:endParaRPr>
           </a:p>
@@ -2396,11 +2621,12 @@
           </a:prstGeom>
         </p:spPr>
         <p:txBody>
-          <a:bodyPr lIns="0" rIns="0" tIns="0" bIns="0">
+          <a:bodyPr lIns="0" tIns="0" rIns="0" bIns="0">
             <a:normAutofit/>
           </a:bodyPr>
-          <a:p>
-            <a:endParaRPr b="0" lang="en-GB" sz="3200" spc="-1" strike="noStrike">
+          <a:lstStyle/>
+          <a:p>
+            <a:endParaRPr lang="en-GB" sz="3200" b="0" strike="noStrike" spc="-1">
               <a:latin typeface="Arial"/>
             </a:endParaRPr>
           </a:p>
@@ -2426,11 +2652,12 @@
           </a:prstGeom>
         </p:spPr>
         <p:txBody>
-          <a:bodyPr lIns="0" rIns="0" tIns="0" bIns="0">
+          <a:bodyPr lIns="0" tIns="0" rIns="0" bIns="0">
             <a:normAutofit/>
           </a:bodyPr>
-          <a:p>
-            <a:endParaRPr b="0" lang="en-GB" sz="3200" spc="-1" strike="noStrike">
+          <a:lstStyle/>
+          <a:p>
+            <a:endParaRPr lang="en-GB" sz="3200" b="0" strike="noStrike" spc="-1">
               <a:latin typeface="Arial"/>
             </a:endParaRPr>
           </a:p>
@@ -2438,11 +2665,14 @@
       </p:sp>
     </p:spTree>
   </p:cSld>
+  <p:clrMapOvr>
+    <a:masterClrMapping/>
+  </p:clrMapOvr>
 </p:sldLayout>
 </file>
 
 <file path=ppt/slideLayouts/slideLayout8.xml><?xml version="1.0" encoding="utf-8"?>
-<p:sldLayout xmlns:a="http://schemas.openxmlformats.org/drawingml/2006/main" xmlns:p="http://schemas.openxmlformats.org/presentationml/2006/main" xmlns:r="http://schemas.openxmlformats.org/officeDocument/2006/relationships" xmlns:p14="http://schemas.microsoft.com/office/powerpoint/2010/main" xmlns:p15="http://schemas.microsoft.com/office/powerpoint/2012/main" xmlns:mc="http://schemas.openxmlformats.org/markup-compatibility/2006" type="objAndTwoObj" preserve="1">
+<p:sldLayout xmlns:a="http://schemas.openxmlformats.org/drawingml/2006/main" xmlns:r="http://schemas.openxmlformats.org/officeDocument/2006/relationships" xmlns:p="http://schemas.openxmlformats.org/presentationml/2006/main" type="objAndTwoObj" preserve="1">
   <p:cSld name="Title Content and 2 Content">
     <p:spTree>
       <p:nvGrpSpPr>
@@ -2478,12 +2708,13 @@
           </a:prstGeom>
         </p:spPr>
         <p:txBody>
-          <a:bodyPr lIns="0" rIns="0" tIns="0" bIns="0" anchor="ctr">
+          <a:bodyPr lIns="0" tIns="0" rIns="0" bIns="0" anchor="ctr">
             <a:noAutofit/>
           </a:bodyPr>
+          <a:lstStyle/>
           <a:p>
             <a:pPr algn="ctr"/>
-            <a:endParaRPr b="0" lang="en-GB" sz="4400" spc="-1" strike="noStrike">
+            <a:endParaRPr lang="en-GB" sz="4400" b="0" strike="noStrike" spc="-1">
               <a:latin typeface="Arial"/>
             </a:endParaRPr>
           </a:p>
@@ -2509,11 +2740,12 @@
           </a:prstGeom>
         </p:spPr>
         <p:txBody>
-          <a:bodyPr lIns="0" rIns="0" tIns="0" bIns="0">
+          <a:bodyPr lIns="0" tIns="0" rIns="0" bIns="0">
             <a:normAutofit/>
           </a:bodyPr>
-          <a:p>
-            <a:endParaRPr b="0" lang="en-GB" sz="3200" spc="-1" strike="noStrike">
+          <a:lstStyle/>
+          <a:p>
+            <a:endParaRPr lang="en-GB" sz="3200" b="0" strike="noStrike" spc="-1">
               <a:latin typeface="Arial"/>
             </a:endParaRPr>
           </a:p>
@@ -2539,11 +2771,12 @@
           </a:prstGeom>
         </p:spPr>
         <p:txBody>
-          <a:bodyPr lIns="0" rIns="0" tIns="0" bIns="0">
+          <a:bodyPr lIns="0" tIns="0" rIns="0" bIns="0">
             <a:normAutofit/>
           </a:bodyPr>
-          <a:p>
-            <a:endParaRPr b="0" lang="en-GB" sz="3200" spc="-1" strike="noStrike">
+          <a:lstStyle/>
+          <a:p>
+            <a:endParaRPr lang="en-GB" sz="3200" b="0" strike="noStrike" spc="-1">
               <a:latin typeface="Arial"/>
             </a:endParaRPr>
           </a:p>
@@ -2569,11 +2802,12 @@
           </a:prstGeom>
         </p:spPr>
         <p:txBody>
-          <a:bodyPr lIns="0" rIns="0" tIns="0" bIns="0">
+          <a:bodyPr lIns="0" tIns="0" rIns="0" bIns="0">
             <a:normAutofit/>
           </a:bodyPr>
-          <a:p>
-            <a:endParaRPr b="0" lang="en-GB" sz="3200" spc="-1" strike="noStrike">
+          <a:lstStyle/>
+          <a:p>
+            <a:endParaRPr lang="en-GB" sz="3200" b="0" strike="noStrike" spc="-1">
               <a:latin typeface="Arial"/>
             </a:endParaRPr>
           </a:p>
@@ -2581,11 +2815,14 @@
       </p:sp>
     </p:spTree>
   </p:cSld>
+  <p:clrMapOvr>
+    <a:masterClrMapping/>
+  </p:clrMapOvr>
 </p:sldLayout>
 </file>
 
 <file path=ppt/slideLayouts/slideLayout9.xml><?xml version="1.0" encoding="utf-8"?>
-<p:sldLayout xmlns:a="http://schemas.openxmlformats.org/drawingml/2006/main" xmlns:p="http://schemas.openxmlformats.org/presentationml/2006/main" xmlns:r="http://schemas.openxmlformats.org/officeDocument/2006/relationships" xmlns:p14="http://schemas.microsoft.com/office/powerpoint/2010/main" xmlns:p15="http://schemas.microsoft.com/office/powerpoint/2012/main" xmlns:mc="http://schemas.openxmlformats.org/markup-compatibility/2006" type="twoObjOverTx" preserve="1">
+<p:sldLayout xmlns:a="http://schemas.openxmlformats.org/drawingml/2006/main" xmlns:r="http://schemas.openxmlformats.org/officeDocument/2006/relationships" xmlns:p="http://schemas.openxmlformats.org/presentationml/2006/main" type="twoObjOverTx" preserve="1">
   <p:cSld name="Title, 2 Content over Content">
     <p:spTree>
       <p:nvGrpSpPr>
@@ -2621,12 +2858,13 @@
           </a:prstGeom>
         </p:spPr>
         <p:txBody>
-          <a:bodyPr lIns="0" rIns="0" tIns="0" bIns="0" anchor="ctr">
+          <a:bodyPr lIns="0" tIns="0" rIns="0" bIns="0" anchor="ctr">
             <a:noAutofit/>
           </a:bodyPr>
+          <a:lstStyle/>
           <a:p>
             <a:pPr algn="ctr"/>
-            <a:endParaRPr b="0" lang="en-GB" sz="4400" spc="-1" strike="noStrike">
+            <a:endParaRPr lang="en-GB" sz="4400" b="0" strike="noStrike" spc="-1">
               <a:latin typeface="Arial"/>
             </a:endParaRPr>
           </a:p>
@@ -2652,11 +2890,12 @@
           </a:prstGeom>
         </p:spPr>
         <p:txBody>
-          <a:bodyPr lIns="0" rIns="0" tIns="0" bIns="0">
+          <a:bodyPr lIns="0" tIns="0" rIns="0" bIns="0">
             <a:normAutofit/>
           </a:bodyPr>
-          <a:p>
-            <a:endParaRPr b="0" lang="en-GB" sz="3200" spc="-1" strike="noStrike">
+          <a:lstStyle/>
+          <a:p>
+            <a:endParaRPr lang="en-GB" sz="3200" b="0" strike="noStrike" spc="-1">
               <a:latin typeface="Arial"/>
             </a:endParaRPr>
           </a:p>
@@ -2682,11 +2921,12 @@
           </a:prstGeom>
         </p:spPr>
         <p:txBody>
-          <a:bodyPr lIns="0" rIns="0" tIns="0" bIns="0">
+          <a:bodyPr lIns="0" tIns="0" rIns="0" bIns="0">
             <a:normAutofit/>
           </a:bodyPr>
-          <a:p>
-            <a:endParaRPr b="0" lang="en-GB" sz="3200" spc="-1" strike="noStrike">
+          <a:lstStyle/>
+          <a:p>
+            <a:endParaRPr lang="en-GB" sz="3200" b="0" strike="noStrike" spc="-1">
               <a:latin typeface="Arial"/>
             </a:endParaRPr>
           </a:p>
@@ -2712,11 +2952,12 @@
           </a:prstGeom>
         </p:spPr>
         <p:txBody>
-          <a:bodyPr lIns="0" rIns="0" tIns="0" bIns="0">
+          <a:bodyPr lIns="0" tIns="0" rIns="0" bIns="0">
             <a:normAutofit/>
           </a:bodyPr>
-          <a:p>
-            <a:endParaRPr b="0" lang="en-GB" sz="3200" spc="-1" strike="noStrike">
+          <a:lstStyle/>
+          <a:p>
+            <a:endParaRPr lang="en-GB" sz="3200" b="0" strike="noStrike" spc="-1">
               <a:latin typeface="Arial"/>
             </a:endParaRPr>
           </a:p>
@@ -2724,17 +2965,21 @@
       </p:sp>
     </p:spTree>
   </p:cSld>
+  <p:clrMapOvr>
+    <a:masterClrMapping/>
+  </p:clrMapOvr>
 </p:sldLayout>
 </file>
 
 <file path=ppt/slideMasters/slideMaster1.xml><?xml version="1.0" encoding="utf-8"?>
-<p:sldMaster xmlns:a="http://schemas.openxmlformats.org/drawingml/2006/main" xmlns:p="http://schemas.openxmlformats.org/presentationml/2006/main" xmlns:r="http://schemas.openxmlformats.org/officeDocument/2006/relationships" xmlns:p14="http://schemas.microsoft.com/office/powerpoint/2010/main" xmlns:p15="http://schemas.microsoft.com/office/powerpoint/2012/main" xmlns:mc="http://schemas.openxmlformats.org/markup-compatibility/2006">
+<p:sldMaster xmlns:a="http://schemas.openxmlformats.org/drawingml/2006/main" xmlns:r="http://schemas.openxmlformats.org/officeDocument/2006/relationships" xmlns:p="http://schemas.openxmlformats.org/presentationml/2006/main">
   <p:cSld>
     <p:bg>
       <p:bgPr>
         <a:solidFill>
-          <a:srgbClr val="ffffff"/>
+          <a:srgbClr val="FFFFFF"/>
         </a:solidFill>
+        <a:effectLst/>
       </p:bgPr>
     </p:bg>
     <p:spTree>
@@ -2753,7 +2998,7 @@
       </p:grpSpPr>
       <p:sp>
         <p:nvSpPr>
-          <p:cNvPr id="0" name="PlaceHolder 1"/>
+          <p:cNvPr id="2" name="PlaceHolder 1"/>
           <p:cNvSpPr>
             <a:spLocks noGrp="1"/>
           </p:cNvSpPr>
@@ -2771,25 +3016,23 @@
           </a:prstGeom>
         </p:spPr>
         <p:txBody>
-          <a:bodyPr lIns="0" rIns="0" tIns="0" bIns="0" anchor="ctr">
+          <a:bodyPr lIns="0" tIns="0" rIns="0" bIns="0" anchor="ctr">
             <a:noAutofit/>
           </a:bodyPr>
+          <a:lstStyle/>
           <a:p>
             <a:r>
-              <a:rPr b="0" lang="en-GB" sz="1800" spc="-1" strike="noStrike">
+              <a:rPr lang="en-GB" sz="1800" b="0" strike="noStrike" spc="-1">
                 <a:latin typeface="Arial"/>
               </a:rPr>
               <a:t>Click to edit the title text format</a:t>
             </a:r>
-            <a:endParaRPr b="0" lang="en-GB" sz="1800" spc="-1" strike="noStrike">
-              <a:latin typeface="Arial"/>
-            </a:endParaRPr>
-          </a:p>
-        </p:txBody>
-      </p:sp>
-      <p:sp>
-        <p:nvSpPr>
-          <p:cNvPr id="1" name="PlaceHolder 2"/>
+          </a:p>
+        </p:txBody>
+      </p:sp>
+      <p:sp>
+        <p:nvSpPr>
+          <p:cNvPr id="3" name="PlaceHolder 2"/>
           <p:cNvSpPr>
             <a:spLocks noGrp="1"/>
           </p:cNvSpPr>
@@ -2807,9 +3050,10 @@
           </a:prstGeom>
         </p:spPr>
         <p:txBody>
-          <a:bodyPr lIns="0" rIns="0" tIns="0" bIns="0">
+          <a:bodyPr lIns="0" tIns="0" rIns="0" bIns="0">
             <a:normAutofit/>
           </a:bodyPr>
+          <a:lstStyle/>
           <a:p>
             <a:pPr marL="432000" indent="-324000">
               <a:spcBef>
@@ -2823,17 +3067,14 @@
               <a:buChar char=""/>
             </a:pPr>
             <a:r>
-              <a:rPr b="0" lang="en-GB" sz="3200" spc="-1" strike="noStrike">
+              <a:rPr lang="en-GB" sz="3200" b="0" strike="noStrike" spc="-1">
                 <a:latin typeface="Arial"/>
               </a:rPr>
               <a:t>Click to edit the outline text format</a:t>
             </a:r>
-            <a:endParaRPr b="0" lang="en-GB" sz="3200" spc="-1" strike="noStrike">
-              <a:latin typeface="Arial"/>
-            </a:endParaRPr>
-          </a:p>
-          <a:p>
-            <a:pPr lvl="1" marL="864000" indent="-324000">
+          </a:p>
+          <a:p>
+            <a:pPr marL="864000" lvl="1" indent="-324000">
               <a:spcBef>
                 <a:spcPts val="1134"/>
               </a:spcBef>
@@ -2845,17 +3086,14 @@
               <a:buChar char=""/>
             </a:pPr>
             <a:r>
-              <a:rPr b="0" lang="en-GB" sz="2800" spc="-1" strike="noStrike">
+              <a:rPr lang="en-GB" sz="2800" b="0" strike="noStrike" spc="-1">
                 <a:latin typeface="Arial"/>
               </a:rPr>
               <a:t>Second Outline Level</a:t>
             </a:r>
-            <a:endParaRPr b="0" lang="en-GB" sz="2800" spc="-1" strike="noStrike">
-              <a:latin typeface="Arial"/>
-            </a:endParaRPr>
-          </a:p>
-          <a:p>
-            <a:pPr lvl="2" marL="1296000" indent="-288000">
+          </a:p>
+          <a:p>
+            <a:pPr marL="1296000" lvl="2" indent="-288000">
               <a:spcBef>
                 <a:spcPts val="850"/>
               </a:spcBef>
@@ -2867,17 +3105,14 @@
               <a:buChar char=""/>
             </a:pPr>
             <a:r>
-              <a:rPr b="0" lang="en-GB" sz="2400" spc="-1" strike="noStrike">
+              <a:rPr lang="en-GB" sz="2400" b="0" strike="noStrike" spc="-1">
                 <a:latin typeface="Arial"/>
               </a:rPr>
               <a:t>Third Outline Level</a:t>
             </a:r>
-            <a:endParaRPr b="0" lang="en-GB" sz="2400" spc="-1" strike="noStrike">
-              <a:latin typeface="Arial"/>
-            </a:endParaRPr>
-          </a:p>
-          <a:p>
-            <a:pPr lvl="3" marL="1728000" indent="-216000">
+          </a:p>
+          <a:p>
+            <a:pPr marL="1728000" lvl="3" indent="-216000">
               <a:spcBef>
                 <a:spcPts val="567"/>
               </a:spcBef>
@@ -2889,17 +3124,14 @@
               <a:buChar char=""/>
             </a:pPr>
             <a:r>
-              <a:rPr b="0" lang="en-GB" sz="2000" spc="-1" strike="noStrike">
+              <a:rPr lang="en-GB" sz="2000" b="0" strike="noStrike" spc="-1">
                 <a:latin typeface="Arial"/>
               </a:rPr>
               <a:t>Fourth Outline Level</a:t>
             </a:r>
-            <a:endParaRPr b="0" lang="en-GB" sz="2000" spc="-1" strike="noStrike">
-              <a:latin typeface="Arial"/>
-            </a:endParaRPr>
-          </a:p>
-          <a:p>
-            <a:pPr lvl="4" marL="2160000" indent="-216000">
+          </a:p>
+          <a:p>
+            <a:pPr marL="2160000" lvl="4" indent="-216000">
               <a:spcBef>
                 <a:spcPts val="283"/>
               </a:spcBef>
@@ -2911,17 +3143,14 @@
               <a:buChar char=""/>
             </a:pPr>
             <a:r>
-              <a:rPr b="0" lang="en-GB" sz="2000" spc="-1" strike="noStrike">
+              <a:rPr lang="en-GB" sz="2000" b="0" strike="noStrike" spc="-1">
                 <a:latin typeface="Arial"/>
               </a:rPr>
               <a:t>Fifth Outline Level</a:t>
             </a:r>
-            <a:endParaRPr b="0" lang="en-GB" sz="2000" spc="-1" strike="noStrike">
-              <a:latin typeface="Arial"/>
-            </a:endParaRPr>
-          </a:p>
-          <a:p>
-            <a:pPr lvl="5" marL="2592000" indent="-216000">
+          </a:p>
+          <a:p>
+            <a:pPr marL="2592000" lvl="5" indent="-216000">
               <a:spcBef>
                 <a:spcPts val="283"/>
               </a:spcBef>
@@ -2933,17 +3162,14 @@
               <a:buChar char=""/>
             </a:pPr>
             <a:r>
-              <a:rPr b="0" lang="en-GB" sz="2000" spc="-1" strike="noStrike">
+              <a:rPr lang="en-GB" sz="2000" b="0" strike="noStrike" spc="-1">
                 <a:latin typeface="Arial"/>
               </a:rPr>
               <a:t>Sixth Outline Level</a:t>
             </a:r>
-            <a:endParaRPr b="0" lang="en-GB" sz="2000" spc="-1" strike="noStrike">
-              <a:latin typeface="Arial"/>
-            </a:endParaRPr>
-          </a:p>
-          <a:p>
-            <a:pPr lvl="6" marL="3024000" indent="-216000">
+          </a:p>
+          <a:p>
+            <a:pPr marL="3024000" lvl="6" indent="-216000">
               <a:spcBef>
                 <a:spcPts val="283"/>
               </a:spcBef>
@@ -2955,45 +3181,323 @@
               <a:buChar char=""/>
             </a:pPr>
             <a:r>
-              <a:rPr b="0" lang="en-GB" sz="2000" spc="-1" strike="noStrike">
+              <a:rPr lang="en-GB" sz="2000" b="0" strike="noStrike" spc="-1">
                 <a:latin typeface="Arial"/>
               </a:rPr>
               <a:t>Seventh Outline Level</a:t>
             </a:r>
-            <a:endParaRPr b="0" lang="en-GB" sz="2000" spc="-1" strike="noStrike">
-              <a:latin typeface="Arial"/>
-            </a:endParaRPr>
           </a:p>
         </p:txBody>
       </p:sp>
     </p:spTree>
   </p:cSld>
-  <p:clrMap bg1="lt1" bg2="lt2" tx1="dk1" tx2="dk2" accent1="accent1" accent2="accent2" accent3="accent3" accent4="accent4" accent5="accent5" accent6="accent6" hlink="hlink" folHlink="folHlink"/>
+  <p:clrMap bg1="lt1" tx1="dk1" bg2="lt2" tx2="dk2" accent1="accent1" accent2="accent2" accent3="accent3" accent4="accent4" accent5="accent5" accent6="accent6" hlink="hlink" folHlink="folHlink"/>
   <p:sldLayoutIdLst>
-    <p:sldLayoutId id="2147483649" r:id="rId2"/>
-    <p:sldLayoutId id="2147483650" r:id="rId3"/>
-    <p:sldLayoutId id="2147483651" r:id="rId4"/>
-    <p:sldLayoutId id="2147483652" r:id="rId5"/>
-    <p:sldLayoutId id="2147483653" r:id="rId6"/>
-    <p:sldLayoutId id="2147483654" r:id="rId7"/>
-    <p:sldLayoutId id="2147483655" r:id="rId8"/>
-    <p:sldLayoutId id="2147483656" r:id="rId9"/>
-    <p:sldLayoutId id="2147483657" r:id="rId10"/>
-    <p:sldLayoutId id="2147483658" r:id="rId11"/>
-    <p:sldLayoutId id="2147483659" r:id="rId12"/>
-    <p:sldLayoutId id="2147483660" r:id="rId13"/>
+    <p:sldLayoutId id="2147483649" r:id="rId1"/>
+    <p:sldLayoutId id="2147483650" r:id="rId2"/>
+    <p:sldLayoutId id="2147483651" r:id="rId3"/>
+    <p:sldLayoutId id="2147483652" r:id="rId4"/>
+    <p:sldLayoutId id="2147483653" r:id="rId5"/>
+    <p:sldLayoutId id="2147483654" r:id="rId6"/>
+    <p:sldLayoutId id="2147483655" r:id="rId7"/>
+    <p:sldLayoutId id="2147483656" r:id="rId8"/>
+    <p:sldLayoutId id="2147483657" r:id="rId9"/>
+    <p:sldLayoutId id="2147483658" r:id="rId10"/>
+    <p:sldLayoutId id="2147483659" r:id="rId11"/>
+    <p:sldLayoutId id="2147483660" r:id="rId12"/>
   </p:sldLayoutIdLst>
+  <p:txStyles>
+    <p:titleStyle>
+      <a:lvl1pPr algn="l" defTabSz="914400" rtl="0" eaLnBrk="1" latinLnBrk="0" hangingPunct="1">
+        <a:lnSpc>
+          <a:spcPct val="90000"/>
+        </a:lnSpc>
+        <a:spcBef>
+          <a:spcPct val="0"/>
+        </a:spcBef>
+        <a:buNone/>
+        <a:defRPr sz="4400" kern="1200">
+          <a:solidFill>
+            <a:schemeClr val="tx1"/>
+          </a:solidFill>
+          <a:latin typeface="+mj-lt"/>
+          <a:ea typeface="+mj-ea"/>
+          <a:cs typeface="+mj-cs"/>
+        </a:defRPr>
+      </a:lvl1pPr>
+    </p:titleStyle>
+    <p:bodyStyle>
+      <a:lvl1pPr marL="228600" indent="-228600" algn="l" defTabSz="914400" rtl="0" eaLnBrk="1" latinLnBrk="0" hangingPunct="1">
+        <a:lnSpc>
+          <a:spcPct val="90000"/>
+        </a:lnSpc>
+        <a:spcBef>
+          <a:spcPts val="1000"/>
+        </a:spcBef>
+        <a:buFont typeface="Arial" panose="020B0604020202020204" pitchFamily="34" charset="0"/>
+        <a:buChar char="•"/>
+        <a:defRPr sz="2800" kern="1200">
+          <a:solidFill>
+            <a:schemeClr val="tx1"/>
+          </a:solidFill>
+          <a:latin typeface="+mn-lt"/>
+          <a:ea typeface="+mn-ea"/>
+          <a:cs typeface="+mn-cs"/>
+        </a:defRPr>
+      </a:lvl1pPr>
+      <a:lvl2pPr marL="685800" indent="-228600" algn="l" defTabSz="914400" rtl="0" eaLnBrk="1" latinLnBrk="0" hangingPunct="1">
+        <a:lnSpc>
+          <a:spcPct val="90000"/>
+        </a:lnSpc>
+        <a:spcBef>
+          <a:spcPts val="500"/>
+        </a:spcBef>
+        <a:buFont typeface="Arial" panose="020B0604020202020204" pitchFamily="34" charset="0"/>
+        <a:buChar char="•"/>
+        <a:defRPr sz="2400" kern="1200">
+          <a:solidFill>
+            <a:schemeClr val="tx1"/>
+          </a:solidFill>
+          <a:latin typeface="+mn-lt"/>
+          <a:ea typeface="+mn-ea"/>
+          <a:cs typeface="+mn-cs"/>
+        </a:defRPr>
+      </a:lvl2pPr>
+      <a:lvl3pPr marL="1143000" indent="-228600" algn="l" defTabSz="914400" rtl="0" eaLnBrk="1" latinLnBrk="0" hangingPunct="1">
+        <a:lnSpc>
+          <a:spcPct val="90000"/>
+        </a:lnSpc>
+        <a:spcBef>
+          <a:spcPts val="500"/>
+        </a:spcBef>
+        <a:buFont typeface="Arial" panose="020B0604020202020204" pitchFamily="34" charset="0"/>
+        <a:buChar char="•"/>
+        <a:defRPr sz="2000" kern="1200">
+          <a:solidFill>
+            <a:schemeClr val="tx1"/>
+          </a:solidFill>
+          <a:latin typeface="+mn-lt"/>
+          <a:ea typeface="+mn-ea"/>
+          <a:cs typeface="+mn-cs"/>
+        </a:defRPr>
+      </a:lvl3pPr>
+      <a:lvl4pPr marL="1600200" indent="-228600" algn="l" defTabSz="914400" rtl="0" eaLnBrk="1" latinLnBrk="0" hangingPunct="1">
+        <a:lnSpc>
+          <a:spcPct val="90000"/>
+        </a:lnSpc>
+        <a:spcBef>
+          <a:spcPts val="500"/>
+        </a:spcBef>
+        <a:buFont typeface="Arial" panose="020B0604020202020204" pitchFamily="34" charset="0"/>
+        <a:buChar char="•"/>
+        <a:defRPr sz="1800" kern="1200">
+          <a:solidFill>
+            <a:schemeClr val="tx1"/>
+          </a:solidFill>
+          <a:latin typeface="+mn-lt"/>
+          <a:ea typeface="+mn-ea"/>
+          <a:cs typeface="+mn-cs"/>
+        </a:defRPr>
+      </a:lvl4pPr>
+      <a:lvl5pPr marL="2057400" indent="-228600" algn="l" defTabSz="914400" rtl="0" eaLnBrk="1" latinLnBrk="0" hangingPunct="1">
+        <a:lnSpc>
+          <a:spcPct val="90000"/>
+        </a:lnSpc>
+        <a:spcBef>
+          <a:spcPts val="500"/>
+        </a:spcBef>
+        <a:buFont typeface="Arial" panose="020B0604020202020204" pitchFamily="34" charset="0"/>
+        <a:buChar char="•"/>
+        <a:defRPr sz="1800" kern="1200">
+          <a:solidFill>
+            <a:schemeClr val="tx1"/>
+          </a:solidFill>
+          <a:latin typeface="+mn-lt"/>
+          <a:ea typeface="+mn-ea"/>
+          <a:cs typeface="+mn-cs"/>
+        </a:defRPr>
+      </a:lvl5pPr>
+      <a:lvl6pPr marL="2514600" indent="-228600" algn="l" defTabSz="914400" rtl="0" eaLnBrk="1" latinLnBrk="0" hangingPunct="1">
+        <a:lnSpc>
+          <a:spcPct val="90000"/>
+        </a:lnSpc>
+        <a:spcBef>
+          <a:spcPts val="500"/>
+        </a:spcBef>
+        <a:buFont typeface="Arial" panose="020B0604020202020204" pitchFamily="34" charset="0"/>
+        <a:buChar char="•"/>
+        <a:defRPr sz="1800" kern="1200">
+          <a:solidFill>
+            <a:schemeClr val="tx1"/>
+          </a:solidFill>
+          <a:latin typeface="+mn-lt"/>
+          <a:ea typeface="+mn-ea"/>
+          <a:cs typeface="+mn-cs"/>
+        </a:defRPr>
+      </a:lvl6pPr>
+      <a:lvl7pPr marL="2971800" indent="-228600" algn="l" defTabSz="914400" rtl="0" eaLnBrk="1" latinLnBrk="0" hangingPunct="1">
+        <a:lnSpc>
+          <a:spcPct val="90000"/>
+        </a:lnSpc>
+        <a:spcBef>
+          <a:spcPts val="500"/>
+        </a:spcBef>
+        <a:buFont typeface="Arial" panose="020B0604020202020204" pitchFamily="34" charset="0"/>
+        <a:buChar char="•"/>
+        <a:defRPr sz="1800" kern="1200">
+          <a:solidFill>
+            <a:schemeClr val="tx1"/>
+          </a:solidFill>
+          <a:latin typeface="+mn-lt"/>
+          <a:ea typeface="+mn-ea"/>
+          <a:cs typeface="+mn-cs"/>
+        </a:defRPr>
+      </a:lvl7pPr>
+      <a:lvl8pPr marL="3429000" indent="-228600" algn="l" defTabSz="914400" rtl="0" eaLnBrk="1" latinLnBrk="0" hangingPunct="1">
+        <a:lnSpc>
+          <a:spcPct val="90000"/>
+        </a:lnSpc>
+        <a:spcBef>
+          <a:spcPts val="500"/>
+        </a:spcBef>
+        <a:buFont typeface="Arial" panose="020B0604020202020204" pitchFamily="34" charset="0"/>
+        <a:buChar char="•"/>
+        <a:defRPr sz="1800" kern="1200">
+          <a:solidFill>
+            <a:schemeClr val="tx1"/>
+          </a:solidFill>
+          <a:latin typeface="+mn-lt"/>
+          <a:ea typeface="+mn-ea"/>
+          <a:cs typeface="+mn-cs"/>
+        </a:defRPr>
+      </a:lvl8pPr>
+      <a:lvl9pPr marL="3886200" indent="-228600" algn="l" defTabSz="914400" rtl="0" eaLnBrk="1" latinLnBrk="0" hangingPunct="1">
+        <a:lnSpc>
+          <a:spcPct val="90000"/>
+        </a:lnSpc>
+        <a:spcBef>
+          <a:spcPts val="500"/>
+        </a:spcBef>
+        <a:buFont typeface="Arial" panose="020B0604020202020204" pitchFamily="34" charset="0"/>
+        <a:buChar char="•"/>
+        <a:defRPr sz="1800" kern="1200">
+          <a:solidFill>
+            <a:schemeClr val="tx1"/>
+          </a:solidFill>
+          <a:latin typeface="+mn-lt"/>
+          <a:ea typeface="+mn-ea"/>
+          <a:cs typeface="+mn-cs"/>
+        </a:defRPr>
+      </a:lvl9pPr>
+    </p:bodyStyle>
+    <p:otherStyle>
+      <a:defPPr>
+        <a:defRPr lang="en-US"/>
+      </a:defPPr>
+      <a:lvl1pPr marL="0" algn="l" defTabSz="914400" rtl="0" eaLnBrk="1" latinLnBrk="0" hangingPunct="1">
+        <a:defRPr sz="1800" kern="1200">
+          <a:solidFill>
+            <a:schemeClr val="tx1"/>
+          </a:solidFill>
+          <a:latin typeface="+mn-lt"/>
+          <a:ea typeface="+mn-ea"/>
+          <a:cs typeface="+mn-cs"/>
+        </a:defRPr>
+      </a:lvl1pPr>
+      <a:lvl2pPr marL="457200" algn="l" defTabSz="914400" rtl="0" eaLnBrk="1" latinLnBrk="0" hangingPunct="1">
+        <a:defRPr sz="1800" kern="1200">
+          <a:solidFill>
+            <a:schemeClr val="tx1"/>
+          </a:solidFill>
+          <a:latin typeface="+mn-lt"/>
+          <a:ea typeface="+mn-ea"/>
+          <a:cs typeface="+mn-cs"/>
+        </a:defRPr>
+      </a:lvl2pPr>
+      <a:lvl3pPr marL="914400" algn="l" defTabSz="914400" rtl="0" eaLnBrk="1" latinLnBrk="0" hangingPunct="1">
+        <a:defRPr sz="1800" kern="1200">
+          <a:solidFill>
+            <a:schemeClr val="tx1"/>
+          </a:solidFill>
+          <a:latin typeface="+mn-lt"/>
+          <a:ea typeface="+mn-ea"/>
+          <a:cs typeface="+mn-cs"/>
+        </a:defRPr>
+      </a:lvl3pPr>
+      <a:lvl4pPr marL="1371600" algn="l" defTabSz="914400" rtl="0" eaLnBrk="1" latinLnBrk="0" hangingPunct="1">
+        <a:defRPr sz="1800" kern="1200">
+          <a:solidFill>
+            <a:schemeClr val="tx1"/>
+          </a:solidFill>
+          <a:latin typeface="+mn-lt"/>
+          <a:ea typeface="+mn-ea"/>
+          <a:cs typeface="+mn-cs"/>
+        </a:defRPr>
+      </a:lvl4pPr>
+      <a:lvl5pPr marL="1828800" algn="l" defTabSz="914400" rtl="0" eaLnBrk="1" latinLnBrk="0" hangingPunct="1">
+        <a:defRPr sz="1800" kern="1200">
+          <a:solidFill>
+            <a:schemeClr val="tx1"/>
+          </a:solidFill>
+          <a:latin typeface="+mn-lt"/>
+          <a:ea typeface="+mn-ea"/>
+          <a:cs typeface="+mn-cs"/>
+        </a:defRPr>
+      </a:lvl5pPr>
+      <a:lvl6pPr marL="2286000" algn="l" defTabSz="914400" rtl="0" eaLnBrk="1" latinLnBrk="0" hangingPunct="1">
+        <a:defRPr sz="1800" kern="1200">
+          <a:solidFill>
+            <a:schemeClr val="tx1"/>
+          </a:solidFill>
+          <a:latin typeface="+mn-lt"/>
+          <a:ea typeface="+mn-ea"/>
+          <a:cs typeface="+mn-cs"/>
+        </a:defRPr>
+      </a:lvl6pPr>
+      <a:lvl7pPr marL="2743200" algn="l" defTabSz="914400" rtl="0" eaLnBrk="1" latinLnBrk="0" hangingPunct="1">
+        <a:defRPr sz="1800" kern="1200">
+          <a:solidFill>
+            <a:schemeClr val="tx1"/>
+          </a:solidFill>
+          <a:latin typeface="+mn-lt"/>
+          <a:ea typeface="+mn-ea"/>
+          <a:cs typeface="+mn-cs"/>
+        </a:defRPr>
+      </a:lvl7pPr>
+      <a:lvl8pPr marL="3200400" algn="l" defTabSz="914400" rtl="0" eaLnBrk="1" latinLnBrk="0" hangingPunct="1">
+        <a:defRPr sz="1800" kern="1200">
+          <a:solidFill>
+            <a:schemeClr val="tx1"/>
+          </a:solidFill>
+          <a:latin typeface="+mn-lt"/>
+          <a:ea typeface="+mn-ea"/>
+          <a:cs typeface="+mn-cs"/>
+        </a:defRPr>
+      </a:lvl8pPr>
+      <a:lvl9pPr marL="3657600" algn="l" defTabSz="914400" rtl="0" eaLnBrk="1" latinLnBrk="0" hangingPunct="1">
+        <a:defRPr sz="1800" kern="1200">
+          <a:solidFill>
+            <a:schemeClr val="tx1"/>
+          </a:solidFill>
+          <a:latin typeface="+mn-lt"/>
+          <a:ea typeface="+mn-ea"/>
+          <a:cs typeface="+mn-cs"/>
+        </a:defRPr>
+      </a:lvl9pPr>
+    </p:otherStyle>
+  </p:txStyles>
 </p:sldMaster>
 </file>
 
 <file path=ppt/slideMasters/slideMaster2.xml><?xml version="1.0" encoding="utf-8"?>
-<p:sldMaster xmlns:a="http://schemas.openxmlformats.org/drawingml/2006/main" xmlns:p="http://schemas.openxmlformats.org/presentationml/2006/main" xmlns:r="http://schemas.openxmlformats.org/officeDocument/2006/relationships" xmlns:p14="http://schemas.microsoft.com/office/powerpoint/2010/main" xmlns:p15="http://schemas.microsoft.com/office/powerpoint/2012/main" xmlns:mc="http://schemas.openxmlformats.org/markup-compatibility/2006">
+<p:sldMaster xmlns:a="http://schemas.openxmlformats.org/drawingml/2006/main" xmlns:r="http://schemas.openxmlformats.org/officeDocument/2006/relationships" xmlns:p="http://schemas.openxmlformats.org/presentationml/2006/main">
   <p:cSld>
     <p:bg>
       <p:bgPr>
         <a:solidFill>
-          <a:srgbClr val="ffffff"/>
+          <a:srgbClr val="FFFFFF"/>
         </a:solidFill>
+        <a:effectLst/>
       </p:bgPr>
     </p:bg>
     <p:spTree>
@@ -3030,20 +3534,18 @@
           </a:prstGeom>
         </p:spPr>
         <p:txBody>
-          <a:bodyPr lIns="0" rIns="0" tIns="0" bIns="0" anchor="ctr">
+          <a:bodyPr lIns="0" tIns="0" rIns="0" bIns="0" anchor="ctr">
             <a:noAutofit/>
           </a:bodyPr>
+          <a:lstStyle/>
           <a:p>
             <a:pPr algn="ctr"/>
             <a:r>
-              <a:rPr b="0" lang="en-GB" sz="4400" spc="-1" strike="noStrike">
+              <a:rPr lang="en-GB" sz="4400" b="0" strike="noStrike" spc="-1">
                 <a:latin typeface="Arial"/>
               </a:rPr>
               <a:t>Click to edit the title text format</a:t>
             </a:r>
-            <a:endParaRPr b="0" lang="en-GB" sz="4400" spc="-1" strike="noStrike">
-              <a:latin typeface="Arial"/>
-            </a:endParaRPr>
           </a:p>
         </p:txBody>
       </p:sp>
@@ -3067,9 +3569,10 @@
           </a:prstGeom>
         </p:spPr>
         <p:txBody>
-          <a:bodyPr lIns="0" rIns="0" tIns="0" bIns="0">
+          <a:bodyPr lIns="0" tIns="0" rIns="0" bIns="0">
             <a:normAutofit/>
           </a:bodyPr>
+          <a:lstStyle/>
           <a:p>
             <a:pPr marL="432000" indent="-324000">
               <a:spcBef>
@@ -3083,17 +3586,14 @@
               <a:buChar char=""/>
             </a:pPr>
             <a:r>
-              <a:rPr b="0" lang="en-GB" sz="3200" spc="-1" strike="noStrike">
+              <a:rPr lang="en-GB" sz="3200" b="0" strike="noStrike" spc="-1">
                 <a:latin typeface="Arial"/>
               </a:rPr>
               <a:t>Click to edit the outline text format</a:t>
             </a:r>
-            <a:endParaRPr b="0" lang="en-GB" sz="3200" spc="-1" strike="noStrike">
-              <a:latin typeface="Arial"/>
-            </a:endParaRPr>
-          </a:p>
-          <a:p>
-            <a:pPr lvl="1" marL="864000" indent="-324000">
+          </a:p>
+          <a:p>
+            <a:pPr marL="864000" lvl="1" indent="-324000">
               <a:spcBef>
                 <a:spcPts val="1134"/>
               </a:spcBef>
@@ -3105,17 +3605,14 @@
               <a:buChar char=""/>
             </a:pPr>
             <a:r>
-              <a:rPr b="0" lang="en-GB" sz="2800" spc="-1" strike="noStrike">
+              <a:rPr lang="en-GB" sz="2800" b="0" strike="noStrike" spc="-1">
                 <a:latin typeface="Arial"/>
               </a:rPr>
               <a:t>Second Outline Level</a:t>
             </a:r>
-            <a:endParaRPr b="0" lang="en-GB" sz="2800" spc="-1" strike="noStrike">
-              <a:latin typeface="Arial"/>
-            </a:endParaRPr>
-          </a:p>
-          <a:p>
-            <a:pPr lvl="2" marL="1296000" indent="-288000">
+          </a:p>
+          <a:p>
+            <a:pPr marL="1296000" lvl="2" indent="-288000">
               <a:spcBef>
                 <a:spcPts val="850"/>
               </a:spcBef>
@@ -3127,17 +3624,14 @@
               <a:buChar char=""/>
             </a:pPr>
             <a:r>
-              <a:rPr b="0" lang="en-GB" sz="2400" spc="-1" strike="noStrike">
+              <a:rPr lang="en-GB" sz="2400" b="0" strike="noStrike" spc="-1">
                 <a:latin typeface="Arial"/>
               </a:rPr>
               <a:t>Third Outline Level</a:t>
             </a:r>
-            <a:endParaRPr b="0" lang="en-GB" sz="2400" spc="-1" strike="noStrike">
-              <a:latin typeface="Arial"/>
-            </a:endParaRPr>
-          </a:p>
-          <a:p>
-            <a:pPr lvl="3" marL="1728000" indent="-216000">
+          </a:p>
+          <a:p>
+            <a:pPr marL="1728000" lvl="3" indent="-216000">
               <a:spcBef>
                 <a:spcPts val="567"/>
               </a:spcBef>
@@ -3149,17 +3643,14 @@
               <a:buChar char=""/>
             </a:pPr>
             <a:r>
-              <a:rPr b="0" lang="en-GB" sz="2000" spc="-1" strike="noStrike">
+              <a:rPr lang="en-GB" sz="2000" b="0" strike="noStrike" spc="-1">
                 <a:latin typeface="Arial"/>
               </a:rPr>
               <a:t>Fourth Outline Level</a:t>
             </a:r>
-            <a:endParaRPr b="0" lang="en-GB" sz="2000" spc="-1" strike="noStrike">
-              <a:latin typeface="Arial"/>
-            </a:endParaRPr>
-          </a:p>
-          <a:p>
-            <a:pPr lvl="4" marL="2160000" indent="-216000">
+          </a:p>
+          <a:p>
+            <a:pPr marL="2160000" lvl="4" indent="-216000">
               <a:spcBef>
                 <a:spcPts val="283"/>
               </a:spcBef>
@@ -3171,17 +3662,14 @@
               <a:buChar char=""/>
             </a:pPr>
             <a:r>
-              <a:rPr b="0" lang="en-GB" sz="2000" spc="-1" strike="noStrike">
+              <a:rPr lang="en-GB" sz="2000" b="0" strike="noStrike" spc="-1">
                 <a:latin typeface="Arial"/>
               </a:rPr>
               <a:t>Fifth Outline Level</a:t>
             </a:r>
-            <a:endParaRPr b="0" lang="en-GB" sz="2000" spc="-1" strike="noStrike">
-              <a:latin typeface="Arial"/>
-            </a:endParaRPr>
-          </a:p>
-          <a:p>
-            <a:pPr lvl="5" marL="2592000" indent="-216000">
+          </a:p>
+          <a:p>
+            <a:pPr marL="2592000" lvl="5" indent="-216000">
               <a:spcBef>
                 <a:spcPts val="283"/>
               </a:spcBef>
@@ -3193,17 +3681,14 @@
               <a:buChar char=""/>
             </a:pPr>
             <a:r>
-              <a:rPr b="0" lang="en-GB" sz="2000" spc="-1" strike="noStrike">
+              <a:rPr lang="en-GB" sz="2000" b="0" strike="noStrike" spc="-1">
                 <a:latin typeface="Arial"/>
               </a:rPr>
               <a:t>Sixth Outline Level</a:t>
             </a:r>
-            <a:endParaRPr b="0" lang="en-GB" sz="2000" spc="-1" strike="noStrike">
-              <a:latin typeface="Arial"/>
-            </a:endParaRPr>
-          </a:p>
-          <a:p>
-            <a:pPr lvl="6" marL="3024000" indent="-216000">
+          </a:p>
+          <a:p>
+            <a:pPr marL="3024000" lvl="6" indent="-216000">
               <a:spcBef>
                 <a:spcPts val="283"/>
               </a:spcBef>
@@ -3215,39 +3700,316 @@
               <a:buChar char=""/>
             </a:pPr>
             <a:r>
-              <a:rPr b="0" lang="en-GB" sz="2000" spc="-1" strike="noStrike">
+              <a:rPr lang="en-GB" sz="2000" b="0" strike="noStrike" spc="-1">
                 <a:latin typeface="Arial"/>
               </a:rPr>
               <a:t>Seventh Outline Level</a:t>
             </a:r>
-            <a:endParaRPr b="0" lang="en-GB" sz="2000" spc="-1" strike="noStrike">
-              <a:latin typeface="Arial"/>
-            </a:endParaRPr>
           </a:p>
         </p:txBody>
       </p:sp>
     </p:spTree>
   </p:cSld>
-  <p:clrMap bg1="lt1" bg2="lt2" tx1="dk1" tx2="dk2" accent1="accent1" accent2="accent2" accent3="accent3" accent4="accent4" accent5="accent5" accent6="accent6" hlink="hlink" folHlink="folHlink"/>
+  <p:clrMap bg1="lt1" tx1="dk1" bg2="lt2" tx2="dk2" accent1="accent1" accent2="accent2" accent3="accent3" accent4="accent4" accent5="accent5" accent6="accent6" hlink="hlink" folHlink="folHlink"/>
   <p:sldLayoutIdLst>
-    <p:sldLayoutId id="2147483662" r:id="rId2"/>
-    <p:sldLayoutId id="2147483663" r:id="rId3"/>
-    <p:sldLayoutId id="2147483664" r:id="rId4"/>
-    <p:sldLayoutId id="2147483665" r:id="rId5"/>
-    <p:sldLayoutId id="2147483666" r:id="rId6"/>
-    <p:sldLayoutId id="2147483667" r:id="rId7"/>
-    <p:sldLayoutId id="2147483668" r:id="rId8"/>
-    <p:sldLayoutId id="2147483669" r:id="rId9"/>
-    <p:sldLayoutId id="2147483670" r:id="rId10"/>
-    <p:sldLayoutId id="2147483671" r:id="rId11"/>
-    <p:sldLayoutId id="2147483672" r:id="rId12"/>
-    <p:sldLayoutId id="2147483673" r:id="rId13"/>
+    <p:sldLayoutId id="2147483662" r:id="rId1"/>
+    <p:sldLayoutId id="2147483663" r:id="rId2"/>
+    <p:sldLayoutId id="2147483664" r:id="rId3"/>
+    <p:sldLayoutId id="2147483665" r:id="rId4"/>
+    <p:sldLayoutId id="2147483666" r:id="rId5"/>
+    <p:sldLayoutId id="2147483667" r:id="rId6"/>
+    <p:sldLayoutId id="2147483668" r:id="rId7"/>
+    <p:sldLayoutId id="2147483669" r:id="rId8"/>
+    <p:sldLayoutId id="2147483670" r:id="rId9"/>
+    <p:sldLayoutId id="2147483671" r:id="rId10"/>
+    <p:sldLayoutId id="2147483672" r:id="rId11"/>
+    <p:sldLayoutId id="2147483673" r:id="rId12"/>
   </p:sldLayoutIdLst>
+  <p:txStyles>
+    <p:titleStyle>
+      <a:lvl1pPr algn="l" defTabSz="914400" rtl="0" eaLnBrk="1" latinLnBrk="0" hangingPunct="1">
+        <a:lnSpc>
+          <a:spcPct val="90000"/>
+        </a:lnSpc>
+        <a:spcBef>
+          <a:spcPct val="0"/>
+        </a:spcBef>
+        <a:buNone/>
+        <a:defRPr sz="4400" kern="1200">
+          <a:solidFill>
+            <a:schemeClr val="tx1"/>
+          </a:solidFill>
+          <a:latin typeface="+mj-lt"/>
+          <a:ea typeface="+mj-ea"/>
+          <a:cs typeface="+mj-cs"/>
+        </a:defRPr>
+      </a:lvl1pPr>
+    </p:titleStyle>
+    <p:bodyStyle>
+      <a:lvl1pPr marL="228600" indent="-228600" algn="l" defTabSz="914400" rtl="0" eaLnBrk="1" latinLnBrk="0" hangingPunct="1">
+        <a:lnSpc>
+          <a:spcPct val="90000"/>
+        </a:lnSpc>
+        <a:spcBef>
+          <a:spcPts val="1000"/>
+        </a:spcBef>
+        <a:buFont typeface="Arial" panose="020B0604020202020204" pitchFamily="34" charset="0"/>
+        <a:buChar char="•"/>
+        <a:defRPr sz="2800" kern="1200">
+          <a:solidFill>
+            <a:schemeClr val="tx1"/>
+          </a:solidFill>
+          <a:latin typeface="+mn-lt"/>
+          <a:ea typeface="+mn-ea"/>
+          <a:cs typeface="+mn-cs"/>
+        </a:defRPr>
+      </a:lvl1pPr>
+      <a:lvl2pPr marL="685800" indent="-228600" algn="l" defTabSz="914400" rtl="0" eaLnBrk="1" latinLnBrk="0" hangingPunct="1">
+        <a:lnSpc>
+          <a:spcPct val="90000"/>
+        </a:lnSpc>
+        <a:spcBef>
+          <a:spcPts val="500"/>
+        </a:spcBef>
+        <a:buFont typeface="Arial" panose="020B0604020202020204" pitchFamily="34" charset="0"/>
+        <a:buChar char="•"/>
+        <a:defRPr sz="2400" kern="1200">
+          <a:solidFill>
+            <a:schemeClr val="tx1"/>
+          </a:solidFill>
+          <a:latin typeface="+mn-lt"/>
+          <a:ea typeface="+mn-ea"/>
+          <a:cs typeface="+mn-cs"/>
+        </a:defRPr>
+      </a:lvl2pPr>
+      <a:lvl3pPr marL="1143000" indent="-228600" algn="l" defTabSz="914400" rtl="0" eaLnBrk="1" latinLnBrk="0" hangingPunct="1">
+        <a:lnSpc>
+          <a:spcPct val="90000"/>
+        </a:lnSpc>
+        <a:spcBef>
+          <a:spcPts val="500"/>
+        </a:spcBef>
+        <a:buFont typeface="Arial" panose="020B0604020202020204" pitchFamily="34" charset="0"/>
+        <a:buChar char="•"/>
+        <a:defRPr sz="2000" kern="1200">
+          <a:solidFill>
+            <a:schemeClr val="tx1"/>
+          </a:solidFill>
+          <a:latin typeface="+mn-lt"/>
+          <a:ea typeface="+mn-ea"/>
+          <a:cs typeface="+mn-cs"/>
+        </a:defRPr>
+      </a:lvl3pPr>
+      <a:lvl4pPr marL="1600200" indent="-228600" algn="l" defTabSz="914400" rtl="0" eaLnBrk="1" latinLnBrk="0" hangingPunct="1">
+        <a:lnSpc>
+          <a:spcPct val="90000"/>
+        </a:lnSpc>
+        <a:spcBef>
+          <a:spcPts val="500"/>
+        </a:spcBef>
+        <a:buFont typeface="Arial" panose="020B0604020202020204" pitchFamily="34" charset="0"/>
+        <a:buChar char="•"/>
+        <a:defRPr sz="1800" kern="1200">
+          <a:solidFill>
+            <a:schemeClr val="tx1"/>
+          </a:solidFill>
+          <a:latin typeface="+mn-lt"/>
+          <a:ea typeface="+mn-ea"/>
+          <a:cs typeface="+mn-cs"/>
+        </a:defRPr>
+      </a:lvl4pPr>
+      <a:lvl5pPr marL="2057400" indent="-228600" algn="l" defTabSz="914400" rtl="0" eaLnBrk="1" latinLnBrk="0" hangingPunct="1">
+        <a:lnSpc>
+          <a:spcPct val="90000"/>
+        </a:lnSpc>
+        <a:spcBef>
+          <a:spcPts val="500"/>
+        </a:spcBef>
+        <a:buFont typeface="Arial" panose="020B0604020202020204" pitchFamily="34" charset="0"/>
+        <a:buChar char="•"/>
+        <a:defRPr sz="1800" kern="1200">
+          <a:solidFill>
+            <a:schemeClr val="tx1"/>
+          </a:solidFill>
+          <a:latin typeface="+mn-lt"/>
+          <a:ea typeface="+mn-ea"/>
+          <a:cs typeface="+mn-cs"/>
+        </a:defRPr>
+      </a:lvl5pPr>
+      <a:lvl6pPr marL="2514600" indent="-228600" algn="l" defTabSz="914400" rtl="0" eaLnBrk="1" latinLnBrk="0" hangingPunct="1">
+        <a:lnSpc>
+          <a:spcPct val="90000"/>
+        </a:lnSpc>
+        <a:spcBef>
+          <a:spcPts val="500"/>
+        </a:spcBef>
+        <a:buFont typeface="Arial" panose="020B0604020202020204" pitchFamily="34" charset="0"/>
+        <a:buChar char="•"/>
+        <a:defRPr sz="1800" kern="1200">
+          <a:solidFill>
+            <a:schemeClr val="tx1"/>
+          </a:solidFill>
+          <a:latin typeface="+mn-lt"/>
+          <a:ea typeface="+mn-ea"/>
+          <a:cs typeface="+mn-cs"/>
+        </a:defRPr>
+      </a:lvl6pPr>
+      <a:lvl7pPr marL="2971800" indent="-228600" algn="l" defTabSz="914400" rtl="0" eaLnBrk="1" latinLnBrk="0" hangingPunct="1">
+        <a:lnSpc>
+          <a:spcPct val="90000"/>
+        </a:lnSpc>
+        <a:spcBef>
+          <a:spcPts val="500"/>
+        </a:spcBef>
+        <a:buFont typeface="Arial" panose="020B0604020202020204" pitchFamily="34" charset="0"/>
+        <a:buChar char="•"/>
+        <a:defRPr sz="1800" kern="1200">
+          <a:solidFill>
+            <a:schemeClr val="tx1"/>
+          </a:solidFill>
+          <a:latin typeface="+mn-lt"/>
+          <a:ea typeface="+mn-ea"/>
+          <a:cs typeface="+mn-cs"/>
+        </a:defRPr>
+      </a:lvl7pPr>
+      <a:lvl8pPr marL="3429000" indent="-228600" algn="l" defTabSz="914400" rtl="0" eaLnBrk="1" latinLnBrk="0" hangingPunct="1">
+        <a:lnSpc>
+          <a:spcPct val="90000"/>
+        </a:lnSpc>
+        <a:spcBef>
+          <a:spcPts val="500"/>
+        </a:spcBef>
+        <a:buFont typeface="Arial" panose="020B0604020202020204" pitchFamily="34" charset="0"/>
+        <a:buChar char="•"/>
+        <a:defRPr sz="1800" kern="1200">
+          <a:solidFill>
+            <a:schemeClr val="tx1"/>
+          </a:solidFill>
+          <a:latin typeface="+mn-lt"/>
+          <a:ea typeface="+mn-ea"/>
+          <a:cs typeface="+mn-cs"/>
+        </a:defRPr>
+      </a:lvl8pPr>
+      <a:lvl9pPr marL="3886200" indent="-228600" algn="l" defTabSz="914400" rtl="0" eaLnBrk="1" latinLnBrk="0" hangingPunct="1">
+        <a:lnSpc>
+          <a:spcPct val="90000"/>
+        </a:lnSpc>
+        <a:spcBef>
+          <a:spcPts val="500"/>
+        </a:spcBef>
+        <a:buFont typeface="Arial" panose="020B0604020202020204" pitchFamily="34" charset="0"/>
+        <a:buChar char="•"/>
+        <a:defRPr sz="1800" kern="1200">
+          <a:solidFill>
+            <a:schemeClr val="tx1"/>
+          </a:solidFill>
+          <a:latin typeface="+mn-lt"/>
+          <a:ea typeface="+mn-ea"/>
+          <a:cs typeface="+mn-cs"/>
+        </a:defRPr>
+      </a:lvl9pPr>
+    </p:bodyStyle>
+    <p:otherStyle>
+      <a:defPPr>
+        <a:defRPr lang="en-US"/>
+      </a:defPPr>
+      <a:lvl1pPr marL="0" algn="l" defTabSz="914400" rtl="0" eaLnBrk="1" latinLnBrk="0" hangingPunct="1">
+        <a:defRPr sz="1800" kern="1200">
+          <a:solidFill>
+            <a:schemeClr val="tx1"/>
+          </a:solidFill>
+          <a:latin typeface="+mn-lt"/>
+          <a:ea typeface="+mn-ea"/>
+          <a:cs typeface="+mn-cs"/>
+        </a:defRPr>
+      </a:lvl1pPr>
+      <a:lvl2pPr marL="457200" algn="l" defTabSz="914400" rtl="0" eaLnBrk="1" latinLnBrk="0" hangingPunct="1">
+        <a:defRPr sz="1800" kern="1200">
+          <a:solidFill>
+            <a:schemeClr val="tx1"/>
+          </a:solidFill>
+          <a:latin typeface="+mn-lt"/>
+          <a:ea typeface="+mn-ea"/>
+          <a:cs typeface="+mn-cs"/>
+        </a:defRPr>
+      </a:lvl2pPr>
+      <a:lvl3pPr marL="914400" algn="l" defTabSz="914400" rtl="0" eaLnBrk="1" latinLnBrk="0" hangingPunct="1">
+        <a:defRPr sz="1800" kern="1200">
+          <a:solidFill>
+            <a:schemeClr val="tx1"/>
+          </a:solidFill>
+          <a:latin typeface="+mn-lt"/>
+          <a:ea typeface="+mn-ea"/>
+          <a:cs typeface="+mn-cs"/>
+        </a:defRPr>
+      </a:lvl3pPr>
+      <a:lvl4pPr marL="1371600" algn="l" defTabSz="914400" rtl="0" eaLnBrk="1" latinLnBrk="0" hangingPunct="1">
+        <a:defRPr sz="1800" kern="1200">
+          <a:solidFill>
+            <a:schemeClr val="tx1"/>
+          </a:solidFill>
+          <a:latin typeface="+mn-lt"/>
+          <a:ea typeface="+mn-ea"/>
+          <a:cs typeface="+mn-cs"/>
+        </a:defRPr>
+      </a:lvl4pPr>
+      <a:lvl5pPr marL="1828800" algn="l" defTabSz="914400" rtl="0" eaLnBrk="1" latinLnBrk="0" hangingPunct="1">
+        <a:defRPr sz="1800" kern="1200">
+          <a:solidFill>
+            <a:schemeClr val="tx1"/>
+          </a:solidFill>
+          <a:latin typeface="+mn-lt"/>
+          <a:ea typeface="+mn-ea"/>
+          <a:cs typeface="+mn-cs"/>
+        </a:defRPr>
+      </a:lvl5pPr>
+      <a:lvl6pPr marL="2286000" algn="l" defTabSz="914400" rtl="0" eaLnBrk="1" latinLnBrk="0" hangingPunct="1">
+        <a:defRPr sz="1800" kern="1200">
+          <a:solidFill>
+            <a:schemeClr val="tx1"/>
+          </a:solidFill>
+          <a:latin typeface="+mn-lt"/>
+          <a:ea typeface="+mn-ea"/>
+          <a:cs typeface="+mn-cs"/>
+        </a:defRPr>
+      </a:lvl6pPr>
+      <a:lvl7pPr marL="2743200" algn="l" defTabSz="914400" rtl="0" eaLnBrk="1" latinLnBrk="0" hangingPunct="1">
+        <a:defRPr sz="1800" kern="1200">
+          <a:solidFill>
+            <a:schemeClr val="tx1"/>
+          </a:solidFill>
+          <a:latin typeface="+mn-lt"/>
+          <a:ea typeface="+mn-ea"/>
+          <a:cs typeface="+mn-cs"/>
+        </a:defRPr>
+      </a:lvl7pPr>
+      <a:lvl8pPr marL="3200400" algn="l" defTabSz="914400" rtl="0" eaLnBrk="1" latinLnBrk="0" hangingPunct="1">
+        <a:defRPr sz="1800" kern="1200">
+          <a:solidFill>
+            <a:schemeClr val="tx1"/>
+          </a:solidFill>
+          <a:latin typeface="+mn-lt"/>
+          <a:ea typeface="+mn-ea"/>
+          <a:cs typeface="+mn-cs"/>
+        </a:defRPr>
+      </a:lvl8pPr>
+      <a:lvl9pPr marL="3657600" algn="l" defTabSz="914400" rtl="0" eaLnBrk="1" latinLnBrk="0" hangingPunct="1">
+        <a:defRPr sz="1800" kern="1200">
+          <a:solidFill>
+            <a:schemeClr val="tx1"/>
+          </a:solidFill>
+          <a:latin typeface="+mn-lt"/>
+          <a:ea typeface="+mn-ea"/>
+          <a:cs typeface="+mn-cs"/>
+        </a:defRPr>
+      </a:lvl9pPr>
+    </p:otherStyle>
+  </p:txStyles>
 </p:sldMaster>
 </file>
 
 <file path=ppt/slides/slide1.xml><?xml version="1.0" encoding="utf-8"?>
-<p:sld xmlns:a="http://schemas.openxmlformats.org/drawingml/2006/main" xmlns:p="http://schemas.openxmlformats.org/presentationml/2006/main" xmlns:r="http://schemas.openxmlformats.org/officeDocument/2006/relationships" xmlns:p14="http://schemas.microsoft.com/office/powerpoint/2010/main" xmlns:p15="http://schemas.microsoft.com/office/powerpoint/2012/main" xmlns:mc="http://schemas.openxmlformats.org/markup-compatibility/2006">
+<p:sld xmlns:a="http://schemas.openxmlformats.org/drawingml/2006/main" xmlns:r="http://schemas.openxmlformats.org/officeDocument/2006/relationships" xmlns:p="http://schemas.openxmlformats.org/presentationml/2006/main">
   <p:cSld>
     <p:spTree>
       <p:nvGrpSpPr>
@@ -3283,9 +4045,15 @@
           </a:ln>
         </p:spPr>
         <p:style>
-          <a:lnRef idx="0"/>
-          <a:fillRef idx="0"/>
-          <a:effectRef idx="0"/>
+          <a:lnRef idx="0">
+            <a:scrgbClr r="0" g="0" b="0"/>
+          </a:lnRef>
+          <a:fillRef idx="0">
+            <a:scrgbClr r="0" g="0" b="0"/>
+          </a:fillRef>
+          <a:effectRef idx="0">
+            <a:scrgbClr r="0" g="0" b="0"/>
+          </a:effectRef>
           <a:fontRef idx="minor"/>
         </p:style>
       </p:sp>
@@ -3309,27 +4077,28 @@
           </a:ln>
         </p:spPr>
         <p:style>
-          <a:lnRef idx="0"/>
-          <a:fillRef idx="0"/>
-          <a:effectRef idx="0"/>
+          <a:lnRef idx="0">
+            <a:scrgbClr r="0" g="0" b="0"/>
+          </a:lnRef>
+          <a:fillRef idx="0">
+            <a:scrgbClr r="0" g="0" b="0"/>
+          </a:fillRef>
+          <a:effectRef idx="0">
+            <a:scrgbClr r="0" g="0" b="0"/>
+          </a:effectRef>
           <a:fontRef idx="minor"/>
         </p:style>
       </p:sp>
     </p:spTree>
   </p:cSld>
-  <mc:AlternateContent>
-    <mc:Choice Requires="p14">
-      <p:transition spd="slow" p14:dur="2000"/>
-    </mc:Choice>
-    <mc:Fallback>
-      <p:transition spd="slow"/>
-    </mc:Fallback>
-  </mc:AlternateContent>
+  <p:clrMapOvr>
+    <a:masterClrMapping/>
+  </p:clrMapOvr>
 </p:sld>
 </file>
 
 <file path=ppt/slides/slide2.xml><?xml version="1.0" encoding="utf-8"?>
-<p:sld xmlns:a="http://schemas.openxmlformats.org/drawingml/2006/main" xmlns:p="http://schemas.openxmlformats.org/presentationml/2006/main" xmlns:r="http://schemas.openxmlformats.org/officeDocument/2006/relationships" xmlns:p14="http://schemas.microsoft.com/office/powerpoint/2010/main" xmlns:p15="http://schemas.microsoft.com/office/powerpoint/2012/main" xmlns:mc="http://schemas.openxmlformats.org/markup-compatibility/2006">
+<p:sld xmlns:a="http://schemas.openxmlformats.org/drawingml/2006/main" xmlns:r="http://schemas.openxmlformats.org/officeDocument/2006/relationships" xmlns:p="http://schemas.openxmlformats.org/presentationml/2006/main">
   <p:cSld>
     <p:spTree>
       <p:nvGrpSpPr>
@@ -3349,27 +4118,50 @@
         <p:nvGraphicFramePr>
           <p:cNvPr id="78" name="Table 1"/>
           <p:cNvGraphicFramePr/>
-          <p:nvPr/>
+          <p:nvPr>
+            <p:extLst>
+              <p:ext uri="{D42A27DB-BD31-4B8C-83A1-F6EECF244321}">
+                <p14:modId xmlns:p14="http://schemas.microsoft.com/office/powerpoint/2010/main" val="1309088618"/>
+              </p:ext>
+            </p:extLst>
+          </p:nvPr>
         </p:nvGraphicFramePr>
         <p:xfrm>
           <a:off x="2031840" y="691560"/>
-          <a:ext cx="8292600" cy="1787760"/>
+          <a:ext cx="8292960" cy="1788120"/>
         </p:xfrm>
         <a:graphic>
           <a:graphicData uri="http://schemas.openxmlformats.org/drawingml/2006/table">
             <a:tbl>
               <a:tblPr/>
               <a:tblGrid>
-                <a:gridCol w="2764080"/>
-                <a:gridCol w="2764080"/>
-                <a:gridCol w="2764800"/>
+                <a:gridCol w="2764080">
+                  <a:extLst>
+                    <a:ext uri="{9D8B030D-6E8A-4147-A177-3AD203B41FA5}">
+                      <a16:colId xmlns:a16="http://schemas.microsoft.com/office/drawing/2014/main" val="20000"/>
+                    </a:ext>
+                  </a:extLst>
+                </a:gridCol>
+                <a:gridCol w="2764080">
+                  <a:extLst>
+                    <a:ext uri="{9D8B030D-6E8A-4147-A177-3AD203B41FA5}">
+                      <a16:colId xmlns:a16="http://schemas.microsoft.com/office/drawing/2014/main" val="20001"/>
+                    </a:ext>
+                  </a:extLst>
+                </a:gridCol>
+                <a:gridCol w="2764800">
+                  <a:extLst>
+                    <a:ext uri="{9D8B030D-6E8A-4147-A177-3AD203B41FA5}">
+                      <a16:colId xmlns:a16="http://schemas.microsoft.com/office/drawing/2014/main" val="20002"/>
+                    </a:ext>
+                  </a:extLst>
+                </a:gridCol>
               </a:tblGrid>
               <a:tr h="653040">
                 <a:tc>
                   <a:txBody>
-                    <a:bodyPr lIns="93240" rIns="93240">
-                      <a:noAutofit/>
-                    </a:bodyPr>
+                    <a:bodyPr/>
+                    <a:lstStyle/>
                     <a:p>
                       <a:pPr>
                         <a:lnSpc>
@@ -3377,15 +4169,15 @@
                         </a:lnSpc>
                       </a:pPr>
                       <a:r>
-                        <a:rPr b="1" lang="en-GB" sz="1800" spc="-1" strike="noStrike">
+                        <a:rPr lang="en-GB" sz="1800" b="1" strike="noStrike" spc="-1" dirty="0">
                           <a:solidFill>
-                            <a:srgbClr val="ffffff"/>
+                            <a:srgbClr val="FFFFFF"/>
                           </a:solidFill>
                           <a:latin typeface="Calibri"/>
                         </a:rPr>
                         <a:t>Face recognition algorithm</a:t>
                       </a:r>
-                      <a:endParaRPr b="0" lang="en-GB" sz="1800" spc="-1" strike="noStrike">
+                      <a:endParaRPr lang="en-GB" sz="1800" b="0" strike="noStrike" spc="-1" dirty="0">
                         <a:latin typeface="Arial"/>
                       </a:endParaRPr>
                     </a:p>
@@ -3393,22 +4185,22 @@
                   <a:tcPr marL="93240" marR="93240">
                     <a:lnL w="12240">
                       <a:solidFill>
-                        <a:srgbClr val="ffffff"/>
+                        <a:srgbClr val="FFFFFF"/>
                       </a:solidFill>
                     </a:lnL>
                     <a:lnR w="12240">
                       <a:solidFill>
-                        <a:srgbClr val="ffffff"/>
+                        <a:srgbClr val="FFFFFF"/>
                       </a:solidFill>
                     </a:lnR>
                     <a:lnT w="12240">
                       <a:solidFill>
-                        <a:srgbClr val="ffffff"/>
+                        <a:srgbClr val="FFFFFF"/>
                       </a:solidFill>
                     </a:lnT>
                     <a:lnB w="38160">
                       <a:solidFill>
-                        <a:srgbClr val="ffffff"/>
+                        <a:srgbClr val="FFFFFF"/>
                       </a:solidFill>
                     </a:lnB>
                     <a:solidFill>
@@ -3418,9 +4210,8 @@
                 </a:tc>
                 <a:tc>
                   <a:txBody>
-                    <a:bodyPr lIns="93240" rIns="93240">
-                      <a:noAutofit/>
-                    </a:bodyPr>
+                    <a:bodyPr/>
+                    <a:lstStyle/>
                     <a:p>
                       <a:pPr>
                         <a:lnSpc>
@@ -3428,15 +4219,15 @@
                         </a:lnSpc>
                       </a:pPr>
                       <a:r>
-                        <a:rPr b="1" lang="en-GB" sz="1800" spc="-1" strike="noStrike">
+                        <a:rPr lang="en-GB" sz="1800" b="1" strike="noStrike" spc="-1" dirty="0">
                           <a:solidFill>
-                            <a:srgbClr val="ffffff"/>
+                            <a:srgbClr val="FFFFFF"/>
                           </a:solidFill>
                           <a:latin typeface="Calibri"/>
                         </a:rPr>
-                        <a:t>Recognition Confidence(%)</a:t>
+                        <a:t>Classification accuracy(%)</a:t>
                       </a:r>
-                      <a:endParaRPr b="0" lang="en-GB" sz="1800" spc="-1" strike="noStrike">
+                      <a:endParaRPr lang="en-GB" sz="1800" b="0" strike="noStrike" spc="-1" dirty="0">
                         <a:latin typeface="Arial"/>
                       </a:endParaRPr>
                     </a:p>
@@ -3444,22 +4235,22 @@
                   <a:tcPr marL="93240" marR="93240">
                     <a:lnL w="12240">
                       <a:solidFill>
-                        <a:srgbClr val="ffffff"/>
+                        <a:srgbClr val="FFFFFF"/>
                       </a:solidFill>
                     </a:lnL>
                     <a:lnR w="12240">
                       <a:solidFill>
-                        <a:srgbClr val="ffffff"/>
+                        <a:srgbClr val="FFFFFF"/>
                       </a:solidFill>
                     </a:lnR>
                     <a:lnT w="12240">
                       <a:solidFill>
-                        <a:srgbClr val="ffffff"/>
+                        <a:srgbClr val="FFFFFF"/>
                       </a:solidFill>
                     </a:lnT>
                     <a:lnB w="38160">
                       <a:solidFill>
-                        <a:srgbClr val="ffffff"/>
+                        <a:srgbClr val="FFFFFF"/>
                       </a:solidFill>
                     </a:lnB>
                     <a:solidFill>
@@ -3469,9 +4260,8 @@
                 </a:tc>
                 <a:tc>
                   <a:txBody>
-                    <a:bodyPr lIns="93240" rIns="93240">
-                      <a:noAutofit/>
-                    </a:bodyPr>
+                    <a:bodyPr/>
+                    <a:lstStyle/>
                     <a:p>
                       <a:pPr>
                         <a:lnSpc>
@@ -3479,15 +4269,15 @@
                         </a:lnSpc>
                       </a:pPr>
                       <a:r>
-                        <a:rPr b="1" lang="en-GB" sz="1800" spc="-1" strike="noStrike">
+                        <a:rPr lang="en-GB" sz="1800" b="1" strike="noStrike" spc="-1">
                           <a:solidFill>
-                            <a:srgbClr val="ffffff"/>
+                            <a:srgbClr val="FFFFFF"/>
                           </a:solidFill>
                           <a:latin typeface="Calibri"/>
                         </a:rPr>
                         <a:t>Max detection distance(m)</a:t>
                       </a:r>
-                      <a:endParaRPr b="0" lang="en-GB" sz="1800" spc="-1" strike="noStrike">
+                      <a:endParaRPr lang="en-GB" sz="1800" b="0" strike="noStrike" spc="-1">
                         <a:latin typeface="Arial"/>
                       </a:endParaRPr>
                     </a:p>
@@ -3495,22 +4285,22 @@
                   <a:tcPr marL="93240" marR="93240">
                     <a:lnL w="12240">
                       <a:solidFill>
-                        <a:srgbClr val="ffffff"/>
+                        <a:srgbClr val="FFFFFF"/>
                       </a:solidFill>
                     </a:lnL>
                     <a:lnR w="12240">
                       <a:solidFill>
-                        <a:srgbClr val="ffffff"/>
+                        <a:srgbClr val="FFFFFF"/>
                       </a:solidFill>
                     </a:lnR>
                     <a:lnT w="12240">
                       <a:solidFill>
-                        <a:srgbClr val="ffffff"/>
+                        <a:srgbClr val="FFFFFF"/>
                       </a:solidFill>
                     </a:lnT>
                     <a:lnB w="38160">
                       <a:solidFill>
-                        <a:srgbClr val="ffffff"/>
+                        <a:srgbClr val="FFFFFF"/>
                       </a:solidFill>
                     </a:lnB>
                     <a:solidFill>
@@ -3518,13 +4308,17 @@
                     </a:solidFill>
                   </a:tcPr>
                 </a:tc>
+                <a:extLst>
+                  <a:ext uri="{0D108BD9-81ED-4DB2-BD59-A6C34878D82A}">
+                    <a16:rowId xmlns:a16="http://schemas.microsoft.com/office/drawing/2014/main" val="10000"/>
+                  </a:ext>
+                </a:extLst>
               </a:tr>
               <a:tr h="378360">
                 <a:tc>
                   <a:txBody>
-                    <a:bodyPr lIns="93240" rIns="93240">
-                      <a:noAutofit/>
-                    </a:bodyPr>
+                    <a:bodyPr/>
+                    <a:lstStyle/>
                     <a:p>
                       <a:pPr>
                         <a:lnSpc>
@@ -3532,7 +4326,7 @@
                         </a:lnSpc>
                       </a:pPr>
                       <a:r>
-                        <a:rPr b="0" lang="en-GB" sz="1800" spc="-1" strike="noStrike">
+                        <a:rPr lang="en-GB" sz="1800" b="0" strike="noStrike" spc="-1">
                           <a:solidFill>
                             <a:srgbClr val="000000"/>
                           </a:solidFill>
@@ -3540,7 +4334,7 @@
                         </a:rPr>
                         <a:t>Dlib SVM</a:t>
                       </a:r>
-                      <a:endParaRPr b="0" lang="en-GB" sz="1800" spc="-1" strike="noStrike">
+                      <a:endParaRPr lang="en-GB" sz="1800" b="0" strike="noStrike" spc="-1">
                         <a:latin typeface="Arial"/>
                       </a:endParaRPr>
                     </a:p>
@@ -3548,34 +4342,37 @@
                   <a:tcPr marL="93240" marR="93240">
                     <a:lnL w="12240">
                       <a:solidFill>
-                        <a:srgbClr val="ffffff"/>
+                        <a:srgbClr val="FFFFFF"/>
                       </a:solidFill>
                     </a:lnL>
                     <a:lnR w="12240">
                       <a:solidFill>
-                        <a:srgbClr val="ffffff"/>
+                        <a:srgbClr val="FFFFFF"/>
                       </a:solidFill>
                     </a:lnR>
-                    <a:lnT w="12240">
-                      <a:solidFill>
-                        <a:srgbClr val="ffffff"/>
-                      </a:solidFill>
+                    <a:lnT w="38160" cap="flat" cmpd="sng" algn="ctr">
+                      <a:solidFill>
+                        <a:srgbClr val="FFFFFF"/>
+                      </a:solidFill>
+                      <a:prstDash val="solid"/>
+                      <a:round/>
+                      <a:headEnd type="none" w="med" len="med"/>
+                      <a:tailEnd type="none" w="med" len="med"/>
                     </a:lnT>
                     <a:lnB w="12240">
                       <a:solidFill>
-                        <a:srgbClr val="ffffff"/>
+                        <a:srgbClr val="FFFFFF"/>
                       </a:solidFill>
                     </a:lnB>
                     <a:solidFill>
-                      <a:srgbClr val="cccccc"/>
+                      <a:srgbClr val="CCCCCC"/>
                     </a:solidFill>
                   </a:tcPr>
                 </a:tc>
                 <a:tc>
                   <a:txBody>
-                    <a:bodyPr lIns="93240" rIns="93240">
-                      <a:noAutofit/>
-                    </a:bodyPr>
+                    <a:bodyPr/>
+                    <a:lstStyle/>
                     <a:p>
                       <a:pPr>
                         <a:lnSpc>
@@ -3583,7 +4380,7 @@
                         </a:lnSpc>
                       </a:pPr>
                       <a:r>
-                        <a:rPr b="0" lang="en-GB" sz="1800" spc="-1" strike="noStrike">
+                        <a:rPr lang="en-GB" sz="1800" b="0" strike="noStrike" spc="-1">
                           <a:solidFill>
                             <a:srgbClr val="000000"/>
                           </a:solidFill>
@@ -3591,7 +4388,7 @@
                         </a:rPr>
                         <a:t>0.75</a:t>
                       </a:r>
-                      <a:endParaRPr b="0" lang="en-GB" sz="1800" spc="-1" strike="noStrike">
+                      <a:endParaRPr lang="en-GB" sz="1800" b="0" strike="noStrike" spc="-1">
                         <a:latin typeface="Arial"/>
                       </a:endParaRPr>
                     </a:p>
@@ -3599,34 +4396,37 @@
                   <a:tcPr marL="93240" marR="93240">
                     <a:lnL w="12240">
                       <a:solidFill>
-                        <a:srgbClr val="ffffff"/>
+                        <a:srgbClr val="FFFFFF"/>
                       </a:solidFill>
                     </a:lnL>
                     <a:lnR w="12240">
                       <a:solidFill>
-                        <a:srgbClr val="ffffff"/>
+                        <a:srgbClr val="FFFFFF"/>
                       </a:solidFill>
                     </a:lnR>
-                    <a:lnT w="12240">
-                      <a:solidFill>
-                        <a:srgbClr val="ffffff"/>
-                      </a:solidFill>
+                    <a:lnT w="38160" cap="flat" cmpd="sng" algn="ctr">
+                      <a:solidFill>
+                        <a:srgbClr val="FFFFFF"/>
+                      </a:solidFill>
+                      <a:prstDash val="solid"/>
+                      <a:round/>
+                      <a:headEnd type="none" w="med" len="med"/>
+                      <a:tailEnd type="none" w="med" len="med"/>
                     </a:lnT>
                     <a:lnB w="12240">
                       <a:solidFill>
-                        <a:srgbClr val="ffffff"/>
+                        <a:srgbClr val="FFFFFF"/>
                       </a:solidFill>
                     </a:lnB>
                     <a:solidFill>
-                      <a:srgbClr val="cccccc"/>
+                      <a:srgbClr val="CCCCCC"/>
                     </a:solidFill>
                   </a:tcPr>
                 </a:tc>
                 <a:tc>
                   <a:txBody>
-                    <a:bodyPr lIns="93240" rIns="93240">
-                      <a:noAutofit/>
-                    </a:bodyPr>
+                    <a:bodyPr/>
+                    <a:lstStyle/>
                     <a:p>
                       <a:pPr>
                         <a:lnSpc>
@@ -3634,7 +4434,7 @@
                         </a:lnSpc>
                       </a:pPr>
                       <a:r>
-                        <a:rPr b="0" lang="en-GB" sz="1800" spc="-1" strike="noStrike">
+                        <a:rPr lang="en-GB" sz="1800" b="0" strike="noStrike" spc="-1">
                           <a:solidFill>
                             <a:srgbClr val="000000"/>
                           </a:solidFill>
@@ -3642,7 +4442,7 @@
                         </a:rPr>
                         <a:t>2</a:t>
                       </a:r>
-                      <a:endParaRPr b="0" lang="en-GB" sz="1800" spc="-1" strike="noStrike">
+                      <a:endParaRPr lang="en-GB" sz="1800" b="0" strike="noStrike" spc="-1">
                         <a:latin typeface="Arial"/>
                       </a:endParaRPr>
                     </a:p>
@@ -3650,36 +4450,44 @@
                   <a:tcPr marL="93240" marR="93240">
                     <a:lnL w="12240">
                       <a:solidFill>
-                        <a:srgbClr val="ffffff"/>
+                        <a:srgbClr val="FFFFFF"/>
                       </a:solidFill>
                     </a:lnL>
                     <a:lnR w="12240">
                       <a:solidFill>
-                        <a:srgbClr val="ffffff"/>
+                        <a:srgbClr val="FFFFFF"/>
                       </a:solidFill>
                     </a:lnR>
-                    <a:lnT w="12240">
-                      <a:solidFill>
-                        <a:srgbClr val="ffffff"/>
-                      </a:solidFill>
+                    <a:lnT w="38160" cap="flat" cmpd="sng" algn="ctr">
+                      <a:solidFill>
+                        <a:srgbClr val="FFFFFF"/>
+                      </a:solidFill>
+                      <a:prstDash val="solid"/>
+                      <a:round/>
+                      <a:headEnd type="none" w="med" len="med"/>
+                      <a:tailEnd type="none" w="med" len="med"/>
                     </a:lnT>
                     <a:lnB w="12240">
                       <a:solidFill>
-                        <a:srgbClr val="ffffff"/>
+                        <a:srgbClr val="FFFFFF"/>
                       </a:solidFill>
                     </a:lnB>
                     <a:solidFill>
-                      <a:srgbClr val="cccccc"/>
+                      <a:srgbClr val="CCCCCC"/>
                     </a:solidFill>
                   </a:tcPr>
                 </a:tc>
+                <a:extLst>
+                  <a:ext uri="{0D108BD9-81ED-4DB2-BD59-A6C34878D82A}">
+                    <a16:rowId xmlns:a16="http://schemas.microsoft.com/office/drawing/2014/main" val="10001"/>
+                  </a:ext>
+                </a:extLst>
               </a:tr>
               <a:tr h="378360">
                 <a:tc>
                   <a:txBody>
-                    <a:bodyPr lIns="93240" rIns="93240">
-                      <a:noAutofit/>
-                    </a:bodyPr>
+                    <a:bodyPr/>
+                    <a:lstStyle/>
                     <a:p>
                       <a:pPr>
                         <a:lnSpc>
@@ -3687,7 +4495,7 @@
                         </a:lnSpc>
                       </a:pPr>
                       <a:r>
-                        <a:rPr b="0" lang="en-GB" sz="1800" spc="-1" strike="noStrike">
+                        <a:rPr lang="en-GB" sz="1800" b="0" strike="noStrike" spc="-1">
                           <a:solidFill>
                             <a:srgbClr val="000000"/>
                           </a:solidFill>
@@ -3695,7 +4503,7 @@
                         </a:rPr>
                         <a:t>YOLO</a:t>
                       </a:r>
-                      <a:endParaRPr b="0" lang="en-GB" sz="1800" spc="-1" strike="noStrike">
+                      <a:endParaRPr lang="en-GB" sz="1800" b="0" strike="noStrike" spc="-1">
                         <a:latin typeface="Arial"/>
                       </a:endParaRPr>
                     </a:p>
@@ -3703,34 +4511,33 @@
                   <a:tcPr marL="93240" marR="93240">
                     <a:lnL w="12240">
                       <a:solidFill>
-                        <a:srgbClr val="ffffff"/>
+                        <a:srgbClr val="FFFFFF"/>
                       </a:solidFill>
                     </a:lnL>
                     <a:lnR w="12240">
                       <a:solidFill>
-                        <a:srgbClr val="ffffff"/>
+                        <a:srgbClr val="FFFFFF"/>
                       </a:solidFill>
                     </a:lnR>
                     <a:lnT w="12240">
                       <a:solidFill>
-                        <a:srgbClr val="ffffff"/>
+                        <a:srgbClr val="FFFFFF"/>
                       </a:solidFill>
                     </a:lnT>
                     <a:lnB w="12240">
                       <a:solidFill>
-                        <a:srgbClr val="ffffff"/>
+                        <a:srgbClr val="FFFFFF"/>
                       </a:solidFill>
                     </a:lnB>
                     <a:solidFill>
-                      <a:srgbClr val="e7e7e7"/>
+                      <a:srgbClr val="E7E7E7"/>
                     </a:solidFill>
                   </a:tcPr>
                 </a:tc>
                 <a:tc>
                   <a:txBody>
-                    <a:bodyPr lIns="93240" rIns="93240">
-                      <a:noAutofit/>
-                    </a:bodyPr>
+                    <a:bodyPr/>
+                    <a:lstStyle/>
                     <a:p>
                       <a:pPr>
                         <a:lnSpc>
@@ -3738,7 +4545,7 @@
                         </a:lnSpc>
                       </a:pPr>
                       <a:r>
-                        <a:rPr b="0" lang="en-GB" sz="1800" spc="-1" strike="noStrike">
+                        <a:rPr lang="en-GB" sz="1800" b="0" strike="noStrike" spc="-1">
                           <a:solidFill>
                             <a:srgbClr val="000000"/>
                           </a:solidFill>
@@ -3746,7 +4553,7 @@
                         </a:rPr>
                         <a:t>0.80</a:t>
                       </a:r>
-                      <a:endParaRPr b="0" lang="en-GB" sz="1800" spc="-1" strike="noStrike">
+                      <a:endParaRPr lang="en-GB" sz="1800" b="0" strike="noStrike" spc="-1">
                         <a:latin typeface="Arial"/>
                       </a:endParaRPr>
                     </a:p>
@@ -3754,34 +4561,33 @@
                   <a:tcPr marL="93240" marR="93240">
                     <a:lnL w="12240">
                       <a:solidFill>
-                        <a:srgbClr val="ffffff"/>
+                        <a:srgbClr val="FFFFFF"/>
                       </a:solidFill>
                     </a:lnL>
                     <a:lnR w="12240">
                       <a:solidFill>
-                        <a:srgbClr val="ffffff"/>
+                        <a:srgbClr val="FFFFFF"/>
                       </a:solidFill>
                     </a:lnR>
                     <a:lnT w="12240">
                       <a:solidFill>
-                        <a:srgbClr val="ffffff"/>
+                        <a:srgbClr val="FFFFFF"/>
                       </a:solidFill>
                     </a:lnT>
                     <a:lnB w="12240">
                       <a:solidFill>
-                        <a:srgbClr val="ffffff"/>
+                        <a:srgbClr val="FFFFFF"/>
                       </a:solidFill>
                     </a:lnB>
                     <a:solidFill>
-                      <a:srgbClr val="e7e7e7"/>
+                      <a:srgbClr val="E7E7E7"/>
                     </a:solidFill>
                   </a:tcPr>
                 </a:tc>
                 <a:tc>
                   <a:txBody>
-                    <a:bodyPr lIns="93240" rIns="93240">
-                      <a:noAutofit/>
-                    </a:bodyPr>
+                    <a:bodyPr/>
+                    <a:lstStyle/>
                     <a:p>
                       <a:pPr>
                         <a:lnSpc>
@@ -3789,7 +4595,164 @@
                         </a:lnSpc>
                       </a:pPr>
                       <a:r>
-                        <a:rPr b="0" lang="en-GB" sz="1800" spc="-1" strike="noStrike">
+                        <a:rPr lang="en-GB" sz="1800" b="0" strike="noStrike" spc="-1" dirty="0">
+                          <a:solidFill>
+                            <a:srgbClr val="000000"/>
+                          </a:solidFill>
+                          <a:latin typeface="Calibri"/>
+                        </a:rPr>
+                        <a:t>2</a:t>
+                      </a:r>
+                      <a:endParaRPr lang="en-GB" sz="1800" b="0" strike="noStrike" spc="-1" dirty="0">
+                        <a:latin typeface="Arial"/>
+                      </a:endParaRPr>
+                    </a:p>
+                  </a:txBody>
+                  <a:tcPr marL="93240" marR="93240">
+                    <a:lnL w="12240">
+                      <a:solidFill>
+                        <a:srgbClr val="FFFFFF"/>
+                      </a:solidFill>
+                    </a:lnL>
+                    <a:lnR w="12240">
+                      <a:solidFill>
+                        <a:srgbClr val="FFFFFF"/>
+                      </a:solidFill>
+                    </a:lnR>
+                    <a:lnT w="12240">
+                      <a:solidFill>
+                        <a:srgbClr val="FFFFFF"/>
+                      </a:solidFill>
+                    </a:lnT>
+                    <a:lnB w="12240">
+                      <a:solidFill>
+                        <a:srgbClr val="FFFFFF"/>
+                      </a:solidFill>
+                    </a:lnB>
+                    <a:solidFill>
+                      <a:srgbClr val="E7E7E7"/>
+                    </a:solidFill>
+                  </a:tcPr>
+                </a:tc>
+                <a:extLst>
+                  <a:ext uri="{0D108BD9-81ED-4DB2-BD59-A6C34878D82A}">
+                    <a16:rowId xmlns:a16="http://schemas.microsoft.com/office/drawing/2014/main" val="10002"/>
+                  </a:ext>
+                </a:extLst>
+              </a:tr>
+              <a:tr h="378360">
+                <a:tc>
+                  <a:txBody>
+                    <a:bodyPr/>
+                    <a:lstStyle/>
+                    <a:p>
+                      <a:pPr>
+                        <a:lnSpc>
+                          <a:spcPct val="100000"/>
+                        </a:lnSpc>
+                      </a:pPr>
+                      <a:r>
+                        <a:rPr lang="en-GB" sz="1800" b="0" strike="noStrike" spc="-1">
+                          <a:solidFill>
+                            <a:srgbClr val="000000"/>
+                          </a:solidFill>
+                          <a:latin typeface="Calibri"/>
+                        </a:rPr>
+                        <a:t>Haar_cascade</a:t>
+                      </a:r>
+                      <a:endParaRPr lang="en-GB" sz="1800" b="0" strike="noStrike" spc="-1">
+                        <a:latin typeface="Arial"/>
+                      </a:endParaRPr>
+                    </a:p>
+                  </a:txBody>
+                  <a:tcPr marL="93240" marR="93240">
+                    <a:lnL w="12240">
+                      <a:solidFill>
+                        <a:srgbClr val="FFFFFF"/>
+                      </a:solidFill>
+                    </a:lnL>
+                    <a:lnR w="12240">
+                      <a:solidFill>
+                        <a:srgbClr val="FFFFFF"/>
+                      </a:solidFill>
+                    </a:lnR>
+                    <a:lnT w="12240">
+                      <a:solidFill>
+                        <a:srgbClr val="FFFFFF"/>
+                      </a:solidFill>
+                    </a:lnT>
+                    <a:lnB w="12240">
+                      <a:solidFill>
+                        <a:srgbClr val="FFFFFF"/>
+                      </a:solidFill>
+                    </a:lnB>
+                    <a:solidFill>
+                      <a:srgbClr val="CCCCCC"/>
+                    </a:solidFill>
+                  </a:tcPr>
+                </a:tc>
+                <a:tc>
+                  <a:txBody>
+                    <a:bodyPr/>
+                    <a:lstStyle/>
+                    <a:p>
+                      <a:pPr>
+                        <a:lnSpc>
+                          <a:spcPct val="100000"/>
+                        </a:lnSpc>
+                      </a:pPr>
+                      <a:r>
+                        <a:rPr lang="en-GB" sz="1800" b="0" strike="noStrike" spc="-1">
+                          <a:solidFill>
+                            <a:srgbClr val="000000"/>
+                          </a:solidFill>
+                          <a:latin typeface="Calibri"/>
+                        </a:rPr>
+                        <a:t>100</a:t>
+                      </a:r>
+                      <a:endParaRPr lang="en-GB" sz="1800" b="0" strike="noStrike" spc="-1">
+                        <a:latin typeface="Arial"/>
+                      </a:endParaRPr>
+                    </a:p>
+                  </a:txBody>
+                  <a:tcPr marL="93240" marR="93240">
+                    <a:lnL w="12240">
+                      <a:solidFill>
+                        <a:srgbClr val="FFFFFF"/>
+                      </a:solidFill>
+                    </a:lnL>
+                    <a:lnR w="12240">
+                      <a:solidFill>
+                        <a:srgbClr val="FFFFFF"/>
+                      </a:solidFill>
+                    </a:lnR>
+                    <a:lnT w="12240">
+                      <a:solidFill>
+                        <a:srgbClr val="FFFFFF"/>
+                      </a:solidFill>
+                    </a:lnT>
+                    <a:lnB w="12240">
+                      <a:solidFill>
+                        <a:srgbClr val="FFFFFF"/>
+                      </a:solidFill>
+                    </a:lnB>
+                    <a:solidFill>
+                      <a:srgbClr val="CCCCCC"/>
+                    </a:solidFill>
+                  </a:tcPr>
+                </a:tc>
+                <a:tc>
+                  <a:txBody>
+                    <a:bodyPr/>
+                    <a:lstStyle/>
+                    <a:p>
+                      <a:pPr>
+                        <a:lnSpc>
+                          <a:spcPct val="100000"/>
+                        </a:lnSpc>
+                      </a:pPr>
+                      <a:r>
+                        <a:rPr lang="en-GB" sz="1800" b="0" strike="noStrike" spc="-1" dirty="0">
                           <a:solidFill>
                             <a:srgbClr val="000000"/>
                           </a:solidFill>
@@ -3797,7 +4760,7 @@
                         </a:rPr>
                         <a:t>7</a:t>
                       </a:r>
-                      <a:endParaRPr b="0" lang="en-GB" sz="1800" spc="-1" strike="noStrike">
+                      <a:endParaRPr lang="en-GB" sz="1800" b="0" strike="noStrike" spc="-1" dirty="0">
                         <a:latin typeface="Arial"/>
                       </a:endParaRPr>
                     </a:p>
@@ -3805,184 +4768,34 @@
                   <a:tcPr marL="93240" marR="93240">
                     <a:lnL w="12240">
                       <a:solidFill>
-                        <a:srgbClr val="ffffff"/>
+                        <a:srgbClr val="FFFFFF"/>
                       </a:solidFill>
                     </a:lnL>
                     <a:lnR w="12240">
                       <a:solidFill>
-                        <a:srgbClr val="ffffff"/>
+                        <a:srgbClr val="FFFFFF"/>
                       </a:solidFill>
                     </a:lnR>
                     <a:lnT w="12240">
                       <a:solidFill>
-                        <a:srgbClr val="ffffff"/>
+                        <a:srgbClr val="FFFFFF"/>
                       </a:solidFill>
                     </a:lnT>
                     <a:lnB w="12240">
                       <a:solidFill>
-                        <a:srgbClr val="ffffff"/>
+                        <a:srgbClr val="FFFFFF"/>
                       </a:solidFill>
                     </a:lnB>
                     <a:solidFill>
-                      <a:srgbClr val="e7e7e7"/>
+                      <a:srgbClr val="CCCCCC"/>
                     </a:solidFill>
                   </a:tcPr>
                 </a:tc>
-              </a:tr>
-              <a:tr h="378360">
-                <a:tc>
-                  <a:txBody>
-                    <a:bodyPr lIns="93240" rIns="93240">
-                      <a:noAutofit/>
-                    </a:bodyPr>
-                    <a:p>
-                      <a:pPr>
-                        <a:lnSpc>
-                          <a:spcPct val="100000"/>
-                        </a:lnSpc>
-                      </a:pPr>
-                      <a:r>
-                        <a:rPr b="0" lang="en-GB" sz="1800" spc="-1" strike="noStrike">
-                          <a:solidFill>
-                            <a:srgbClr val="000000"/>
-                          </a:solidFill>
-                          <a:latin typeface="Calibri"/>
-                        </a:rPr>
-                        <a:t>Haar_cascade</a:t>
-                      </a:r>
-                      <a:endParaRPr b="0" lang="en-GB" sz="1800" spc="-1" strike="noStrike">
-                        <a:latin typeface="Arial"/>
-                      </a:endParaRPr>
-                    </a:p>
-                  </a:txBody>
-                  <a:tcPr marL="93240" marR="93240">
-                    <a:lnL w="12240">
-                      <a:solidFill>
-                        <a:srgbClr val="ffffff"/>
-                      </a:solidFill>
-                    </a:lnL>
-                    <a:lnR w="12240">
-                      <a:solidFill>
-                        <a:srgbClr val="ffffff"/>
-                      </a:solidFill>
-                    </a:lnR>
-                    <a:lnT w="12240">
-                      <a:solidFill>
-                        <a:srgbClr val="ffffff"/>
-                      </a:solidFill>
-                    </a:lnT>
-                    <a:lnB w="12240">
-                      <a:solidFill>
-                        <a:srgbClr val="ffffff"/>
-                      </a:solidFill>
-                    </a:lnB>
-                    <a:solidFill>
-                      <a:srgbClr val="cccccc"/>
-                    </a:solidFill>
-                  </a:tcPr>
-                </a:tc>
-                <a:tc>
-                  <a:txBody>
-                    <a:bodyPr lIns="93240" rIns="93240">
-                      <a:noAutofit/>
-                    </a:bodyPr>
-                    <a:p>
-                      <a:pPr>
-                        <a:lnSpc>
-                          <a:spcPct val="100000"/>
-                        </a:lnSpc>
-                      </a:pPr>
-                      <a:r>
-                        <a:rPr b="0" lang="en-GB" sz="1800" spc="-1" strike="noStrike">
-                          <a:solidFill>
-                            <a:srgbClr val="000000"/>
-                          </a:solidFill>
-                          <a:latin typeface="Calibri"/>
-                        </a:rPr>
-                        <a:t>100</a:t>
-                      </a:r>
-                      <a:endParaRPr b="0" lang="en-GB" sz="1800" spc="-1" strike="noStrike">
-                        <a:latin typeface="Arial"/>
-                      </a:endParaRPr>
-                    </a:p>
-                  </a:txBody>
-                  <a:tcPr marL="93240" marR="93240">
-                    <a:lnL w="12240">
-                      <a:solidFill>
-                        <a:srgbClr val="ffffff"/>
-                      </a:solidFill>
-                    </a:lnL>
-                    <a:lnR w="12240">
-                      <a:solidFill>
-                        <a:srgbClr val="ffffff"/>
-                      </a:solidFill>
-                    </a:lnR>
-                    <a:lnT w="12240">
-                      <a:solidFill>
-                        <a:srgbClr val="ffffff"/>
-                      </a:solidFill>
-                    </a:lnT>
-                    <a:lnB w="12240">
-                      <a:solidFill>
-                        <a:srgbClr val="ffffff"/>
-                      </a:solidFill>
-                    </a:lnB>
-                    <a:solidFill>
-                      <a:srgbClr val="cccccc"/>
-                    </a:solidFill>
-                  </a:tcPr>
-                </a:tc>
-                <a:tc>
-                  <a:txBody>
-                    <a:bodyPr lIns="93240" rIns="93240">
-                      <a:noAutofit/>
-                    </a:bodyPr>
-                    <a:p>
-                      <a:pPr>
-                        <a:lnSpc>
-                          <a:spcPct val="100000"/>
-                        </a:lnSpc>
-                      </a:pPr>
-                      <a:r>
-                        <a:rPr b="0" lang="en-GB" sz="1800" spc="-1" strike="noStrike">
-                          <a:solidFill>
-                            <a:srgbClr val="000000"/>
-                          </a:solidFill>
-                          <a:latin typeface="Calibri"/>
-                        </a:rPr>
-                        <a:t>7</a:t>
-                      </a:r>
-                      <a:endParaRPr b="0" lang="en-GB" sz="1800" spc="-1" strike="noStrike">
-                        <a:latin typeface="Arial"/>
-                      </a:endParaRPr>
-                    </a:p>
-                  </a:txBody>
-                  <a:tcPr marL="93240" marR="93240">
-                    <a:lnL w="12240">
-                      <a:solidFill>
-                        <a:srgbClr val="ffffff"/>
-                      </a:solidFill>
-                    </a:lnL>
-                    <a:lnR w="12240">
-                      <a:solidFill>
-                        <a:srgbClr val="ffffff"/>
-                      </a:solidFill>
-                    </a:lnR>
-                    <a:lnT w="12240">
-                      <a:solidFill>
-                        <a:srgbClr val="ffffff"/>
-                      </a:solidFill>
-                    </a:lnT>
-                    <a:lnB w="12240">
-                      <a:solidFill>
-                        <a:srgbClr val="ffffff"/>
-                      </a:solidFill>
-                    </a:lnB>
-                    <a:solidFill>
-                      <a:srgbClr val="cccccc"/>
-                    </a:solidFill>
-                  </a:tcPr>
-                </a:tc>
+                <a:extLst>
+                  <a:ext uri="{0D108BD9-81ED-4DB2-BD59-A6C34878D82A}">
+                    <a16:rowId xmlns:a16="http://schemas.microsoft.com/office/drawing/2014/main" val="10003"/>
+                  </a:ext>
+                </a:extLst>
               </a:tr>
             </a:tbl>
           </a:graphicData>
@@ -3996,24 +4809,47 @@
         </p:nvGraphicFramePr>
         <p:xfrm>
           <a:off x="3199320" y="3161520"/>
-          <a:ext cx="3705480" cy="3508560"/>
+          <a:ext cx="3705840" cy="3886920"/>
         </p:xfrm>
         <a:graphic>
           <a:graphicData uri="http://schemas.openxmlformats.org/drawingml/2006/table">
             <a:tbl>
               <a:tblPr/>
               <a:tblGrid>
-                <a:gridCol w="1152720"/>
-                <a:gridCol w="696240"/>
-                <a:gridCol w="928080"/>
-                <a:gridCol w="928800"/>
+                <a:gridCol w="1152720">
+                  <a:extLst>
+                    <a:ext uri="{9D8B030D-6E8A-4147-A177-3AD203B41FA5}">
+                      <a16:colId xmlns:a16="http://schemas.microsoft.com/office/drawing/2014/main" val="20000"/>
+                    </a:ext>
+                  </a:extLst>
+                </a:gridCol>
+                <a:gridCol w="696240">
+                  <a:extLst>
+                    <a:ext uri="{9D8B030D-6E8A-4147-A177-3AD203B41FA5}">
+                      <a16:colId xmlns:a16="http://schemas.microsoft.com/office/drawing/2014/main" val="20001"/>
+                    </a:ext>
+                  </a:extLst>
+                </a:gridCol>
+                <a:gridCol w="928080">
+                  <a:extLst>
+                    <a:ext uri="{9D8B030D-6E8A-4147-A177-3AD203B41FA5}">
+                      <a16:colId xmlns:a16="http://schemas.microsoft.com/office/drawing/2014/main" val="20002"/>
+                    </a:ext>
+                  </a:extLst>
+                </a:gridCol>
+                <a:gridCol w="928800">
+                  <a:extLst>
+                    <a:ext uri="{9D8B030D-6E8A-4147-A177-3AD203B41FA5}">
+                      <a16:colId xmlns:a16="http://schemas.microsoft.com/office/drawing/2014/main" val="20003"/>
+                    </a:ext>
+                  </a:extLst>
+                </a:gridCol>
               </a:tblGrid>
               <a:tr h="315360">
                 <a:tc>
                   <a:txBody>
-                    <a:bodyPr lIns="15480" rIns="15480">
-                      <a:noAutofit/>
-                    </a:bodyPr>
+                    <a:bodyPr/>
+                    <a:lstStyle/>
                     <a:p>
                       <a:pPr>
                         <a:lnSpc>
@@ -4021,7 +4857,7 @@
                         </a:lnSpc>
                       </a:pPr>
                       <a:r>
-                        <a:rPr b="0" lang="en-GB" sz="500" spc="-1" strike="noStrike">
+                        <a:rPr lang="en-GB" sz="500" b="0" strike="noStrike" spc="-1">
                           <a:solidFill>
                             <a:srgbClr val="000000"/>
                           </a:solidFill>
@@ -4029,7 +4865,7 @@
                         </a:rPr>
                         <a:t>Risk items (Potential future problems derived from Brainstorming)</a:t>
                       </a:r>
-                      <a:endParaRPr b="0" lang="en-GB" sz="500" spc="-1" strike="noStrike">
+                      <a:endParaRPr lang="en-GB" sz="500" b="0" strike="noStrike" spc="-1">
                         <a:latin typeface="Arial"/>
                       </a:endParaRPr>
                     </a:p>
@@ -4037,34 +4873,33 @@
                   <a:tcPr marL="15480" marR="15480">
                     <a:lnL w="12240">
                       <a:solidFill>
-                        <a:srgbClr val="ffffff"/>
+                        <a:srgbClr val="FFFFFF"/>
                       </a:solidFill>
                     </a:lnL>
                     <a:lnR w="12240">
                       <a:solidFill>
-                        <a:srgbClr val="ffffff"/>
+                        <a:srgbClr val="FFFFFF"/>
                       </a:solidFill>
                     </a:lnR>
                     <a:lnT w="12240">
                       <a:solidFill>
-                        <a:srgbClr val="ffffff"/>
+                        <a:srgbClr val="FFFFFF"/>
                       </a:solidFill>
                     </a:lnT>
                     <a:lnB w="12240">
                       <a:solidFill>
-                        <a:srgbClr val="ffffff"/>
+                        <a:srgbClr val="FFFFFF"/>
                       </a:solidFill>
                     </a:lnB>
                     <a:solidFill>
-                      <a:srgbClr val="bfbfbf"/>
+                      <a:srgbClr val="BFBFBF"/>
                     </a:solidFill>
                   </a:tcPr>
                 </a:tc>
                 <a:tc>
                   <a:txBody>
-                    <a:bodyPr lIns="15480" rIns="15480">
-                      <a:noAutofit/>
-                    </a:bodyPr>
+                    <a:bodyPr/>
+                    <a:lstStyle/>
                     <a:p>
                       <a:pPr>
                         <a:lnSpc>
@@ -4072,7 +4907,7 @@
                         </a:lnSpc>
                       </a:pPr>
                       <a:r>
-                        <a:rPr b="0" lang="en-GB" sz="500" spc="-1" strike="noStrike">
+                        <a:rPr lang="en-GB" sz="500" b="0" strike="noStrike" spc="-1">
                           <a:solidFill>
                             <a:srgbClr val="000000"/>
                           </a:solidFill>
@@ -4080,7 +4915,7 @@
                         </a:rPr>
                         <a:t>Likelihood of Risk Item Occurring</a:t>
                       </a:r>
-                      <a:endParaRPr b="0" lang="en-GB" sz="500" spc="-1" strike="noStrike">
+                      <a:endParaRPr lang="en-GB" sz="500" b="0" strike="noStrike" spc="-1">
                         <a:latin typeface="Arial"/>
                       </a:endParaRPr>
                     </a:p>
@@ -4088,34 +4923,33 @@
                   <a:tcPr marL="15480" marR="15480">
                     <a:lnL w="12240">
                       <a:solidFill>
-                        <a:srgbClr val="ffffff"/>
+                        <a:srgbClr val="FFFFFF"/>
                       </a:solidFill>
                     </a:lnL>
                     <a:lnR w="12240">
                       <a:solidFill>
-                        <a:srgbClr val="ffffff"/>
+                        <a:srgbClr val="FFFFFF"/>
                       </a:solidFill>
                     </a:lnR>
                     <a:lnT w="12240">
                       <a:solidFill>
-                        <a:srgbClr val="ffffff"/>
+                        <a:srgbClr val="FFFFFF"/>
                       </a:solidFill>
                     </a:lnT>
                     <a:lnB w="12240">
                       <a:solidFill>
-                        <a:srgbClr val="ffffff"/>
+                        <a:srgbClr val="FFFFFF"/>
                       </a:solidFill>
                     </a:lnB>
                     <a:solidFill>
-                      <a:srgbClr val="bfbfbf"/>
+                      <a:srgbClr val="BFBFBF"/>
                     </a:solidFill>
                   </a:tcPr>
                 </a:tc>
                 <a:tc>
                   <a:txBody>
-                    <a:bodyPr lIns="15480" rIns="15480">
-                      <a:noAutofit/>
-                    </a:bodyPr>
+                    <a:bodyPr/>
+                    <a:lstStyle/>
                     <a:p>
                       <a:pPr>
                         <a:lnSpc>
@@ -4123,7 +4957,7 @@
                         </a:lnSpc>
                       </a:pPr>
                       <a:r>
-                        <a:rPr b="0" lang="en-GB" sz="500" spc="-1" strike="noStrike">
+                        <a:rPr lang="en-GB" sz="500" b="0" strike="noStrike" spc="-1">
                           <a:solidFill>
                             <a:srgbClr val="000000"/>
                           </a:solidFill>
@@ -4131,7 +4965,7 @@
                         </a:rPr>
                         <a:t>Impact to project if Risk item does occur</a:t>
                       </a:r>
-                      <a:endParaRPr b="0" lang="en-GB" sz="500" spc="-1" strike="noStrike">
+                      <a:endParaRPr lang="en-GB" sz="500" b="0" strike="noStrike" spc="-1">
                         <a:latin typeface="Arial"/>
                       </a:endParaRPr>
                     </a:p>
@@ -4139,34 +4973,33 @@
                   <a:tcPr marL="15480" marR="15480">
                     <a:lnL w="12240">
                       <a:solidFill>
-                        <a:srgbClr val="ffffff"/>
+                        <a:srgbClr val="FFFFFF"/>
                       </a:solidFill>
                     </a:lnL>
                     <a:lnR w="12240">
                       <a:solidFill>
-                        <a:srgbClr val="ffffff"/>
+                        <a:srgbClr val="FFFFFF"/>
                       </a:solidFill>
                     </a:lnR>
                     <a:lnT w="12240">
                       <a:solidFill>
-                        <a:srgbClr val="ffffff"/>
+                        <a:srgbClr val="FFFFFF"/>
                       </a:solidFill>
                     </a:lnT>
                     <a:lnB w="12240">
                       <a:solidFill>
-                        <a:srgbClr val="ffffff"/>
+                        <a:srgbClr val="FFFFFF"/>
                       </a:solidFill>
                     </a:lnB>
                     <a:solidFill>
-                      <a:srgbClr val="bfbfbf"/>
+                      <a:srgbClr val="BFBFBF"/>
                     </a:solidFill>
                   </a:tcPr>
                 </a:tc>
                 <a:tc>
                   <a:txBody>
-                    <a:bodyPr lIns="15480" rIns="15480">
-                      <a:noAutofit/>
-                    </a:bodyPr>
+                    <a:bodyPr/>
+                    <a:lstStyle/>
                     <a:p>
                       <a:pPr>
                         <a:lnSpc>
@@ -4174,7 +5007,7 @@
                         </a:lnSpc>
                       </a:pPr>
                       <a:r>
-                        <a:rPr b="0" lang="en-GB" sz="500" spc="-1" strike="noStrike">
+                        <a:rPr lang="en-GB" sz="500" b="0" strike="noStrike" spc="-1">
                           <a:solidFill>
                             <a:srgbClr val="000000"/>
                           </a:solidFill>
@@ -4182,7 +5015,7 @@
                         </a:rPr>
                         <a:t>Solution</a:t>
                       </a:r>
-                      <a:endParaRPr b="0" lang="en-GB" sz="500" spc="-1" strike="noStrike">
+                      <a:endParaRPr lang="en-GB" sz="500" b="0" strike="noStrike" spc="-1">
                         <a:latin typeface="Arial"/>
                       </a:endParaRPr>
                     </a:p>
@@ -4190,36 +5023,40 @@
                   <a:tcPr marL="15480" marR="15480">
                     <a:lnL w="12240">
                       <a:solidFill>
-                        <a:srgbClr val="ffffff"/>
+                        <a:srgbClr val="FFFFFF"/>
                       </a:solidFill>
                     </a:lnL>
                     <a:lnR w="12240">
                       <a:solidFill>
-                        <a:srgbClr val="ffffff"/>
+                        <a:srgbClr val="FFFFFF"/>
                       </a:solidFill>
                     </a:lnR>
                     <a:lnT w="12240">
                       <a:solidFill>
-                        <a:srgbClr val="ffffff"/>
+                        <a:srgbClr val="FFFFFF"/>
                       </a:solidFill>
                     </a:lnT>
                     <a:lnB w="12240">
                       <a:solidFill>
-                        <a:srgbClr val="ffffff"/>
+                        <a:srgbClr val="FFFFFF"/>
                       </a:solidFill>
                     </a:lnB>
                     <a:solidFill>
-                      <a:srgbClr val="bfbfbf"/>
+                      <a:srgbClr val="BFBFBF"/>
                     </a:solidFill>
                   </a:tcPr>
                 </a:tc>
+                <a:extLst>
+                  <a:ext uri="{0D108BD9-81ED-4DB2-BD59-A6C34878D82A}">
+                    <a16:rowId xmlns:a16="http://schemas.microsoft.com/office/drawing/2014/main" val="10000"/>
+                  </a:ext>
+                </a:extLst>
               </a:tr>
               <a:tr h="762480">
                 <a:tc>
                   <a:txBody>
-                    <a:bodyPr lIns="15480" rIns="15480">
-                      <a:noAutofit/>
-                    </a:bodyPr>
+                    <a:bodyPr/>
+                    <a:lstStyle/>
                     <a:p>
                       <a:pPr>
                         <a:lnSpc>
@@ -4227,7 +5064,7 @@
                         </a:lnSpc>
                       </a:pPr>
                       <a:r>
-                        <a:rPr b="0" lang="en-GB" sz="500" spc="-1" strike="noStrike">
+                        <a:rPr lang="en-GB" sz="500" b="0" strike="noStrike" spc="-1">
                           <a:solidFill>
                             <a:srgbClr val="000000"/>
                           </a:solidFill>
@@ -4235,7 +5072,7 @@
                         </a:rPr>
                         <a:t>Failing to get an autonomous drone will mean there will be no physical artifact</a:t>
                       </a:r>
-                      <a:endParaRPr b="0" lang="en-GB" sz="500" spc="-1" strike="noStrike">
+                      <a:endParaRPr lang="en-GB" sz="500" b="0" strike="noStrike" spc="-1">
                         <a:latin typeface="Arial"/>
                       </a:endParaRPr>
                     </a:p>
@@ -4243,34 +5080,33 @@
                   <a:tcPr marL="15480" marR="15480">
                     <a:lnL w="12240">
                       <a:solidFill>
-                        <a:srgbClr val="ffffff"/>
+                        <a:srgbClr val="FFFFFF"/>
                       </a:solidFill>
                     </a:lnL>
                     <a:lnR w="12240">
                       <a:solidFill>
-                        <a:srgbClr val="ffffff"/>
+                        <a:srgbClr val="FFFFFF"/>
                       </a:solidFill>
                     </a:lnR>
                     <a:lnT w="12240">
                       <a:solidFill>
-                        <a:srgbClr val="ffffff"/>
+                        <a:srgbClr val="FFFFFF"/>
                       </a:solidFill>
                     </a:lnT>
                     <a:lnB w="12240">
                       <a:solidFill>
-                        <a:srgbClr val="ffffff"/>
+                        <a:srgbClr val="FFFFFF"/>
                       </a:solidFill>
                     </a:lnB>
                     <a:solidFill>
-                      <a:srgbClr val="e8ebf4"/>
+                      <a:srgbClr val="E8EBF4"/>
                     </a:solidFill>
                   </a:tcPr>
                 </a:tc>
                 <a:tc>
                   <a:txBody>
-                    <a:bodyPr lIns="15480" rIns="15480">
-                      <a:noAutofit/>
-                    </a:bodyPr>
+                    <a:bodyPr/>
+                    <a:lstStyle/>
                     <a:p>
                       <a:pPr>
                         <a:lnSpc>
@@ -4278,7 +5114,7 @@
                         </a:lnSpc>
                       </a:pPr>
                       <a:r>
-                        <a:rPr b="0" lang="en-GB" sz="500" spc="-1" strike="noStrike">
+                        <a:rPr lang="en-GB" sz="500" b="0" strike="noStrike" spc="-1">
                           <a:solidFill>
                             <a:srgbClr val="000000"/>
                           </a:solidFill>
@@ -4286,7 +5122,7 @@
                         </a:rPr>
                         <a:t>L:5, C:2</a:t>
                       </a:r>
-                      <a:endParaRPr b="0" lang="en-GB" sz="500" spc="-1" strike="noStrike">
+                      <a:endParaRPr lang="en-GB" sz="500" b="0" strike="noStrike" spc="-1">
                         <a:latin typeface="Arial"/>
                       </a:endParaRPr>
                     </a:p>
@@ -4294,34 +5130,33 @@
                   <a:tcPr marL="15480" marR="15480">
                     <a:lnL w="12240">
                       <a:solidFill>
-                        <a:srgbClr val="ffffff"/>
+                        <a:srgbClr val="FFFFFF"/>
                       </a:solidFill>
                     </a:lnL>
                     <a:lnR w="12240">
                       <a:solidFill>
-                        <a:srgbClr val="ffffff"/>
+                        <a:srgbClr val="FFFFFF"/>
                       </a:solidFill>
                     </a:lnR>
                     <a:lnT w="12240">
                       <a:solidFill>
-                        <a:srgbClr val="ffffff"/>
+                        <a:srgbClr val="FFFFFF"/>
                       </a:solidFill>
                     </a:lnT>
                     <a:lnB w="12240">
                       <a:solidFill>
-                        <a:srgbClr val="ffffff"/>
+                        <a:srgbClr val="FFFFFF"/>
                       </a:solidFill>
                     </a:lnB>
                     <a:solidFill>
-                      <a:srgbClr val="e8ebf4"/>
+                      <a:srgbClr val="E8EBF4"/>
                     </a:solidFill>
                   </a:tcPr>
                 </a:tc>
                 <a:tc>
                   <a:txBody>
-                    <a:bodyPr lIns="15480" rIns="15480">
-                      <a:noAutofit/>
-                    </a:bodyPr>
+                    <a:bodyPr/>
+                    <a:lstStyle/>
                     <a:p>
                       <a:pPr>
                         <a:lnSpc>
@@ -4329,7 +5164,7 @@
                         </a:lnSpc>
                       </a:pPr>
                       <a:r>
-                        <a:rPr b="0" lang="en-GB" sz="500" spc="-1" strike="noStrike">
+                        <a:rPr lang="en-GB" sz="500" b="0" strike="noStrike" spc="-1">
                           <a:solidFill>
                             <a:srgbClr val="000000"/>
                           </a:solidFill>
@@ -4337,7 +5172,7 @@
                         </a:rPr>
                         <a:t>The project will have to be entirely simulation based without a drone. Some aspects of the project would be able to be demonstrated with a mobile phone.</a:t>
                       </a:r>
-                      <a:endParaRPr b="0" lang="en-GB" sz="500" spc="-1" strike="noStrike">
+                      <a:endParaRPr lang="en-GB" sz="500" b="0" strike="noStrike" spc="-1">
                         <a:latin typeface="Arial"/>
                       </a:endParaRPr>
                     </a:p>
@@ -4345,34 +5180,33 @@
                   <a:tcPr marL="15480" marR="15480">
                     <a:lnL w="12240">
                       <a:solidFill>
-                        <a:srgbClr val="ffffff"/>
+                        <a:srgbClr val="FFFFFF"/>
                       </a:solidFill>
                     </a:lnL>
                     <a:lnR w="12240">
                       <a:solidFill>
-                        <a:srgbClr val="ffffff"/>
+                        <a:srgbClr val="FFFFFF"/>
                       </a:solidFill>
                     </a:lnR>
                     <a:lnT w="12240">
                       <a:solidFill>
-                        <a:srgbClr val="ffffff"/>
+                        <a:srgbClr val="FFFFFF"/>
                       </a:solidFill>
                     </a:lnT>
                     <a:lnB w="12240">
                       <a:solidFill>
-                        <a:srgbClr val="ffffff"/>
+                        <a:srgbClr val="FFFFFF"/>
                       </a:solidFill>
                     </a:lnB>
                     <a:solidFill>
-                      <a:srgbClr val="e8ebf4"/>
+                      <a:srgbClr val="E8EBF4"/>
                     </a:solidFill>
                   </a:tcPr>
                 </a:tc>
                 <a:tc>
                   <a:txBody>
-                    <a:bodyPr lIns="15480" rIns="15480">
-                      <a:noAutofit/>
-                    </a:bodyPr>
+                    <a:bodyPr/>
+                    <a:lstStyle/>
                     <a:p>
                       <a:pPr>
                         <a:lnSpc>
@@ -4380,7 +5214,7 @@
                         </a:lnSpc>
                       </a:pPr>
                       <a:r>
-                        <a:rPr b="0" lang="en-GB" sz="500" spc="-1" strike="noStrike">
+                        <a:rPr lang="en-GB" sz="500" b="0" strike="noStrike" spc="-1">
                           <a:solidFill>
                             <a:srgbClr val="000000"/>
                           </a:solidFill>
@@ -4388,7 +5222,7 @@
                         </a:rPr>
                         <a:t>The project started off with using Virtual machines to simulate the raspberry pi which would be running the face recognition software. A mobile phone could then be used to simulate the drone at different distances and heights  </a:t>
                       </a:r>
-                      <a:endParaRPr b="0" lang="en-GB" sz="500" spc="-1" strike="noStrike">
+                      <a:endParaRPr lang="en-GB" sz="500" b="0" strike="noStrike" spc="-1">
                         <a:latin typeface="Arial"/>
                       </a:endParaRPr>
                     </a:p>
@@ -4396,36 +5230,40 @@
                   <a:tcPr marL="15480" marR="15480">
                     <a:lnL w="12240">
                       <a:solidFill>
-                        <a:srgbClr val="ffffff"/>
+                        <a:srgbClr val="FFFFFF"/>
                       </a:solidFill>
                     </a:lnL>
                     <a:lnR w="12240">
                       <a:solidFill>
-                        <a:srgbClr val="ffffff"/>
+                        <a:srgbClr val="FFFFFF"/>
                       </a:solidFill>
                     </a:lnR>
                     <a:lnT w="12240">
                       <a:solidFill>
-                        <a:srgbClr val="ffffff"/>
+                        <a:srgbClr val="FFFFFF"/>
                       </a:solidFill>
                     </a:lnT>
                     <a:lnB w="12240">
                       <a:solidFill>
-                        <a:srgbClr val="ffffff"/>
+                        <a:srgbClr val="FFFFFF"/>
                       </a:solidFill>
                     </a:lnB>
                     <a:solidFill>
-                      <a:srgbClr val="e8ebf4"/>
+                      <a:srgbClr val="E8EBF4"/>
                     </a:solidFill>
                   </a:tcPr>
                 </a:tc>
+                <a:extLst>
+                  <a:ext uri="{0D108BD9-81ED-4DB2-BD59-A6C34878D82A}">
+                    <a16:rowId xmlns:a16="http://schemas.microsoft.com/office/drawing/2014/main" val="10001"/>
+                  </a:ext>
+                </a:extLst>
               </a:tr>
               <a:tr h="613440">
                 <a:tc>
                   <a:txBody>
-                    <a:bodyPr lIns="15480" rIns="15480">
-                      <a:noAutofit/>
-                    </a:bodyPr>
+                    <a:bodyPr/>
+                    <a:lstStyle/>
                     <a:p>
                       <a:pPr>
                         <a:lnSpc>
@@ -4433,7 +5271,7 @@
                         </a:lnSpc>
                       </a:pPr>
                       <a:r>
-                        <a:rPr b="0" lang="en-GB" sz="500" spc="-1" strike="noStrike">
+                        <a:rPr lang="en-GB" sz="500" b="0" strike="noStrike" spc="-1">
                           <a:solidFill>
                             <a:srgbClr val="000000"/>
                           </a:solidFill>
@@ -4441,7 +5279,7 @@
                         </a:rPr>
                         <a:t>Failing to safely secure user data on a storage device would mean the project cannot go on.</a:t>
                       </a:r>
-                      <a:endParaRPr b="0" lang="en-GB" sz="500" spc="-1" strike="noStrike">
+                      <a:endParaRPr lang="en-GB" sz="500" b="0" strike="noStrike" spc="-1">
                         <a:latin typeface="Arial"/>
                       </a:endParaRPr>
                     </a:p>
@@ -4449,34 +5287,33 @@
                   <a:tcPr marL="15480" marR="15480">
                     <a:lnL w="12240">
                       <a:solidFill>
-                        <a:srgbClr val="ffffff"/>
+                        <a:srgbClr val="FFFFFF"/>
                       </a:solidFill>
                     </a:lnL>
                     <a:lnR w="12240">
                       <a:solidFill>
-                        <a:srgbClr val="ffffff"/>
+                        <a:srgbClr val="FFFFFF"/>
                       </a:solidFill>
                     </a:lnR>
                     <a:lnT w="12240">
                       <a:solidFill>
-                        <a:srgbClr val="ffffff"/>
+                        <a:srgbClr val="FFFFFF"/>
                       </a:solidFill>
                     </a:lnT>
                     <a:lnB w="12240">
                       <a:solidFill>
-                        <a:srgbClr val="ffffff"/>
+                        <a:srgbClr val="FFFFFF"/>
                       </a:solidFill>
                     </a:lnB>
                     <a:solidFill>
-                      <a:srgbClr val="e8ebf4"/>
+                      <a:srgbClr val="E8EBF4"/>
                     </a:solidFill>
                   </a:tcPr>
                 </a:tc>
                 <a:tc>
                   <a:txBody>
-                    <a:bodyPr lIns="15480" rIns="15480">
-                      <a:noAutofit/>
-                    </a:bodyPr>
+                    <a:bodyPr/>
+                    <a:lstStyle/>
                     <a:p>
                       <a:pPr>
                         <a:lnSpc>
@@ -4484,7 +5321,7 @@
                         </a:lnSpc>
                       </a:pPr>
                       <a:r>
-                        <a:rPr b="0" lang="en-GB" sz="500" spc="-1" strike="noStrike">
+                        <a:rPr lang="en-GB" sz="500" b="0" strike="noStrike" spc="-1">
                           <a:solidFill>
                             <a:srgbClr val="000000"/>
                           </a:solidFill>
@@ -4492,7 +5329,7 @@
                         </a:rPr>
                         <a:t>L:2, C:5</a:t>
                       </a:r>
-                      <a:endParaRPr b="0" lang="en-GB" sz="500" spc="-1" strike="noStrike">
+                      <a:endParaRPr lang="en-GB" sz="500" b="0" strike="noStrike" spc="-1">
                         <a:latin typeface="Arial"/>
                       </a:endParaRPr>
                     </a:p>
@@ -4500,34 +5337,33 @@
                   <a:tcPr marL="15480" marR="15480">
                     <a:lnL w="12240">
                       <a:solidFill>
-                        <a:srgbClr val="ffffff"/>
+                        <a:srgbClr val="FFFFFF"/>
                       </a:solidFill>
                     </a:lnL>
                     <a:lnR w="12240">
                       <a:solidFill>
-                        <a:srgbClr val="ffffff"/>
+                        <a:srgbClr val="FFFFFF"/>
                       </a:solidFill>
                     </a:lnR>
                     <a:lnT w="12240">
                       <a:solidFill>
-                        <a:srgbClr val="ffffff"/>
+                        <a:srgbClr val="FFFFFF"/>
                       </a:solidFill>
                     </a:lnT>
                     <a:lnB w="12240">
                       <a:solidFill>
-                        <a:srgbClr val="ffffff"/>
+                        <a:srgbClr val="FFFFFF"/>
                       </a:solidFill>
                     </a:lnB>
                     <a:solidFill>
-                      <a:srgbClr val="e8ebf4"/>
+                      <a:srgbClr val="E8EBF4"/>
                     </a:solidFill>
                   </a:tcPr>
                 </a:tc>
                 <a:tc>
                   <a:txBody>
-                    <a:bodyPr lIns="15480" rIns="15480">
-                      <a:noAutofit/>
-                    </a:bodyPr>
+                    <a:bodyPr/>
+                    <a:lstStyle/>
                     <a:p>
                       <a:pPr>
                         <a:lnSpc>
@@ -4535,7 +5371,7 @@
                         </a:lnSpc>
                       </a:pPr>
                       <a:r>
-                        <a:rPr b="0" lang="en-GB" sz="500" spc="-1" strike="noStrike">
+                        <a:rPr lang="en-GB" sz="500" b="0" strike="noStrike" spc="-1">
                           <a:solidFill>
                             <a:srgbClr val="000000"/>
                           </a:solidFill>
@@ -4543,7 +5379,7 @@
                         </a:rPr>
                         <a:t>The project will not be able to go on without secure encryption or a safe method of ensuring unauthorised access to the user data at rest or during transit.</a:t>
                       </a:r>
-                      <a:endParaRPr b="0" lang="en-GB" sz="500" spc="-1" strike="noStrike">
+                      <a:endParaRPr lang="en-GB" sz="500" b="0" strike="noStrike" spc="-1">
                         <a:latin typeface="Arial"/>
                       </a:endParaRPr>
                     </a:p>
@@ -4551,34 +5387,33 @@
                   <a:tcPr marL="15480" marR="15480">
                     <a:lnL w="12240">
                       <a:solidFill>
-                        <a:srgbClr val="ffffff"/>
+                        <a:srgbClr val="FFFFFF"/>
                       </a:solidFill>
                     </a:lnL>
                     <a:lnR w="12240">
                       <a:solidFill>
-                        <a:srgbClr val="ffffff"/>
+                        <a:srgbClr val="FFFFFF"/>
                       </a:solidFill>
                     </a:lnR>
                     <a:lnT w="12240">
                       <a:solidFill>
-                        <a:srgbClr val="ffffff"/>
+                        <a:srgbClr val="FFFFFF"/>
                       </a:solidFill>
                     </a:lnT>
                     <a:lnB w="12240">
                       <a:solidFill>
-                        <a:srgbClr val="ffffff"/>
+                        <a:srgbClr val="FFFFFF"/>
                       </a:solidFill>
                     </a:lnB>
                     <a:solidFill>
-                      <a:srgbClr val="e8ebf4"/>
+                      <a:srgbClr val="E8EBF4"/>
                     </a:solidFill>
                   </a:tcPr>
                 </a:tc>
                 <a:tc>
                   <a:txBody>
-                    <a:bodyPr lIns="15480" rIns="15480">
-                      <a:noAutofit/>
-                    </a:bodyPr>
+                    <a:bodyPr/>
+                    <a:lstStyle/>
                     <a:p>
                       <a:pPr>
                         <a:lnSpc>
@@ -4586,7 +5421,7 @@
                         </a:lnSpc>
                       </a:pPr>
                       <a:r>
-                        <a:rPr b="0" lang="en-GB" sz="500" spc="-1" strike="noStrike">
+                        <a:rPr lang="en-GB" sz="500" b="0" strike="noStrike" spc="-1">
                           <a:solidFill>
                             <a:srgbClr val="000000"/>
                           </a:solidFill>
@@ -4594,7 +5429,7 @@
                         </a:rPr>
                         <a:t>The images of targets will be sent remotely via a secure port to the drone and then saved in an encrypted folder.</a:t>
                       </a:r>
-                      <a:endParaRPr b="0" lang="en-GB" sz="500" spc="-1" strike="noStrike">
+                      <a:endParaRPr lang="en-GB" sz="500" b="0" strike="noStrike" spc="-1">
                         <a:latin typeface="Arial"/>
                       </a:endParaRPr>
                     </a:p>
@@ -4602,36 +5437,40 @@
                   <a:tcPr marL="15480" marR="15480">
                     <a:lnL w="12240">
                       <a:solidFill>
-                        <a:srgbClr val="ffffff"/>
+                        <a:srgbClr val="FFFFFF"/>
                       </a:solidFill>
                     </a:lnL>
                     <a:lnR w="12240">
                       <a:solidFill>
-                        <a:srgbClr val="ffffff"/>
+                        <a:srgbClr val="FFFFFF"/>
                       </a:solidFill>
                     </a:lnR>
                     <a:lnT w="12240">
                       <a:solidFill>
-                        <a:srgbClr val="ffffff"/>
+                        <a:srgbClr val="FFFFFF"/>
                       </a:solidFill>
                     </a:lnT>
                     <a:lnB w="12240">
                       <a:solidFill>
-                        <a:srgbClr val="ffffff"/>
+                        <a:srgbClr val="FFFFFF"/>
                       </a:solidFill>
                     </a:lnB>
                     <a:solidFill>
-                      <a:srgbClr val="e8ebf4"/>
+                      <a:srgbClr val="E8EBF4"/>
                     </a:solidFill>
                   </a:tcPr>
                 </a:tc>
+                <a:extLst>
+                  <a:ext uri="{0D108BD9-81ED-4DB2-BD59-A6C34878D82A}">
+                    <a16:rowId xmlns:a16="http://schemas.microsoft.com/office/drawing/2014/main" val="10002"/>
+                  </a:ext>
+                </a:extLst>
               </a:tr>
               <a:tr h="911520">
                 <a:tc>
                   <a:txBody>
-                    <a:bodyPr lIns="15480" rIns="15480">
-                      <a:noAutofit/>
-                    </a:bodyPr>
+                    <a:bodyPr/>
+                    <a:lstStyle/>
                     <a:p>
                       <a:pPr>
                         <a:lnSpc>
@@ -4639,7 +5478,7 @@
                         </a:lnSpc>
                       </a:pPr>
                       <a:r>
-                        <a:rPr b="0" lang="en-GB" sz="500" spc="-1" strike="noStrike">
+                        <a:rPr lang="en-GB" sz="500" b="0" strike="noStrike" spc="-1">
                           <a:solidFill>
                             <a:srgbClr val="000000"/>
                           </a:solidFill>
@@ -4647,7 +5486,7 @@
                         </a:rPr>
                         <a:t>Failing to compare other face recognition libraries would make it difficult to justify the choice of using a particular face recognition algorithm.</a:t>
                       </a:r>
-                      <a:endParaRPr b="0" lang="en-GB" sz="500" spc="-1" strike="noStrike">
+                      <a:endParaRPr lang="en-GB" sz="500" b="0" strike="noStrike" spc="-1">
                         <a:latin typeface="Arial"/>
                       </a:endParaRPr>
                     </a:p>
@@ -4655,34 +5494,33 @@
                   <a:tcPr marL="15480" marR="15480">
                     <a:lnL w="12240">
                       <a:solidFill>
-                        <a:srgbClr val="ffffff"/>
+                        <a:srgbClr val="FFFFFF"/>
                       </a:solidFill>
                     </a:lnL>
                     <a:lnR w="12240">
                       <a:solidFill>
-                        <a:srgbClr val="ffffff"/>
+                        <a:srgbClr val="FFFFFF"/>
                       </a:solidFill>
                     </a:lnR>
                     <a:lnT w="12240">
                       <a:solidFill>
-                        <a:srgbClr val="ffffff"/>
+                        <a:srgbClr val="FFFFFF"/>
                       </a:solidFill>
                     </a:lnT>
                     <a:lnB w="12240">
                       <a:solidFill>
-                        <a:srgbClr val="ffffff"/>
+                        <a:srgbClr val="FFFFFF"/>
                       </a:solidFill>
                     </a:lnB>
                     <a:solidFill>
-                      <a:srgbClr val="e8ebf4"/>
+                      <a:srgbClr val="E8EBF4"/>
                     </a:solidFill>
                   </a:tcPr>
                 </a:tc>
                 <a:tc>
                   <a:txBody>
-                    <a:bodyPr lIns="15480" rIns="15480">
-                      <a:noAutofit/>
-                    </a:bodyPr>
+                    <a:bodyPr/>
+                    <a:lstStyle/>
                     <a:p>
                       <a:pPr>
                         <a:lnSpc>
@@ -4690,7 +5528,7 @@
                         </a:lnSpc>
                       </a:pPr>
                       <a:r>
-                        <a:rPr b="0" lang="en-GB" sz="500" spc="-1" strike="noStrike">
+                        <a:rPr lang="en-GB" sz="500" b="0" strike="noStrike" spc="-1">
                           <a:solidFill>
                             <a:srgbClr val="000000"/>
                           </a:solidFill>
@@ -4698,7 +5536,7 @@
                         </a:rPr>
                         <a:t>L:3, L:2</a:t>
                       </a:r>
-                      <a:endParaRPr b="0" lang="en-GB" sz="500" spc="-1" strike="noStrike">
+                      <a:endParaRPr lang="en-GB" sz="500" b="0" strike="noStrike" spc="-1">
                         <a:latin typeface="Arial"/>
                       </a:endParaRPr>
                     </a:p>
@@ -4706,34 +5544,33 @@
                   <a:tcPr marL="15480" marR="15480">
                     <a:lnL w="12240">
                       <a:solidFill>
-                        <a:srgbClr val="ffffff"/>
+                        <a:srgbClr val="FFFFFF"/>
                       </a:solidFill>
                     </a:lnL>
                     <a:lnR w="12240">
                       <a:solidFill>
-                        <a:srgbClr val="ffffff"/>
+                        <a:srgbClr val="FFFFFF"/>
                       </a:solidFill>
                     </a:lnR>
                     <a:lnT w="12240">
                       <a:solidFill>
-                        <a:srgbClr val="ffffff"/>
+                        <a:srgbClr val="FFFFFF"/>
                       </a:solidFill>
                     </a:lnT>
                     <a:lnB w="12240">
                       <a:solidFill>
-                        <a:srgbClr val="ffffff"/>
+                        <a:srgbClr val="FFFFFF"/>
                       </a:solidFill>
                     </a:lnB>
                     <a:solidFill>
-                      <a:srgbClr val="e8ebf4"/>
+                      <a:srgbClr val="E8EBF4"/>
                     </a:solidFill>
                   </a:tcPr>
                 </a:tc>
                 <a:tc>
                   <a:txBody>
-                    <a:bodyPr lIns="15480" rIns="15480">
-                      <a:noAutofit/>
-                    </a:bodyPr>
+                    <a:bodyPr/>
+                    <a:lstStyle/>
                     <a:p>
                       <a:pPr>
                         <a:lnSpc>
@@ -4741,7 +5578,7 @@
                         </a:lnSpc>
                       </a:pPr>
                       <a:r>
-                        <a:rPr b="0" lang="en-GB" sz="500" spc="-1" strike="noStrike">
+                        <a:rPr lang="en-GB" sz="500" b="0" strike="noStrike" spc="-1">
                           <a:solidFill>
                             <a:srgbClr val="000000"/>
                           </a:solidFill>
@@ -4749,7 +5586,7 @@
                         </a:rPr>
                         <a:t>It is vital to test a range of facial recognition algorithms because some are more lightweight than others, allowing them to run, smoother, faster or on devices with less storage. In addition, some algorithms will outperform others and this is important information to discuss.</a:t>
                       </a:r>
-                      <a:endParaRPr b="0" lang="en-GB" sz="500" spc="-1" strike="noStrike">
+                      <a:endParaRPr lang="en-GB" sz="500" b="0" strike="noStrike" spc="-1">
                         <a:latin typeface="Arial"/>
                       </a:endParaRPr>
                     </a:p>
@@ -4757,34 +5594,33 @@
                   <a:tcPr marL="15480" marR="15480">
                     <a:lnL w="12240">
                       <a:solidFill>
-                        <a:srgbClr val="ffffff"/>
+                        <a:srgbClr val="FFFFFF"/>
                       </a:solidFill>
                     </a:lnL>
                     <a:lnR w="12240">
                       <a:solidFill>
-                        <a:srgbClr val="ffffff"/>
+                        <a:srgbClr val="FFFFFF"/>
                       </a:solidFill>
                     </a:lnR>
                     <a:lnT w="12240">
                       <a:solidFill>
-                        <a:srgbClr val="ffffff"/>
+                        <a:srgbClr val="FFFFFF"/>
                       </a:solidFill>
                     </a:lnT>
                     <a:lnB w="12240">
                       <a:solidFill>
-                        <a:srgbClr val="ffffff"/>
+                        <a:srgbClr val="FFFFFF"/>
                       </a:solidFill>
                     </a:lnB>
                     <a:solidFill>
-                      <a:srgbClr val="e8ebf4"/>
+                      <a:srgbClr val="E8EBF4"/>
                     </a:solidFill>
                   </a:tcPr>
                 </a:tc>
                 <a:tc>
                   <a:txBody>
-                    <a:bodyPr lIns="15480" rIns="15480">
-                      <a:noAutofit/>
-                    </a:bodyPr>
+                    <a:bodyPr/>
+                    <a:lstStyle/>
                     <a:p>
                       <a:pPr>
                         <a:lnSpc>
@@ -4792,7 +5628,7 @@
                         </a:lnSpc>
                       </a:pPr>
                       <a:r>
-                        <a:rPr b="0" lang="en-GB" sz="500" spc="-1" strike="noStrike">
+                        <a:rPr lang="en-GB" sz="500" b="0" strike="noStrike" spc="-1">
                           <a:solidFill>
                             <a:srgbClr val="000000"/>
                           </a:solidFill>
@@ -4800,7 +5636,7 @@
                         </a:rPr>
                         <a:t>Ensuring that multiple face recognition algorithms are tested will make the main objectives of implementing facial recognition into a drone more interesting to discuss while providing more functionality to the drone as some algorithms can be repurposed</a:t>
                       </a:r>
-                      <a:endParaRPr b="0" lang="en-GB" sz="500" spc="-1" strike="noStrike">
+                      <a:endParaRPr lang="en-GB" sz="500" b="0" strike="noStrike" spc="-1">
                         <a:latin typeface="Arial"/>
                       </a:endParaRPr>
                     </a:p>
@@ -4808,36 +5644,40 @@
                   <a:tcPr marL="15480" marR="15480">
                     <a:lnL w="12240">
                       <a:solidFill>
-                        <a:srgbClr val="ffffff"/>
+                        <a:srgbClr val="FFFFFF"/>
                       </a:solidFill>
                     </a:lnL>
                     <a:lnR w="12240">
                       <a:solidFill>
-                        <a:srgbClr val="ffffff"/>
+                        <a:srgbClr val="FFFFFF"/>
                       </a:solidFill>
                     </a:lnR>
                     <a:lnT w="12240">
                       <a:solidFill>
-                        <a:srgbClr val="ffffff"/>
+                        <a:srgbClr val="FFFFFF"/>
                       </a:solidFill>
                     </a:lnT>
                     <a:lnB w="12240">
                       <a:solidFill>
-                        <a:srgbClr val="ffffff"/>
+                        <a:srgbClr val="FFFFFF"/>
                       </a:solidFill>
                     </a:lnB>
                     <a:solidFill>
-                      <a:srgbClr val="e8ebf4"/>
+                      <a:srgbClr val="E8EBF4"/>
                     </a:solidFill>
                   </a:tcPr>
                 </a:tc>
+                <a:extLst>
+                  <a:ext uri="{0D108BD9-81ED-4DB2-BD59-A6C34878D82A}">
+                    <a16:rowId xmlns:a16="http://schemas.microsoft.com/office/drawing/2014/main" val="10003"/>
+                  </a:ext>
+                </a:extLst>
               </a:tr>
               <a:tr h="1284120">
                 <a:tc>
                   <a:txBody>
-                    <a:bodyPr lIns="15480" rIns="15480">
-                      <a:noAutofit/>
-                    </a:bodyPr>
+                    <a:bodyPr/>
+                    <a:lstStyle/>
                     <a:p>
                       <a:pPr>
                         <a:lnSpc>
@@ -4845,7 +5685,7 @@
                         </a:lnSpc>
                       </a:pPr>
                       <a:r>
-                        <a:rPr b="0" lang="en-GB" sz="500" spc="-1" strike="noStrike">
+                        <a:rPr lang="en-GB" sz="500" b="0" strike="noStrike" spc="-1">
                           <a:solidFill>
                             <a:srgbClr val="000000"/>
                           </a:solidFill>
@@ -4853,7 +5693,7 @@
                         </a:rPr>
                         <a:t>Failing to build a raspberry pi drone but acquiring a suitable drone will mean a smaller budget will suffice however the project scope will be limited to the capabilities of the drone.</a:t>
                       </a:r>
-                      <a:endParaRPr b="0" lang="en-GB" sz="500" spc="-1" strike="noStrike">
+                      <a:endParaRPr lang="en-GB" sz="500" b="0" strike="noStrike" spc="-1">
                         <a:latin typeface="Arial"/>
                       </a:endParaRPr>
                     </a:p>
@@ -4861,34 +5701,33 @@
                   <a:tcPr marL="15480" marR="15480">
                     <a:lnL w="12240">
                       <a:solidFill>
-                        <a:srgbClr val="ffffff"/>
+                        <a:srgbClr val="FFFFFF"/>
                       </a:solidFill>
                     </a:lnL>
                     <a:lnR w="12240">
                       <a:solidFill>
-                        <a:srgbClr val="ffffff"/>
+                        <a:srgbClr val="FFFFFF"/>
                       </a:solidFill>
                     </a:lnR>
                     <a:lnT w="12240">
                       <a:solidFill>
-                        <a:srgbClr val="ffffff"/>
+                        <a:srgbClr val="FFFFFF"/>
                       </a:solidFill>
                     </a:lnT>
                     <a:lnB w="12240">
                       <a:solidFill>
-                        <a:srgbClr val="ffffff"/>
+                        <a:srgbClr val="FFFFFF"/>
                       </a:solidFill>
                     </a:lnB>
                     <a:solidFill>
-                      <a:srgbClr val="e8ebf4"/>
+                      <a:srgbClr val="E8EBF4"/>
                     </a:solidFill>
                   </a:tcPr>
                 </a:tc>
                 <a:tc>
                   <a:txBody>
-                    <a:bodyPr lIns="15480" rIns="15480">
-                      <a:noAutofit/>
-                    </a:bodyPr>
+                    <a:bodyPr/>
+                    <a:lstStyle/>
                     <a:p>
                       <a:pPr>
                         <a:lnSpc>
@@ -4896,7 +5735,7 @@
                         </a:lnSpc>
                       </a:pPr>
                       <a:r>
-                        <a:rPr b="0" lang="en-GB" sz="500" spc="-1" strike="noStrike">
+                        <a:rPr lang="en-GB" sz="500" b="0" strike="noStrike" spc="-1">
                           <a:solidFill>
                             <a:srgbClr val="000000"/>
                           </a:solidFill>
@@ -4904,7 +5743,7 @@
                         </a:rPr>
                         <a:t>L:5, C:1</a:t>
                       </a:r>
-                      <a:endParaRPr b="0" lang="en-GB" sz="500" spc="-1" strike="noStrike">
+                      <a:endParaRPr lang="en-GB" sz="500" b="0" strike="noStrike" spc="-1">
                         <a:latin typeface="Arial"/>
                       </a:endParaRPr>
                     </a:p>
@@ -4912,34 +5751,33 @@
                   <a:tcPr marL="15480" marR="15480">
                     <a:lnL w="12240">
                       <a:solidFill>
-                        <a:srgbClr val="ffffff"/>
+                        <a:srgbClr val="FFFFFF"/>
                       </a:solidFill>
                     </a:lnL>
                     <a:lnR w="12240">
                       <a:solidFill>
-                        <a:srgbClr val="ffffff"/>
+                        <a:srgbClr val="FFFFFF"/>
                       </a:solidFill>
                     </a:lnR>
                     <a:lnT w="12240">
                       <a:solidFill>
-                        <a:srgbClr val="ffffff"/>
+                        <a:srgbClr val="FFFFFF"/>
                       </a:solidFill>
                     </a:lnT>
                     <a:lnB w="12240">
                       <a:solidFill>
-                        <a:srgbClr val="ffffff"/>
+                        <a:srgbClr val="FFFFFF"/>
                       </a:solidFill>
                     </a:lnB>
                     <a:solidFill>
-                      <a:srgbClr val="e8ebf4"/>
+                      <a:srgbClr val="E8EBF4"/>
                     </a:solidFill>
                   </a:tcPr>
                 </a:tc>
                 <a:tc>
                   <a:txBody>
-                    <a:bodyPr lIns="15480" rIns="15480">
-                      <a:noAutofit/>
-                    </a:bodyPr>
+                    <a:bodyPr/>
+                    <a:lstStyle/>
                     <a:p>
                       <a:pPr>
                         <a:lnSpc>
@@ -4947,7 +5785,7 @@
                         </a:lnSpc>
                       </a:pPr>
                       <a:r>
-                        <a:rPr b="0" lang="en-GB" sz="500" spc="-1" strike="noStrike">
+                        <a:rPr lang="en-GB" sz="500" b="0" strike="noStrike" spc="-1">
                           <a:solidFill>
                             <a:srgbClr val="000000"/>
                           </a:solidFill>
@@ -4955,7 +5793,7 @@
                         </a:rPr>
                         <a:t>Without a raspberry pi or drone the project was originally going to be carried out with Virtual Machines to simulate the remote communication between a drone and control device.</a:t>
                       </a:r>
-                      <a:endParaRPr b="0" lang="en-GB" sz="500" spc="-1" strike="noStrike">
+                      <a:endParaRPr lang="en-GB" sz="500" b="0" strike="noStrike" spc="-1">
                         <a:latin typeface="Arial"/>
                       </a:endParaRPr>
                     </a:p>
@@ -4963,34 +5801,33 @@
                   <a:tcPr marL="15480" marR="15480">
                     <a:lnL w="12240">
                       <a:solidFill>
-                        <a:srgbClr val="ffffff"/>
+                        <a:srgbClr val="FFFFFF"/>
                       </a:solidFill>
                     </a:lnL>
                     <a:lnR w="12240">
                       <a:solidFill>
-                        <a:srgbClr val="ffffff"/>
+                        <a:srgbClr val="FFFFFF"/>
                       </a:solidFill>
                     </a:lnR>
                     <a:lnT w="12240">
                       <a:solidFill>
-                        <a:srgbClr val="ffffff"/>
+                        <a:srgbClr val="FFFFFF"/>
                       </a:solidFill>
                     </a:lnT>
                     <a:lnB w="12240">
                       <a:solidFill>
-                        <a:srgbClr val="ffffff"/>
+                        <a:srgbClr val="FFFFFF"/>
                       </a:solidFill>
                     </a:lnB>
                     <a:solidFill>
-                      <a:srgbClr val="e8ebf4"/>
+                      <a:srgbClr val="E8EBF4"/>
                     </a:solidFill>
                   </a:tcPr>
                 </a:tc>
                 <a:tc>
                   <a:txBody>
-                    <a:bodyPr lIns="15480" rIns="15480">
-                      <a:noAutofit/>
-                    </a:bodyPr>
+                    <a:bodyPr/>
+                    <a:lstStyle/>
                     <a:p>
                       <a:pPr>
                         <a:lnSpc>
@@ -4998,7 +5835,7 @@
                         </a:lnSpc>
                       </a:pPr>
                       <a:r>
-                        <a:rPr b="0" lang="en-GB" sz="500" spc="-1" strike="noStrike">
+                        <a:rPr lang="en-GB" sz="500" b="0" strike="noStrike" spc="-1">
                           <a:solidFill>
                             <a:srgbClr val="000000"/>
                           </a:solidFill>
@@ -5006,7 +5843,7 @@
                         </a:rPr>
                         <a:t>The end solution was to purchase a drone rather than building one because while building one would allow the selection of task specific hardware that are required on all autonomous vehicles, it would have required a larger budget, required more time on the building aspect and less to the implementation of face recognition and autonomous navigation, the key objectives of the project.</a:t>
                       </a:r>
-                      <a:endParaRPr b="0" lang="en-GB" sz="500" spc="-1" strike="noStrike">
+                      <a:endParaRPr lang="en-GB" sz="500" b="0" strike="noStrike" spc="-1">
                         <a:latin typeface="Arial"/>
                       </a:endParaRPr>
                     </a:p>
@@ -5014,29 +5851,34 @@
                   <a:tcPr marL="15480" marR="15480">
                     <a:lnL w="12240">
                       <a:solidFill>
-                        <a:srgbClr val="ffffff"/>
+                        <a:srgbClr val="FFFFFF"/>
                       </a:solidFill>
                     </a:lnL>
                     <a:lnR w="12240">
                       <a:solidFill>
-                        <a:srgbClr val="ffffff"/>
+                        <a:srgbClr val="FFFFFF"/>
                       </a:solidFill>
                     </a:lnR>
                     <a:lnT w="12240">
                       <a:solidFill>
-                        <a:srgbClr val="ffffff"/>
+                        <a:srgbClr val="FFFFFF"/>
                       </a:solidFill>
                     </a:lnT>
                     <a:lnB w="12240">
                       <a:solidFill>
-                        <a:srgbClr val="ffffff"/>
+                        <a:srgbClr val="FFFFFF"/>
                       </a:solidFill>
                     </a:lnB>
                     <a:solidFill>
-                      <a:srgbClr val="e8ebf4"/>
+                      <a:srgbClr val="E8EBF4"/>
                     </a:solidFill>
                   </a:tcPr>
                 </a:tc>
+                <a:extLst>
+                  <a:ext uri="{0D108BD9-81ED-4DB2-BD59-A6C34878D82A}">
+                    <a16:rowId xmlns:a16="http://schemas.microsoft.com/office/drawing/2014/main" val="10004"/>
+                  </a:ext>
+                </a:extLst>
               </a:tr>
             </a:tbl>
           </a:graphicData>
@@ -5044,25 +5886,21 @@
       </p:graphicFrame>
     </p:spTree>
   </p:cSld>
-  <mc:AlternateContent>
-    <mc:Choice Requires="p14">
-      <p:transition spd="slow" p14:dur="2000"/>
-    </mc:Choice>
-    <mc:Fallback>
-      <p:transition spd="slow"/>
-    </mc:Fallback>
-  </mc:AlternateContent>
+  <p:clrMapOvr>
+    <a:masterClrMapping/>
+  </p:clrMapOvr>
 </p:sld>
 </file>
 
 <file path=ppt/slides/slide3.xml><?xml version="1.0" encoding="utf-8"?>
-<p:sld xmlns:a="http://schemas.openxmlformats.org/drawingml/2006/main" xmlns:p="http://schemas.openxmlformats.org/presentationml/2006/main" xmlns:r="http://schemas.openxmlformats.org/officeDocument/2006/relationships" xmlns:p14="http://schemas.microsoft.com/office/powerpoint/2010/main" xmlns:p15="http://schemas.microsoft.com/office/powerpoint/2012/main" xmlns:mc="http://schemas.openxmlformats.org/markup-compatibility/2006">
+<p:sld xmlns:a="http://schemas.openxmlformats.org/drawingml/2006/main" xmlns:r="http://schemas.openxmlformats.org/officeDocument/2006/relationships" xmlns:p="http://schemas.openxmlformats.org/presentationml/2006/main">
   <p:cSld>
     <p:bg>
       <p:bgPr>
         <a:solidFill>
-          <a:srgbClr val="ffffff"/>
+          <a:srgbClr val="FFFFFF"/>
         </a:solidFill>
+        <a:effectLst/>
       </p:bgPr>
     </p:bg>
     <p:spTree>
@@ -5135,15 +5973,22 @@
           </a:ln>
         </p:spPr>
         <p:style>
-          <a:lnRef idx="0"/>
-          <a:fillRef idx="0"/>
-          <a:effectRef idx="0"/>
+          <a:lnRef idx="0">
+            <a:scrgbClr r="0" g="0" b="0"/>
+          </a:lnRef>
+          <a:fillRef idx="0">
+            <a:scrgbClr r="0" g="0" b="0"/>
+          </a:fillRef>
+          <a:effectRef idx="0">
+            <a:scrgbClr r="0" g="0" b="0"/>
+          </a:effectRef>
           <a:fontRef idx="minor"/>
         </p:style>
         <p:txBody>
-          <a:bodyPr lIns="90000" rIns="90000" tIns="45000" bIns="45000" anchor="ctr">
+          <a:bodyPr lIns="90000" tIns="45000" rIns="90000" bIns="45000" anchor="ctr">
             <a:normAutofit/>
           </a:bodyPr>
+          <a:lstStyle/>
           <a:p>
             <a:pPr algn="ctr">
               <a:lnSpc>
@@ -5151,15 +5996,15 @@
               </a:lnSpc>
             </a:pPr>
             <a:r>
-              <a:rPr b="0" lang="en-US" sz="3200" spc="-1" strike="noStrike">
+              <a:rPr lang="en-US" sz="3200" b="0" strike="noStrike" spc="-1">
                 <a:solidFill>
-                  <a:srgbClr val="ffffff"/>
+                  <a:srgbClr val="FFFFFF"/>
                 </a:solidFill>
                 <a:latin typeface="Calibri Light"/>
               </a:rPr>
               <a:t>Tello Map template</a:t>
             </a:r>
-            <a:endParaRPr b="0" lang="en-GB" sz="3200" spc="-1" strike="noStrike">
+            <a:endParaRPr lang="en-GB" sz="3200" b="0" strike="noStrike" spc="-1">
               <a:latin typeface="Arial"/>
             </a:endParaRPr>
           </a:p>
@@ -5228,7 +6073,7 @@
                   <p:nvPr/>
                 </p:nvPicPr>
                 <p:blipFill>
-                  <a:blip r:embed="rId1"/>
+                  <a:blip r:embed="rId2"/>
                   <a:stretch/>
                 </p:blipFill>
                 <p:spPr>
@@ -5251,8 +6096,8 @@
                   <p:nvPr/>
                 </p:nvPicPr>
                 <p:blipFill>
-                  <a:blip r:embed="rId2"/>
-                  <a:srcRect l="0" t="0" r="2590" b="10300"/>
+                  <a:blip r:embed="rId3"/>
+                  <a:srcRect r="2590" b="10300"/>
                   <a:stretch/>
                 </p:blipFill>
                 <p:spPr>
@@ -5284,6 +6129,7 @@
                   <a:avLst/>
                   <a:gdLst/>
                   <a:ahLst/>
+                  <a:cxnLst/>
                   <a:rect l="l" t="t" r="r" b="b"/>
                   <a:pathLst>
                     <a:path w="21600" h="21600">
@@ -5299,10 +6145,10 @@
                 <a:noFill/>
                 <a:ln w="19080">
                   <a:solidFill>
-                    <a:srgbClr val="3f6ec2"/>
+                    <a:srgbClr val="3F6EC2"/>
                   </a:solidFill>
-                  <a:headEnd len="med" type="triangle" w="med"/>
-                  <a:tailEnd len="med" type="triangle" w="med"/>
+                  <a:headEnd type="triangle" w="med" len="med"/>
+                  <a:tailEnd type="triangle" w="med" len="med"/>
                 </a:ln>
               </p:spPr>
               <p:style>
@@ -5333,6 +6179,7 @@
                   <a:avLst/>
                   <a:gdLst/>
                   <a:ahLst/>
+                  <a:cxnLst/>
                   <a:rect l="l" t="t" r="r" b="b"/>
                   <a:pathLst>
                     <a:path w="21600" h="21600">
@@ -5348,10 +6195,10 @@
                 <a:noFill/>
                 <a:ln w="19080">
                   <a:solidFill>
-                    <a:srgbClr val="3f6ec2"/>
+                    <a:srgbClr val="3F6EC2"/>
                   </a:solidFill>
-                  <a:headEnd len="med" type="triangle" w="med"/>
-                  <a:tailEnd len="med" type="triangle" w="med"/>
+                  <a:headEnd type="triangle" w="med" len="med"/>
+                  <a:tailEnd type="triangle" w="med" len="med"/>
                 </a:ln>
               </p:spPr>
               <p:style>
@@ -5387,15 +6234,22 @@
                 </a:ln>
               </p:spPr>
               <p:style>
-                <a:lnRef idx="0"/>
-                <a:fillRef idx="0"/>
-                <a:effectRef idx="0"/>
+                <a:lnRef idx="0">
+                  <a:scrgbClr r="0" g="0" b="0"/>
+                </a:lnRef>
+                <a:fillRef idx="0">
+                  <a:scrgbClr r="0" g="0" b="0"/>
+                </a:fillRef>
+                <a:effectRef idx="0">
+                  <a:scrgbClr r="0" g="0" b="0"/>
+                </a:effectRef>
                 <a:fontRef idx="minor"/>
               </p:style>
               <p:txBody>
-                <a:bodyPr lIns="90000" rIns="90000" tIns="45000" bIns="45000">
+                <a:bodyPr lIns="90000" tIns="45000" rIns="90000" bIns="45000">
                   <a:spAutoFit/>
                 </a:bodyPr>
+                <a:lstStyle/>
                 <a:p>
                   <a:pPr>
                     <a:lnSpc>
@@ -5403,7 +6257,7 @@
                     </a:lnSpc>
                   </a:pPr>
                   <a:r>
-                    <a:rPr b="0" lang="en-GB" sz="1000" spc="-1" strike="noStrike">
+                    <a:rPr lang="en-GB" sz="1000" b="0" strike="noStrike" spc="-1">
                       <a:solidFill>
                         <a:srgbClr val="000000"/>
                       </a:solidFill>
@@ -5412,7 +6266,7 @@
                     </a:rPr>
                     <a:t>(-500,-500)</a:t>
                   </a:r>
-                  <a:endParaRPr b="0" lang="en-GB" sz="1000" spc="-1" strike="noStrike">
+                  <a:endParaRPr lang="en-GB" sz="1000" b="0" strike="noStrike" spc="-1">
                     <a:latin typeface="Arial"/>
                   </a:endParaRPr>
                 </a:p>
@@ -5484,15 +6338,22 @@
                 </a:ln>
               </p:spPr>
               <p:style>
-                <a:lnRef idx="0"/>
-                <a:fillRef idx="0"/>
-                <a:effectRef idx="0"/>
+                <a:lnRef idx="0">
+                  <a:scrgbClr r="0" g="0" b="0"/>
+                </a:lnRef>
+                <a:fillRef idx="0">
+                  <a:scrgbClr r="0" g="0" b="0"/>
+                </a:fillRef>
+                <a:effectRef idx="0">
+                  <a:scrgbClr r="0" g="0" b="0"/>
+                </a:effectRef>
                 <a:fontRef idx="minor"/>
               </p:style>
               <p:txBody>
-                <a:bodyPr lIns="90000" rIns="90000" tIns="45000" bIns="45000">
+                <a:bodyPr lIns="90000" tIns="45000" rIns="90000" bIns="45000">
                   <a:spAutoFit/>
                 </a:bodyPr>
+                <a:lstStyle/>
                 <a:p>
                   <a:pPr>
                     <a:lnSpc>
@@ -5500,7 +6361,7 @@
                     </a:lnSpc>
                   </a:pPr>
                   <a:r>
-                    <a:rPr b="0" lang="en-GB" sz="1000" spc="-1" strike="noStrike">
+                    <a:rPr lang="en-GB" sz="1000" b="0" strike="noStrike" spc="-1">
                       <a:solidFill>
                         <a:srgbClr val="000000"/>
                       </a:solidFill>
@@ -5509,7 +6370,7 @@
                     </a:rPr>
                     <a:t>(500,500)</a:t>
                   </a:r>
-                  <a:endParaRPr b="0" lang="en-GB" sz="1000" spc="-1" strike="noStrike">
+                  <a:endParaRPr lang="en-GB" sz="1000" b="0" strike="noStrike" spc="-1">
                     <a:latin typeface="Arial"/>
                   </a:endParaRPr>
                 </a:p>
@@ -5581,15 +6442,22 @@
                 </a:ln>
               </p:spPr>
               <p:style>
-                <a:lnRef idx="0"/>
-                <a:fillRef idx="0"/>
-                <a:effectRef idx="0"/>
+                <a:lnRef idx="0">
+                  <a:scrgbClr r="0" g="0" b="0"/>
+                </a:lnRef>
+                <a:fillRef idx="0">
+                  <a:scrgbClr r="0" g="0" b="0"/>
+                </a:fillRef>
+                <a:effectRef idx="0">
+                  <a:scrgbClr r="0" g="0" b="0"/>
+                </a:effectRef>
                 <a:fontRef idx="minor"/>
               </p:style>
               <p:txBody>
-                <a:bodyPr lIns="90000" rIns="90000" tIns="45000" bIns="45000">
+                <a:bodyPr lIns="90000" tIns="45000" rIns="90000" bIns="45000">
                   <a:spAutoFit/>
                 </a:bodyPr>
+                <a:lstStyle/>
                 <a:p>
                   <a:pPr>
                     <a:lnSpc>
@@ -5597,7 +6465,7 @@
                     </a:lnSpc>
                   </a:pPr>
                   <a:r>
-                    <a:rPr b="0" lang="en-GB" sz="1000" spc="-1" strike="noStrike">
+                    <a:rPr lang="en-GB" sz="1000" b="0" strike="noStrike" spc="-1">
                       <a:solidFill>
                         <a:srgbClr val="000000"/>
                       </a:solidFill>
@@ -5606,7 +6474,7 @@
                     </a:rPr>
                     <a:t>(0,500)</a:t>
                   </a:r>
-                  <a:endParaRPr b="0" lang="en-GB" sz="1000" spc="-1" strike="noStrike">
+                  <a:endParaRPr lang="en-GB" sz="1000" b="0" strike="noStrike" spc="-1">
                     <a:latin typeface="Arial"/>
                   </a:endParaRPr>
                 </a:p>
@@ -5679,15 +6547,22 @@
               </a:ln>
             </p:spPr>
             <p:style>
-              <a:lnRef idx="0"/>
-              <a:fillRef idx="0"/>
-              <a:effectRef idx="0"/>
+              <a:lnRef idx="0">
+                <a:scrgbClr r="0" g="0" b="0"/>
+              </a:lnRef>
+              <a:fillRef idx="0">
+                <a:scrgbClr r="0" g="0" b="0"/>
+              </a:fillRef>
+              <a:effectRef idx="0">
+                <a:scrgbClr r="0" g="0" b="0"/>
+              </a:effectRef>
               <a:fontRef idx="minor"/>
             </p:style>
             <p:txBody>
-              <a:bodyPr lIns="90000" rIns="90000" tIns="45000" bIns="45000">
+              <a:bodyPr lIns="90000" tIns="45000" rIns="90000" bIns="45000">
                 <a:spAutoFit/>
               </a:bodyPr>
+              <a:lstStyle/>
               <a:p>
                 <a:pPr>
                   <a:lnSpc>
@@ -5695,7 +6570,7 @@
                   </a:lnSpc>
                 </a:pPr>
                 <a:r>
-                  <a:rPr b="0" lang="en-GB" sz="1000" spc="-1" strike="noStrike">
+                  <a:rPr lang="en-GB" sz="1000" b="0" strike="noStrike" spc="-1">
                     <a:solidFill>
                       <a:srgbClr val="000000"/>
                     </a:solidFill>
@@ -5704,7 +6579,7 @@
                   </a:rPr>
                   <a:t>(0,500)</a:t>
                 </a:r>
-                <a:endParaRPr b="0" lang="en-GB" sz="1000" spc="-1" strike="noStrike">
+                <a:endParaRPr lang="en-GB" sz="1000" b="0" strike="noStrike" spc="-1">
                   <a:latin typeface="Arial"/>
                 </a:endParaRPr>
               </a:p>
@@ -5745,14 +6620,9 @@
       </p:grpSp>
     </p:spTree>
   </p:cSld>
-  <mc:AlternateContent>
-    <mc:Choice Requires="p14">
-      <p:transition spd="slow" p14:dur="2000"/>
-    </mc:Choice>
-    <mc:Fallback>
-      <p:transition spd="slow"/>
-    </mc:Fallback>
-  </mc:AlternateContent>
+  <p:clrMapOvr>
+    <a:masterClrMapping/>
+  </p:clrMapOvr>
 </p:sld>
 </file>
 
@@ -5767,34 +6637,34 @@
         <a:sysClr val="window" lastClr="FFFFFF"/>
       </a:lt1>
       <a:dk2>
-        <a:srgbClr val="44546a"/>
+        <a:srgbClr val="44546A"/>
       </a:dk2>
       <a:lt2>
-        <a:srgbClr val="e7e6e6"/>
+        <a:srgbClr val="E7E6E6"/>
       </a:lt2>
       <a:accent1>
-        <a:srgbClr val="4472c4"/>
+        <a:srgbClr val="4472C4"/>
       </a:accent1>
       <a:accent2>
-        <a:srgbClr val="ed7d31"/>
+        <a:srgbClr val="ED7D31"/>
       </a:accent2>
       <a:accent3>
-        <a:srgbClr val="a5a5a5"/>
+        <a:srgbClr val="A5A5A5"/>
       </a:accent3>
       <a:accent4>
-        <a:srgbClr val="ffc000"/>
+        <a:srgbClr val="FFC000"/>
       </a:accent4>
       <a:accent5>
-        <a:srgbClr val="5b9bd5"/>
+        <a:srgbClr val="5B9BD5"/>
       </a:accent5>
       <a:accent6>
-        <a:srgbClr val="70ad47"/>
+        <a:srgbClr val="70AD47"/>
       </a:accent6>
       <a:hlink>
-        <a:srgbClr val="0563c1"/>
+        <a:srgbClr val="0563C1"/>
       </a:hlink>
       <a:folHlink>
-        <a:srgbClr val="954f72"/>
+        <a:srgbClr val="954F72"/>
       </a:folHlink>
     </a:clrScheme>
     <a:fontScheme name="Office">
@@ -5979,6 +6849,8 @@
       </a:bgFillStyleLst>
     </a:fmtScheme>
   </a:themeElements>
+  <a:objectDefaults/>
+  <a:extraClrSchemeLst/>
 </a:theme>
 </file>
 
@@ -5993,34 +6865,34 @@
         <a:sysClr val="window" lastClr="FFFFFF"/>
       </a:lt1>
       <a:dk2>
-        <a:srgbClr val="44546a"/>
+        <a:srgbClr val="44546A"/>
       </a:dk2>
       <a:lt2>
-        <a:srgbClr val="e7e6e6"/>
+        <a:srgbClr val="E7E6E6"/>
       </a:lt2>
       <a:accent1>
-        <a:srgbClr val="4472c4"/>
+        <a:srgbClr val="4472C4"/>
       </a:accent1>
       <a:accent2>
-        <a:srgbClr val="ed7d31"/>
+        <a:srgbClr val="ED7D31"/>
       </a:accent2>
       <a:accent3>
-        <a:srgbClr val="a5a5a5"/>
+        <a:srgbClr val="A5A5A5"/>
       </a:accent3>
       <a:accent4>
-        <a:srgbClr val="ffc000"/>
+        <a:srgbClr val="FFC000"/>
       </a:accent4>
       <a:accent5>
-        <a:srgbClr val="5b9bd5"/>
+        <a:srgbClr val="5B9BD5"/>
       </a:accent5>
       <a:accent6>
-        <a:srgbClr val="70ad47"/>
+        <a:srgbClr val="70AD47"/>
       </a:accent6>
       <a:hlink>
-        <a:srgbClr val="0563c1"/>
+        <a:srgbClr val="0563C1"/>
       </a:hlink>
       <a:folHlink>
-        <a:srgbClr val="954f72"/>
+        <a:srgbClr val="954F72"/>
       </a:folHlink>
     </a:clrScheme>
     <a:fontScheme name="Office">
@@ -6205,293 +7077,7 @@
       </a:bgFillStyleLst>
     </a:fmtScheme>
   </a:themeElements>
+  <a:objectDefaults/>
+  <a:extraClrSchemeLst/>
 </a:theme>
-</file>
-
-<file path=customXml/item1.xml><?xml version="1.0" encoding="utf-8"?>
-<p:properties xmlns:p="http://schemas.microsoft.com/office/2006/metadata/properties" xmlns:xsi="http://www.w3.org/2001/XMLSchema-instance" xmlns:pc="http://schemas.microsoft.com/office/infopath/2007/PartnerControls">
-  <documentManagement/>
-</p:properties>
-</file>
-
-<file path=customXml/item2.xml><?xml version="1.0" encoding="utf-8"?>
-<ct:contentTypeSchema xmlns:ct="http://schemas.microsoft.com/office/2006/metadata/contentType" xmlns:ma="http://schemas.microsoft.com/office/2006/metadata/properties/metaAttributes" ct:_="" ma:_="" ma:contentTypeName="Document" ma:contentTypeID="0x0101004C67DE6F1A7B2F40AF7288DA9B2DC66F" ma:contentTypeVersion="14" ma:contentTypeDescription="Create a new document." ma:contentTypeScope="" ma:versionID="4e1c8a5da8a3e412e962715a975e9766">
-  <xsd:schema xmlns:xsd="http://www.w3.org/2001/XMLSchema" xmlns:xs="http://www.w3.org/2001/XMLSchema" xmlns:p="http://schemas.microsoft.com/office/2006/metadata/properties" xmlns:ns3="bd6448f9-4a1c-4e61-8c75-19c935a45542" xmlns:ns4="74cd053d-540d-4485-8ea1-05c7663abe95" targetNamespace="http://schemas.microsoft.com/office/2006/metadata/properties" ma:root="true" ma:fieldsID="5bb6b93dc1bcffd0d3ac468555b8a18e" ns3:_="" ns4:_="">
-    <xsd:import namespace="bd6448f9-4a1c-4e61-8c75-19c935a45542"/>
-    <xsd:import namespace="74cd053d-540d-4485-8ea1-05c7663abe95"/>
-    <xsd:element name="properties">
-      <xsd:complexType>
-        <xsd:sequence>
-          <xsd:element name="documentManagement">
-            <xsd:complexType>
-              <xsd:all>
-                <xsd:element ref="ns3:MediaServiceMetadata" minOccurs="0"/>
-                <xsd:element ref="ns3:MediaServiceFastMetadata" minOccurs="0"/>
-                <xsd:element ref="ns3:MediaServiceDateTaken" minOccurs="0"/>
-                <xsd:element ref="ns3:MediaServiceAutoTags" minOccurs="0"/>
-                <xsd:element ref="ns3:MediaServiceOCR" minOccurs="0"/>
-                <xsd:element ref="ns4:SharedWithUsers" minOccurs="0"/>
-                <xsd:element ref="ns4:SharedWithDetails" minOccurs="0"/>
-                <xsd:element ref="ns4:SharingHintHash" minOccurs="0"/>
-                <xsd:element ref="ns3:MediaServiceLocation" minOccurs="0"/>
-                <xsd:element ref="ns3:MediaServiceGenerationTime" minOccurs="0"/>
-                <xsd:element ref="ns3:MediaServiceEventHashCode" minOccurs="0"/>
-                <xsd:element ref="ns3:MediaServiceAutoKeyPoints" minOccurs="0"/>
-                <xsd:element ref="ns3:MediaServiceKeyPoints" minOccurs="0"/>
-                <xsd:element ref="ns3:MediaLengthInSeconds" minOccurs="0"/>
-              </xsd:all>
-            </xsd:complexType>
-          </xsd:element>
-        </xsd:sequence>
-      </xsd:complexType>
-    </xsd:element>
-  </xsd:schema>
-  <xsd:schema xmlns:xsd="http://www.w3.org/2001/XMLSchema" xmlns:xs="http://www.w3.org/2001/XMLSchema" xmlns:dms="http://schemas.microsoft.com/office/2006/documentManagement/types" xmlns:pc="http://schemas.microsoft.com/office/infopath/2007/PartnerControls" targetNamespace="bd6448f9-4a1c-4e61-8c75-19c935a45542" elementFormDefault="qualified">
-    <xsd:import namespace="http://schemas.microsoft.com/office/2006/documentManagement/types"/>
-    <xsd:import namespace="http://schemas.microsoft.com/office/infopath/2007/PartnerControls"/>
-    <xsd:element name="MediaServiceMetadata" ma:index="8" nillable="true" ma:displayName="MediaServiceMetadata" ma:hidden="true" ma:internalName="MediaServiceMetadata" ma:readOnly="true">
-      <xsd:simpleType>
-        <xsd:restriction base="dms:Note"/>
-      </xsd:simpleType>
-    </xsd:element>
-    <xsd:element name="MediaServiceFastMetadata" ma:index="9" nillable="true" ma:displayName="MediaServiceFastMetadata" ma:hidden="true" ma:internalName="MediaServiceFastMetadata" ma:readOnly="true">
-      <xsd:simpleType>
-        <xsd:restriction base="dms:Note"/>
-      </xsd:simpleType>
-    </xsd:element>
-    <xsd:element name="MediaServiceDateTaken" ma:index="10" nillable="true" ma:displayName="MediaServiceDateTaken" ma:hidden="true" ma:internalName="MediaServiceDateTaken" ma:readOnly="true">
-      <xsd:simpleType>
-        <xsd:restriction base="dms:Text"/>
-      </xsd:simpleType>
-    </xsd:element>
-    <xsd:element name="MediaServiceAutoTags" ma:index="11" nillable="true" ma:displayName="Tags" ma:internalName="MediaServiceAutoTags" ma:readOnly="true">
-      <xsd:simpleType>
-        <xsd:restriction base="dms:Text"/>
-      </xsd:simpleType>
-    </xsd:element>
-    <xsd:element name="MediaServiceOCR" ma:index="12" nillable="true" ma:displayName="Extracted Text" ma:internalName="MediaServiceOCR" ma:readOnly="true">
-      <xsd:simpleType>
-        <xsd:restriction base="dms:Note">
-          <xsd:maxLength value="255"/>
-        </xsd:restriction>
-      </xsd:simpleType>
-    </xsd:element>
-    <xsd:element name="MediaServiceLocation" ma:index="16" nillable="true" ma:displayName="Location" ma:internalName="MediaServiceLocation" ma:readOnly="true">
-      <xsd:simpleType>
-        <xsd:restriction base="dms:Text"/>
-      </xsd:simpleType>
-    </xsd:element>
-    <xsd:element name="MediaServiceGenerationTime" ma:index="17" nillable="true" ma:displayName="MediaServiceGenerationTime" ma:hidden="true" ma:internalName="MediaServiceGenerationTime" ma:readOnly="true">
-      <xsd:simpleType>
-        <xsd:restriction base="dms:Text"/>
-      </xsd:simpleType>
-    </xsd:element>
-    <xsd:element name="MediaServiceEventHashCode" ma:index="18" nillable="true" ma:displayName="MediaServiceEventHashCode" ma:hidden="true" ma:internalName="MediaServiceEventHashCode" ma:readOnly="true">
-      <xsd:simpleType>
-        <xsd:restriction base="dms:Text"/>
-      </xsd:simpleType>
-    </xsd:element>
-    <xsd:element name="MediaServiceAutoKeyPoints" ma:index="19" nillable="true" ma:displayName="MediaServiceAutoKeyPoints" ma:hidden="true" ma:internalName="MediaServiceAutoKeyPoints" ma:readOnly="true">
-      <xsd:simpleType>
-        <xsd:restriction base="dms:Note"/>
-      </xsd:simpleType>
-    </xsd:element>
-    <xsd:element name="MediaServiceKeyPoints" ma:index="20" nillable="true" ma:displayName="KeyPoints" ma:internalName="MediaServiceKeyPoints" ma:readOnly="true">
-      <xsd:simpleType>
-        <xsd:restriction base="dms:Note">
-          <xsd:maxLength value="255"/>
-        </xsd:restriction>
-      </xsd:simpleType>
-    </xsd:element>
-    <xsd:element name="MediaLengthInSeconds" ma:index="21" nillable="true" ma:displayName="Length (seconds)" ma:internalName="MediaLengthInSeconds" ma:readOnly="true">
-      <xsd:simpleType>
-        <xsd:restriction base="dms:Unknown"/>
-      </xsd:simpleType>
-    </xsd:element>
-  </xsd:schema>
-  <xsd:schema xmlns:xsd="http://www.w3.org/2001/XMLSchema" xmlns:xs="http://www.w3.org/2001/XMLSchema" xmlns:dms="http://schemas.microsoft.com/office/2006/documentManagement/types" xmlns:pc="http://schemas.microsoft.com/office/infopath/2007/PartnerControls" targetNamespace="74cd053d-540d-4485-8ea1-05c7663abe95" elementFormDefault="qualified">
-    <xsd:import namespace="http://schemas.microsoft.com/office/2006/documentManagement/types"/>
-    <xsd:import namespace="http://schemas.microsoft.com/office/infopath/2007/PartnerControls"/>
-    <xsd:element name="SharedWithUsers" ma:index="13" nillable="true" ma:displayName="Shared With" ma:internalName="SharedWithUsers" ma:readOnly="true">
-      <xsd:complexType>
-        <xsd:complexContent>
-          <xsd:extension base="dms:UserMulti">
-            <xsd:sequence>
-              <xsd:element name="UserInfo" minOccurs="0" maxOccurs="unbounded">
-                <xsd:complexType>
-                  <xsd:sequence>
-                    <xsd:element name="DisplayName" type="xsd:string" minOccurs="0"/>
-                    <xsd:element name="AccountId" type="dms:UserId" minOccurs="0" nillable="true"/>
-                    <xsd:element name="AccountType" type="xsd:string" minOccurs="0"/>
-                  </xsd:sequence>
-                </xsd:complexType>
-              </xsd:element>
-            </xsd:sequence>
-          </xsd:extension>
-        </xsd:complexContent>
-      </xsd:complexType>
-    </xsd:element>
-    <xsd:element name="SharedWithDetails" ma:index="14" nillable="true" ma:displayName="Shared With Details" ma:internalName="SharedWithDetails" ma:readOnly="true">
-      <xsd:simpleType>
-        <xsd:restriction base="dms:Note">
-          <xsd:maxLength value="255"/>
-        </xsd:restriction>
-      </xsd:simpleType>
-    </xsd:element>
-    <xsd:element name="SharingHintHash" ma:index="15" nillable="true" ma:displayName="Sharing Hint Hash" ma:hidden="true" ma:internalName="SharingHintHash" ma:readOnly="true">
-      <xsd:simpleType>
-        <xsd:restriction base="dms:Text"/>
-      </xsd:simpleType>
-    </xsd:element>
-  </xsd:schema>
-  <xsd:schema xmlns="http://schemas.openxmlformats.org/package/2006/metadata/core-properties" xmlns:xsd="http://www.w3.org/2001/XMLSchema" xmlns:xsi="http://www.w3.org/2001/XMLSchema-instance" xmlns:dc="http://purl.org/dc/elements/1.1/" xmlns:dcterms="http://purl.org/dc/terms/" xmlns:odoc="http://schemas.microsoft.com/internal/obd" targetNamespace="http://schemas.openxmlformats.org/package/2006/metadata/core-properties" elementFormDefault="qualified" attributeFormDefault="unqualified" blockDefault="#all">
-    <xsd:import namespace="http://purl.org/dc/elements/1.1/" schemaLocation="http://dublincore.org/schemas/xmls/qdc/2003/04/02/dc.xsd"/>
-    <xsd:import namespace="http://purl.org/dc/terms/" schemaLocation="http://dublincore.org/schemas/xmls/qdc/2003/04/02/dcterms.xsd"/>
-    <xsd:element name="coreProperties" type="CT_coreProperties"/>
-    <xsd:complexType name="CT_coreProperties">
-      <xsd:all>
-        <xsd:element ref="dc:creator" minOccurs="0" maxOccurs="1"/>
-        <xsd:element ref="dcterms:created" minOccurs="0" maxOccurs="1"/>
-        <xsd:element ref="dc:identifier" minOccurs="0" maxOccurs="1"/>
-        <xsd:element name="contentType" minOccurs="0" maxOccurs="1" type="xsd:string" ma:index="0" ma:displayName="Content Type"/>
-        <xsd:element ref="dc:title" minOccurs="0" maxOccurs="1" ma:index="4" ma:displayName="Title"/>
-        <xsd:element ref="dc:subject" minOccurs="0" maxOccurs="1"/>
-        <xsd:element ref="dc:description" minOccurs="0" maxOccurs="1"/>
-        <xsd:element name="keywords" minOccurs="0" maxOccurs="1" type="xsd:string"/>
-        <xsd:element ref="dc:language" minOccurs="0" maxOccurs="1"/>
-        <xsd:element name="category" minOccurs="0" maxOccurs="1" type="xsd:string"/>
-        <xsd:element name="version" minOccurs="0" maxOccurs="1" type="xsd:string"/>
-        <xsd:element name="revision" minOccurs="0" maxOccurs="1" type="xsd:string">
-          <xsd:annotation>
-            <xsd:documentation>
-                        This value indicates the number of saves or revisions. The application is responsible for updating this value after each revision.
-                    </xsd:documentation>
-          </xsd:annotation>
-        </xsd:element>
-        <xsd:element name="lastModifiedBy" minOccurs="0" maxOccurs="1" type="xsd:string"/>
-        <xsd:element ref="dcterms:modified" minOccurs="0" maxOccurs="1"/>
-        <xsd:element name="contentStatus" minOccurs="0" maxOccurs="1" type="xsd:string"/>
-      </xsd:all>
-    </xsd:complexType>
-  </xsd:schema>
-  <xs:schema xmlns:pc="http://schemas.microsoft.com/office/infopath/2007/PartnerControls" xmlns:xs="http://www.w3.org/2001/XMLSchema" targetNamespace="http://schemas.microsoft.com/office/infopath/2007/PartnerControls" elementFormDefault="qualified" attributeFormDefault="unqualified">
-    <xs:element name="Person">
-      <xs:complexType>
-        <xs:sequence>
-          <xs:element ref="pc:DisplayName" minOccurs="0"/>
-          <xs:element ref="pc:AccountId" minOccurs="0"/>
-          <xs:element ref="pc:AccountType" minOccurs="0"/>
-        </xs:sequence>
-      </xs:complexType>
-    </xs:element>
-    <xs:element name="DisplayName" type="xs:string"/>
-    <xs:element name="AccountId" type="xs:string"/>
-    <xs:element name="AccountType" type="xs:string"/>
-    <xs:element name="BDCAssociatedEntity">
-      <xs:complexType>
-        <xs:sequence>
-          <xs:element ref="pc:BDCEntity" minOccurs="0" maxOccurs="unbounded"/>
-        </xs:sequence>
-        <xs:attribute ref="pc:EntityNamespace"/>
-        <xs:attribute ref="pc:EntityName"/>
-        <xs:attribute ref="pc:SystemInstanceName"/>
-        <xs:attribute ref="pc:AssociationName"/>
-      </xs:complexType>
-    </xs:element>
-    <xs:attribute name="EntityNamespace" type="xs:string"/>
-    <xs:attribute name="EntityName" type="xs:string"/>
-    <xs:attribute name="SystemInstanceName" type="xs:string"/>
-    <xs:attribute name="AssociationName" type="xs:string"/>
-    <xs:element name="BDCEntity">
-      <xs:complexType>
-        <xs:sequence>
-          <xs:element ref="pc:EntityDisplayName" minOccurs="0"/>
-          <xs:element ref="pc:EntityInstanceReference" minOccurs="0"/>
-          <xs:element ref="pc:EntityId1" minOccurs="0"/>
-          <xs:element ref="pc:EntityId2" minOccurs="0"/>
-          <xs:element ref="pc:EntityId3" minOccurs="0"/>
-          <xs:element ref="pc:EntityId4" minOccurs="0"/>
-          <xs:element ref="pc:EntityId5" minOccurs="0"/>
-        </xs:sequence>
-      </xs:complexType>
-    </xs:element>
-    <xs:element name="EntityDisplayName" type="xs:string"/>
-    <xs:element name="EntityInstanceReference" type="xs:string"/>
-    <xs:element name="EntityId1" type="xs:string"/>
-    <xs:element name="EntityId2" type="xs:string"/>
-    <xs:element name="EntityId3" type="xs:string"/>
-    <xs:element name="EntityId4" type="xs:string"/>
-    <xs:element name="EntityId5" type="xs:string"/>
-    <xs:element name="Terms">
-      <xs:complexType>
-        <xs:sequence>
-          <xs:element ref="pc:TermInfo" minOccurs="0" maxOccurs="unbounded"/>
-        </xs:sequence>
-      </xs:complexType>
-    </xs:element>
-    <xs:element name="TermInfo">
-      <xs:complexType>
-        <xs:sequence>
-          <xs:element ref="pc:TermName" minOccurs="0"/>
-          <xs:element ref="pc:TermId" minOccurs="0"/>
-        </xs:sequence>
-      </xs:complexType>
-    </xs:element>
-    <xs:element name="TermName" type="xs:string"/>
-    <xs:element name="TermId" type="xs:string"/>
-  </xs:schema>
-</ct:contentTypeSchema>
-</file>
-
-<file path=customXml/item3.xml><?xml version="1.0" encoding="utf-8"?>
-<?mso-contentType ?>
-<FormTemplates xmlns="http://schemas.microsoft.com/sharepoint/v3/contenttype/forms">
-  <Display>DocumentLibraryForm</Display>
-  <Edit>DocumentLibraryForm</Edit>
-  <New>DocumentLibraryForm</New>
-</FormTemplates>
-</file>
-
-<file path=customXml/itemProps1.xml><?xml version="1.0" encoding="utf-8"?>
-<ds:datastoreItem xmlns:ds="http://schemas.openxmlformats.org/officeDocument/2006/customXml" ds:itemID="{1AC6BCB7-BEDB-4B05-AA18-8351898859BF}">
-  <ds:schemaRefs>
-    <ds:schemaRef ds:uri="http://purl.org/dc/elements/1.1/"/>
-    <ds:schemaRef ds:uri="http://schemas.microsoft.com/office/2006/metadata/properties"/>
-    <ds:schemaRef ds:uri="http://schemas.microsoft.com/office/2006/documentManagement/types"/>
-    <ds:schemaRef ds:uri="74cd053d-540d-4485-8ea1-05c7663abe95"/>
-    <ds:schemaRef ds:uri="http://purl.org/dc/terms/"/>
-    <ds:schemaRef ds:uri="http://schemas.openxmlformats.org/package/2006/metadata/core-properties"/>
-    <ds:schemaRef ds:uri="http://purl.org/dc/dcmitype/"/>
-    <ds:schemaRef ds:uri="bd6448f9-4a1c-4e61-8c75-19c935a45542"/>
-    <ds:schemaRef ds:uri="http://schemas.microsoft.com/office/infopath/2007/PartnerControls"/>
-    <ds:schemaRef ds:uri="http://www.w3.org/XML/1998/namespace"/>
-  </ds:schemaRefs>
-</ds:datastoreItem>
-</file>
-
-<file path=customXml/itemProps2.xml><?xml version="1.0" encoding="utf-8"?>
-<ds:datastoreItem xmlns:ds="http://schemas.openxmlformats.org/officeDocument/2006/customXml" ds:itemID="{5FF17481-E8C9-437B-BF0D-382765010B1E}">
-  <ds:schemaRefs>
-    <ds:schemaRef ds:uri="http://schemas.microsoft.com/office/2006/metadata/contentType"/>
-    <ds:schemaRef ds:uri="http://schemas.microsoft.com/office/2006/metadata/properties/metaAttributes"/>
-    <ds:schemaRef ds:uri="http://www.w3.org/2001/XMLSchema"/>
-    <ds:schemaRef ds:uri="http://schemas.microsoft.com/office/2006/metadata/properties"/>
-    <ds:schemaRef ds:uri="bd6448f9-4a1c-4e61-8c75-19c935a45542"/>
-    <ds:schemaRef ds:uri="74cd053d-540d-4485-8ea1-05c7663abe95"/>
-    <ds:schemaRef ds:uri="http://schemas.microsoft.com/office/2006/documentManagement/types"/>
-    <ds:schemaRef ds:uri="http://schemas.microsoft.com/office/infopath/2007/PartnerControls"/>
-    <ds:schemaRef ds:uri="http://schemas.openxmlformats.org/package/2006/metadata/core-properties"/>
-    <ds:schemaRef ds:uri="http://purl.org/dc/elements/1.1/"/>
-    <ds:schemaRef ds:uri="http://purl.org/dc/terms/"/>
-    <ds:schemaRef ds:uri="http://schemas.microsoft.com/internal/obd"/>
-  </ds:schemaRefs>
-</ds:datastoreItem>
-</file>
-
-<file path=customXml/itemProps3.xml><?xml version="1.0" encoding="utf-8"?>
-<ds:datastoreItem xmlns:ds="http://schemas.openxmlformats.org/officeDocument/2006/customXml" ds:itemID="{23DDCE17-88C3-4032-A5F7-6798F0AF4B1E}">
-  <ds:schemaRefs>
-    <ds:schemaRef ds:uri="http://schemas.microsoft.com/sharepoint/v3/contenttype/forms"/>
-  </ds:schemaRefs>
-</ds:datastoreItem>
 </file>